--- a/LatimCode.pptx
+++ b/LatimCode.pptx
@@ -13,21 +13,22 @@
     <p:sldId id="278" r:id="rId7"/>
     <p:sldId id="259" r:id="rId8"/>
     <p:sldId id="260" r:id="rId9"/>
-    <p:sldId id="261" r:id="rId10"/>
-    <p:sldId id="262" r:id="rId11"/>
-    <p:sldId id="263" r:id="rId12"/>
-    <p:sldId id="264" r:id="rId13"/>
-    <p:sldId id="265" r:id="rId14"/>
-    <p:sldId id="266" r:id="rId15"/>
-    <p:sldId id="267" r:id="rId16"/>
-    <p:sldId id="268" r:id="rId17"/>
-    <p:sldId id="269" r:id="rId18"/>
-    <p:sldId id="270" r:id="rId19"/>
-    <p:sldId id="271" r:id="rId20"/>
-    <p:sldId id="272" r:id="rId21"/>
-    <p:sldId id="273" r:id="rId22"/>
-    <p:sldId id="274" r:id="rId23"/>
-    <p:sldId id="275" r:id="rId24"/>
+    <p:sldId id="279" r:id="rId10"/>
+    <p:sldId id="261" r:id="rId11"/>
+    <p:sldId id="262" r:id="rId12"/>
+    <p:sldId id="263" r:id="rId13"/>
+    <p:sldId id="264" r:id="rId14"/>
+    <p:sldId id="265" r:id="rId15"/>
+    <p:sldId id="266" r:id="rId16"/>
+    <p:sldId id="267" r:id="rId17"/>
+    <p:sldId id="268" r:id="rId18"/>
+    <p:sldId id="269" r:id="rId19"/>
+    <p:sldId id="270" r:id="rId20"/>
+    <p:sldId id="271" r:id="rId21"/>
+    <p:sldId id="272" r:id="rId22"/>
+    <p:sldId id="273" r:id="rId23"/>
+    <p:sldId id="274" r:id="rId24"/>
+    <p:sldId id="275" r:id="rId25"/>
   </p:sldIdLst>
   <p:sldSz cx="12192000" cy="6858000"/>
   <p:notesSz cx="6858000" cy="9144000"/>
@@ -137,7 +138,7 @@
 <file path=ppt/revisionInfo.xml><?xml version="1.0" encoding="utf-8"?>
 <p1510:revInfo xmlns:a="http://schemas.openxmlformats.org/drawingml/2006/main" xmlns:r="http://schemas.openxmlformats.org/officeDocument/2006/relationships" xmlns:p1510="http://schemas.microsoft.com/office/powerpoint/2015/10/main">
   <p1510:revLst>
-    <p1510:client id="{7559B024-4940-48AB-9EE1-3435D782F6F7}" v="8258" dt="2020-06-17T20:39:04.355"/>
+    <p1510:client id="{7559B024-4940-48AB-9EE1-3435D782F6F7}" v="8426" dt="2020-06-17T20:46:44.926"/>
   </p1510:revLst>
 </p1510:revInfo>
 </file>
@@ -3125,7 +3126,7 @@
           <p:cNvPr id="2" name="Título 1">
             <a:extLst>
               <a:ext uri="{FF2B5EF4-FFF2-40B4-BE49-F238E27FC236}">
-                <a16:creationId xmlns:a16="http://schemas.microsoft.com/office/drawing/2014/main" id="{DF357B10-1C81-4937-A9AA-73A38745F842}"/>
+                <a16:creationId xmlns:a16="http://schemas.microsoft.com/office/drawing/2014/main" id="{4CE8555A-16DB-4C37-B011-3A67768244DC}"/>
               </a:ext>
             </a:extLst>
           </p:cNvPr>
@@ -3145,9 +3146,9 @@
               <a:rPr lang="pt-BR" dirty="0">
                 <a:cs typeface="Calibri Light"/>
               </a:rPr>
-              <a:t>Definição de variáveis</a:t>
-            </a:r>
-            <a:endParaRPr lang="pt-BR" dirty="0" err="1"/>
+              <a:t>Como Usar: primeiros passos</a:t>
+            </a:r>
+            <a:endParaRPr lang="pt-BR" dirty="0"/>
           </a:p>
         </p:txBody>
       </p:sp>
@@ -3156,7 +3157,7 @@
           <p:cNvPr id="3" name="Espaço Reservado para Conteúdo 2">
             <a:extLst>
               <a:ext uri="{FF2B5EF4-FFF2-40B4-BE49-F238E27FC236}">
-                <a16:creationId xmlns:a16="http://schemas.microsoft.com/office/drawing/2014/main" id="{4CF15488-6D57-4A3E-95E7-5352B63EEEE9}"/>
+                <a16:creationId xmlns:a16="http://schemas.microsoft.com/office/drawing/2014/main" id="{AD5F78C6-8DC3-4FF1-8CAC-79C4F098784A}"/>
               </a:ext>
             </a:extLst>
           </p:cNvPr>
@@ -3167,12 +3168,7 @@
             <p:ph idx="1"/>
           </p:nvPr>
         </p:nvSpPr>
-        <p:spPr>
-          <a:xfrm>
-            <a:off x="829129" y="1517196"/>
-            <a:ext cx="10515600" cy="4886552"/>
-          </a:xfrm>
-        </p:spPr>
+        <p:spPr/>
         <p:txBody>
           <a:bodyPr vert="horz" lIns="91440" tIns="45720" rIns="91440" bIns="45720" rtlCol="0" anchor="t">
             <a:normAutofit/>
@@ -3183,193 +3179,53 @@
               <a:rPr lang="pt-BR" dirty="0">
                 <a:cs typeface="Calibri"/>
               </a:rPr>
-              <a:t>As variáveis são sempre nomeadas usando </a:t>
+              <a:t>O documento inicial precisa iniciar e terminar com as </a:t>
+            </a:r>
+            <a:r>
+              <a:rPr lang="pt-BR" dirty="0" err="1">
+                <a:cs typeface="Calibri"/>
+              </a:rPr>
+              <a:t>segintes</a:t>
             </a:r>
             <a:r>
               <a:rPr lang="pt-BR" dirty="0">
-                <a:solidFill>
-                  <a:schemeClr val="accent6">
-                    <a:lumMod val="60000"/>
-                    <a:lumOff val="40000"/>
-                  </a:schemeClr>
-                </a:solidFill>
-                <a:highlight>
-                  <a:srgbClr val="000000"/>
-                </a:highlight>
-                <a:cs typeface="Calibri"/>
-              </a:rPr>
-              <a:t>::</a:t>
-            </a:r>
+                <a:cs typeface="Calibri"/>
+              </a:rPr>
+              <a:t> definições:</a:t>
+            </a:r>
+          </a:p>
+          <a:p>
+            <a:endParaRPr lang="pt-BR" dirty="0">
+              <a:cs typeface="Calibri"/>
+            </a:endParaRPr>
+          </a:p>
+          <a:p>
+            <a:endParaRPr lang="pt-BR" dirty="0">
+              <a:cs typeface="Calibri"/>
+            </a:endParaRPr>
+          </a:p>
+          <a:p>
+            <a:endParaRPr lang="pt-BR" dirty="0">
+              <a:cs typeface="Calibri"/>
+            </a:endParaRPr>
+          </a:p>
+          <a:p>
+            <a:endParaRPr lang="pt-BR" dirty="0">
+              <a:cs typeface="Calibri"/>
+            </a:endParaRPr>
+          </a:p>
+          <a:p>
             <a:r>
               <a:rPr lang="pt-BR" dirty="0">
                 <a:cs typeface="Calibri"/>
               </a:rPr>
-              <a:t> no início:</a:t>
+              <a:t>Para comentários no código, usar :</a:t>
             </a:r>
           </a:p>
           <a:p>
             <a:endParaRPr lang="pt-BR" dirty="0">
               <a:cs typeface="Calibri"/>
             </a:endParaRPr>
-          </a:p>
-          <a:p>
-            <a:endParaRPr lang="pt-BR" dirty="0">
-              <a:cs typeface="Calibri"/>
-            </a:endParaRPr>
-          </a:p>
-          <a:p>
-            <a:endParaRPr lang="pt-BR" dirty="0">
-              <a:cs typeface="Calibri"/>
-            </a:endParaRPr>
-          </a:p>
-          <a:p>
-            <a:endParaRPr lang="pt-BR" dirty="0">
-              <a:cs typeface="Calibri"/>
-            </a:endParaRPr>
-          </a:p>
-          <a:p>
-            <a:r>
-              <a:rPr lang="pt-BR" dirty="0" err="1">
-                <a:cs typeface="Calibri" panose="020F0502020204030204"/>
-              </a:rPr>
-              <a:t>Variaveis</a:t>
-            </a:r>
-            <a:r>
-              <a:rPr lang="pt-BR" dirty="0">
-                <a:cs typeface="Calibri" panose="020F0502020204030204"/>
-              </a:rPr>
-              <a:t> podem ser de 3 tipos:</a:t>
-            </a:r>
-          </a:p>
-          <a:p>
-            <a:pPr lvl="1"/>
-            <a:r>
-              <a:rPr lang="pt-BR" dirty="0" err="1">
-                <a:cs typeface="Calibri" panose="020F0502020204030204"/>
-              </a:rPr>
-              <a:t>Bool</a:t>
-            </a:r>
-            <a:r>
-              <a:rPr lang="pt-BR" dirty="0">
-                <a:cs typeface="Calibri" panose="020F0502020204030204"/>
-              </a:rPr>
-              <a:t> ('</a:t>
-            </a:r>
-            <a:r>
-              <a:rPr lang="pt-BR" dirty="0" err="1">
-                <a:cs typeface="Calibri" panose="020F0502020204030204"/>
-              </a:rPr>
-              <a:t>verum</a:t>
-            </a:r>
-            <a:r>
-              <a:rPr lang="pt-BR" dirty="0">
-                <a:cs typeface="Calibri" panose="020F0502020204030204"/>
-              </a:rPr>
-              <a:t>' | '</a:t>
-            </a:r>
-            <a:r>
-              <a:rPr lang="pt-BR" dirty="0" err="1">
-                <a:cs typeface="Calibri" panose="020F0502020204030204"/>
-              </a:rPr>
-              <a:t>falsus</a:t>
-            </a:r>
-            <a:r>
-              <a:rPr lang="pt-BR" dirty="0">
-                <a:cs typeface="Calibri" panose="020F0502020204030204"/>
-              </a:rPr>
-              <a:t>')</a:t>
-            </a:r>
-          </a:p>
-          <a:p>
-            <a:pPr lvl="1"/>
-            <a:r>
-              <a:rPr lang="pt-BR" dirty="0" err="1">
-                <a:cs typeface="Calibri" panose="020F0502020204030204"/>
-              </a:rPr>
-              <a:t>Int</a:t>
-            </a:r>
-            <a:r>
-              <a:rPr lang="pt-BR" dirty="0">
-                <a:cs typeface="Calibri" panose="020F0502020204030204"/>
-              </a:rPr>
-              <a:t> ([0-9]*)</a:t>
-            </a:r>
-          </a:p>
-          <a:p>
-            <a:pPr lvl="1"/>
-            <a:r>
-              <a:rPr lang="pt-BR" dirty="0" err="1">
-                <a:cs typeface="Calibri" panose="020F0502020204030204"/>
-              </a:rPr>
-              <a:t>String</a:t>
-            </a:r>
-            <a:r>
-              <a:rPr lang="pt-BR" dirty="0">
-                <a:cs typeface="Calibri" panose="020F0502020204030204"/>
-              </a:rPr>
-              <a:t> (</a:t>
-            </a:r>
-            <a:r>
-              <a:rPr lang="pt-BR" dirty="0">
-                <a:ea typeface="+mn-lt"/>
-                <a:cs typeface="+mn-lt"/>
-              </a:rPr>
-              <a:t>' " ', ((' ' | [a-</a:t>
-            </a:r>
-            <a:r>
-              <a:rPr lang="pt-BR" dirty="0" err="1">
-                <a:ea typeface="+mn-lt"/>
-                <a:cs typeface="+mn-lt"/>
-              </a:rPr>
-              <a:t>zA</a:t>
-            </a:r>
-            <a:r>
-              <a:rPr lang="pt-BR" dirty="0">
-                <a:ea typeface="+mn-lt"/>
-                <a:cs typeface="+mn-lt"/>
-              </a:rPr>
-              <a:t>-Z]| [0-9]| '' ) , { ( ' ' | [a-</a:t>
-            </a:r>
-            <a:r>
-              <a:rPr lang="pt-BR" dirty="0" err="1">
-                <a:ea typeface="+mn-lt"/>
-                <a:cs typeface="+mn-lt"/>
-              </a:rPr>
-              <a:t>zA</a:t>
-            </a:r>
-            <a:r>
-              <a:rPr lang="pt-BR" dirty="0">
-                <a:ea typeface="+mn-lt"/>
-                <a:cs typeface="+mn-lt"/>
-              </a:rPr>
-              <a:t>-Z]| [0-9] | '') }), ' " '</a:t>
-            </a:r>
-            <a:r>
-              <a:rPr lang="pt-BR" dirty="0">
-                <a:cs typeface="Calibri" panose="020F0502020204030204"/>
-              </a:rPr>
-              <a:t>)</a:t>
-            </a:r>
-          </a:p>
-          <a:p>
-            <a:r>
-              <a:rPr lang="pt-BR" dirty="0">
-                <a:cs typeface="Calibri" panose="020F0502020204030204"/>
-              </a:rPr>
-              <a:t>Definição de tipo é </a:t>
-            </a:r>
-            <a:r>
-              <a:rPr lang="pt-BR" dirty="0" err="1">
-                <a:cs typeface="Calibri" panose="020F0502020204030204"/>
-              </a:rPr>
-              <a:t>implicita</a:t>
-            </a:r>
-            <a:r>
-              <a:rPr lang="pt-BR" dirty="0">
-                <a:cs typeface="Calibri" panose="020F0502020204030204"/>
-              </a:rPr>
-              <a:t>.</a:t>
-            </a:r>
           </a:p>
         </p:txBody>
       </p:sp>
@@ -3378,7 +3234,7 @@
           <p:cNvPr id="4" name="CaixaDeTexto 3">
             <a:extLst>
               <a:ext uri="{FF2B5EF4-FFF2-40B4-BE49-F238E27FC236}">
-                <a16:creationId xmlns:a16="http://schemas.microsoft.com/office/drawing/2014/main" id="{4CC24214-01BA-4D7B-949B-E1CCB83D0B67}"/>
+                <a16:creationId xmlns:a16="http://schemas.microsoft.com/office/drawing/2014/main" id="{361B4FD8-7945-4445-BA60-92CDD3678D8E}"/>
               </a:ext>
             </a:extLst>
           </p:cNvPr>
@@ -3387,8 +3243,8 @@
         </p:nvSpPr>
         <p:spPr>
           <a:xfrm>
-            <a:off x="1758043" y="2211613"/>
-            <a:ext cx="3840841" cy="1754326"/>
+            <a:off x="2120900" y="2810327"/>
+            <a:ext cx="2743199" cy="1477328"/>
           </a:xfrm>
           <a:prstGeom prst="rect">
             <a:avLst/>
@@ -3422,153 +3278,198 @@
             <a:r>
               <a:rPr lang="pt-BR" dirty="0" err="1">
                 <a:solidFill>
-                  <a:srgbClr val="A8D08D"/>
-                </a:solidFill>
-                <a:cs typeface="Calibri"/>
-              </a:rPr>
-              <a:t>Pelagus</a:t>
+                  <a:schemeClr val="accent6">
+                    <a:lumMod val="60000"/>
+                    <a:lumOff val="40000"/>
+                  </a:schemeClr>
+                </a:solidFill>
+                <a:ea typeface="+mn-lt"/>
+                <a:cs typeface="+mn-lt"/>
+              </a:rPr>
+              <a:t>pelagus</a:t>
             </a:r>
             <a:r>
               <a:rPr lang="pt-BR" dirty="0">
                 <a:solidFill>
-                  <a:srgbClr val="A8D08D"/>
-                </a:solidFill>
-                <a:cs typeface="Calibri"/>
+                  <a:schemeClr val="accent6">
+                    <a:lumMod val="60000"/>
+                    <a:lumOff val="40000"/>
+                  </a:schemeClr>
+                </a:solidFill>
+                <a:ea typeface="+mn-lt"/>
+                <a:cs typeface="+mn-lt"/>
               </a:rPr>
               <a:t>?</a:t>
             </a:r>
-            <a:endParaRPr lang="pt-BR" dirty="0"/>
+          </a:p>
+          <a:p>
+            <a:endParaRPr lang="pt-BR" dirty="0">
+              <a:solidFill>
+                <a:schemeClr val="accent6">
+                  <a:lumMod val="60000"/>
+                  <a:lumOff val="40000"/>
+                </a:schemeClr>
+              </a:solidFill>
+              <a:cs typeface="Calibri"/>
+            </a:endParaRPr>
           </a:p>
           <a:p>
             <a:r>
               <a:rPr lang="pt-BR" dirty="0">
                 <a:solidFill>
-                  <a:srgbClr val="A8D08D"/>
-                </a:solidFill>
-                <a:cs typeface="Calibri"/>
-              </a:rPr>
-              <a:t>    ::</a:t>
-            </a:r>
-            <a:r>
-              <a:rPr lang="pt-BR" dirty="0" err="1">
-                <a:solidFill>
-                  <a:srgbClr val="A8D08D"/>
-                </a:solidFill>
-                <a:cs typeface="Calibri"/>
-              </a:rPr>
-              <a:t>variavel</a:t>
-            </a:r>
+                  <a:schemeClr val="accent6">
+                    <a:lumMod val="60000"/>
+                    <a:lumOff val="40000"/>
+                  </a:schemeClr>
+                </a:solidFill>
+                <a:ea typeface="+mn-lt"/>
+                <a:cs typeface="+mn-lt"/>
+              </a:rPr>
+              <a:t>    /* Código */</a:t>
+            </a:r>
+          </a:p>
+          <a:p>
+            <a:endParaRPr lang="pt-BR" dirty="0">
+              <a:solidFill>
+                <a:schemeClr val="accent6">
+                  <a:lumMod val="60000"/>
+                  <a:lumOff val="40000"/>
+                </a:schemeClr>
+              </a:solidFill>
+              <a:cs typeface="Calibri"/>
+            </a:endParaRPr>
+          </a:p>
+          <a:p>
+            <a:pPr algn="l"/>
             <a:r>
               <a:rPr lang="pt-BR" dirty="0">
                 <a:solidFill>
-                  <a:srgbClr val="A8D08D"/>
-                </a:solidFill>
-                <a:cs typeface="Calibri"/>
-              </a:rPr>
-              <a:t> = 0;</a:t>
-            </a:r>
-          </a:p>
+                  <a:schemeClr val="accent6">
+                    <a:lumMod val="60000"/>
+                    <a:lumOff val="40000"/>
+                  </a:schemeClr>
+                </a:solidFill>
+                <a:ea typeface="+mn-lt"/>
+                <a:cs typeface="+mn-lt"/>
+              </a:rPr>
+              <a:t>?</a:t>
+            </a:r>
+            <a:r>
+              <a:rPr lang="pt-BR" err="1">
+                <a:solidFill>
+                  <a:schemeClr val="accent6">
+                    <a:lumMod val="60000"/>
+                    <a:lumOff val="40000"/>
+                  </a:schemeClr>
+                </a:solidFill>
+                <a:ea typeface="+mn-lt"/>
+                <a:cs typeface="+mn-lt"/>
+              </a:rPr>
+              <a:t>prope</a:t>
+            </a:r>
+            <a:endParaRPr lang="pt-BR" err="1">
+              <a:solidFill>
+                <a:schemeClr val="accent6">
+                  <a:lumMod val="60000"/>
+                  <a:lumOff val="40000"/>
+                </a:schemeClr>
+              </a:solidFill>
+            </a:endParaRPr>
+          </a:p>
+        </p:txBody>
+      </p:sp>
+      <p:sp>
+        <p:nvSpPr>
+          <p:cNvPr id="5" name="CaixaDeTexto 4">
+            <a:extLst>
+              <a:ext uri="{FF2B5EF4-FFF2-40B4-BE49-F238E27FC236}">
+                <a16:creationId xmlns:a16="http://schemas.microsoft.com/office/drawing/2014/main" id="{AFC79266-C908-4454-B43D-8685EA9D7B68}"/>
+              </a:ext>
+            </a:extLst>
+          </p:cNvPr>
+          <p:cNvSpPr txBox="1"/>
+          <p:nvPr/>
+        </p:nvSpPr>
+        <p:spPr>
+          <a:xfrm>
+            <a:off x="1510846" y="5502274"/>
+            <a:ext cx="2743199" cy="369332"/>
+          </a:xfrm>
+          <a:prstGeom prst="rect">
+            <a:avLst/>
+          </a:prstGeom>
+        </p:spPr>
+        <p:style>
+          <a:lnRef idx="2">
+            <a:schemeClr val="dk1">
+              <a:shade val="50000"/>
+            </a:schemeClr>
+          </a:lnRef>
+          <a:fillRef idx="1">
+            <a:schemeClr val="dk1"/>
+          </a:fillRef>
+          <a:effectRef idx="0">
+            <a:schemeClr val="dk1"/>
+          </a:effectRef>
+          <a:fontRef idx="minor">
+            <a:schemeClr val="lt1"/>
+          </a:fontRef>
+        </p:style>
+        <p:txBody>
+          <a:bodyPr rot="0" spcFirstLastPara="0" vertOverflow="overflow" horzOverflow="overflow" vert="horz" wrap="square" lIns="91440" tIns="45720" rIns="91440" bIns="45720" numCol="1" spcCol="0" rtlCol="0" fromWordArt="0" anchor="t" anchorCtr="0" forceAA="0" compatLnSpc="1">
+            <a:prstTxWarp prst="textNoShape">
+              <a:avLst/>
+            </a:prstTxWarp>
+            <a:spAutoFit/>
+          </a:bodyPr>
+          <a:lstStyle/>
           <a:p>
             <a:r>
               <a:rPr lang="pt-BR" dirty="0">
                 <a:solidFill>
-                  <a:srgbClr val="A8D08D"/>
-                </a:solidFill>
-                <a:cs typeface="Calibri"/>
-              </a:rPr>
-              <a:t>    ::</a:t>
-            </a:r>
-            <a:r>
-              <a:rPr lang="pt-BR" dirty="0" err="1">
-                <a:solidFill>
-                  <a:srgbClr val="A8D08D"/>
-                </a:solidFill>
-                <a:cs typeface="Calibri"/>
-              </a:rPr>
-              <a:t>outra_variavel</a:t>
+                  <a:schemeClr val="accent6">
+                    <a:lumMod val="60000"/>
+                    <a:lumOff val="40000"/>
+                  </a:schemeClr>
+                </a:solidFill>
+                <a:ea typeface="+mn-lt"/>
+                <a:cs typeface="+mn-lt"/>
+              </a:rPr>
+              <a:t>/* </a:t>
+            </a:r>
+            <a:r>
+              <a:rPr lang="pt-BR">
+                <a:solidFill>
+                  <a:schemeClr val="accent6">
+                    <a:lumMod val="60000"/>
+                    <a:lumOff val="40000"/>
+                  </a:schemeClr>
+                </a:solidFill>
+                <a:ea typeface="+mn-lt"/>
+                <a:cs typeface="+mn-lt"/>
+              </a:rPr>
+              <a:t>comentário</a:t>
             </a:r>
             <a:r>
               <a:rPr lang="pt-BR" dirty="0">
                 <a:solidFill>
-                  <a:srgbClr val="A8D08D"/>
-                </a:solidFill>
-                <a:cs typeface="Calibri"/>
-              </a:rPr>
-              <a:t> = ::variavel+1;</a:t>
-            </a:r>
-          </a:p>
-          <a:p>
-            <a:r>
-              <a:rPr lang="pt-BR" dirty="0">
-                <a:solidFill>
-                  <a:srgbClr val="A8D08D"/>
-                </a:solidFill>
-                <a:cs typeface="Calibri"/>
-              </a:rPr>
-              <a:t>    ::escrito = "Isso é escrito";</a:t>
-            </a:r>
-          </a:p>
-          <a:p>
-            <a:r>
-              <a:rPr lang="pt-BR" dirty="0">
-                <a:solidFill>
-                  <a:srgbClr val="A8D08D"/>
-                </a:solidFill>
-                <a:cs typeface="Calibri"/>
-              </a:rPr>
-              <a:t>    ::booleano = </a:t>
-            </a:r>
-            <a:r>
-              <a:rPr lang="pt-BR" dirty="0" err="1">
-                <a:solidFill>
-                  <a:srgbClr val="A8D08D"/>
-                </a:solidFill>
-                <a:cs typeface="Calibri"/>
-              </a:rPr>
-              <a:t>falsus</a:t>
-            </a:r>
-            <a:r>
-              <a:rPr lang="pt-BR" dirty="0">
-                <a:solidFill>
-                  <a:srgbClr val="A8D08D"/>
-                </a:solidFill>
-                <a:cs typeface="Calibri"/>
-              </a:rPr>
-              <a:t>; /* isso é falso */</a:t>
-            </a:r>
-          </a:p>
-          <a:p>
-            <a:r>
-              <a:rPr lang="pt-BR" dirty="0">
-                <a:solidFill>
-                  <a:srgbClr val="A8D08D"/>
-                </a:solidFill>
-                <a:cs typeface="Calibri"/>
-              </a:rPr>
-              <a:t>?</a:t>
-            </a:r>
-            <a:r>
-              <a:rPr lang="pt-BR" dirty="0" err="1">
-                <a:solidFill>
-                  <a:srgbClr val="A8D08D"/>
-                </a:solidFill>
-                <a:cs typeface="Calibri"/>
-              </a:rPr>
-              <a:t>prope</a:t>
-            </a:r>
-            <a:endParaRPr lang="pt-BR" dirty="0">
-              <a:solidFill>
-                <a:srgbClr val="A8D08D"/>
-              </a:solidFill>
-              <a:cs typeface="Calibri"/>
-            </a:endParaRPr>
+                  <a:schemeClr val="accent6">
+                    <a:lumMod val="60000"/>
+                    <a:lumOff val="40000"/>
+                  </a:schemeClr>
+                </a:solidFill>
+                <a:ea typeface="+mn-lt"/>
+                <a:cs typeface="+mn-lt"/>
+              </a:rPr>
+              <a:t> /*</a:t>
+            </a:r>
           </a:p>
         </p:txBody>
       </p:sp>
     </p:spTree>
     <p:extLst>
       <p:ext uri="{BB962C8B-B14F-4D97-AF65-F5344CB8AC3E}">
-        <p14:creationId xmlns:p14="http://schemas.microsoft.com/office/powerpoint/2010/main" val="441546643"/>
+        <p14:creationId xmlns:p14="http://schemas.microsoft.com/office/powerpoint/2010/main" val="4084509013"/>
       </p:ext>
     </p:extLst>
   </p:cSld>
@@ -3600,7 +3501,7 @@
           <p:cNvPr id="2" name="Título 1">
             <a:extLst>
               <a:ext uri="{FF2B5EF4-FFF2-40B4-BE49-F238E27FC236}">
-                <a16:creationId xmlns:a16="http://schemas.microsoft.com/office/drawing/2014/main" id="{9684C8FA-F7F6-4DE1-A8FF-3A7044914208}"/>
+                <a16:creationId xmlns:a16="http://schemas.microsoft.com/office/drawing/2014/main" id="{DF357B10-1C81-4937-A9AA-73A38745F842}"/>
               </a:ext>
             </a:extLst>
           </p:cNvPr>
@@ -3620,9 +3521,9 @@
               <a:rPr lang="pt-BR" dirty="0">
                 <a:cs typeface="Calibri Light"/>
               </a:rPr>
-              <a:t>Funções matemáticas</a:t>
-            </a:r>
-            <a:endParaRPr lang="pt-BR" dirty="0"/>
+              <a:t>Definição de variáveis</a:t>
+            </a:r>
+            <a:endParaRPr lang="pt-BR" dirty="0" err="1"/>
           </a:p>
         </p:txBody>
       </p:sp>
@@ -3631,7 +3532,7 @@
           <p:cNvPr id="3" name="Espaço Reservado para Conteúdo 2">
             <a:extLst>
               <a:ext uri="{FF2B5EF4-FFF2-40B4-BE49-F238E27FC236}">
-                <a16:creationId xmlns:a16="http://schemas.microsoft.com/office/drawing/2014/main" id="{FC961251-F4F2-4F1D-AA07-7DA019195D28}"/>
+                <a16:creationId xmlns:a16="http://schemas.microsoft.com/office/drawing/2014/main" id="{4CF15488-6D57-4A3E-95E7-5352B63EEEE9}"/>
               </a:ext>
             </a:extLst>
           </p:cNvPr>
@@ -3642,7 +3543,12 @@
             <p:ph idx="1"/>
           </p:nvPr>
         </p:nvSpPr>
-        <p:spPr/>
+        <p:spPr>
+          <a:xfrm>
+            <a:off x="829129" y="1517196"/>
+            <a:ext cx="10515600" cy="4886552"/>
+          </a:xfrm>
+        </p:spPr>
         <p:txBody>
           <a:bodyPr vert="horz" lIns="91440" tIns="45720" rIns="91440" bIns="45720" rtlCol="0" anchor="t">
             <a:normAutofit/>
@@ -3653,121 +3559,193 @@
               <a:rPr lang="pt-BR" dirty="0">
                 <a:cs typeface="Calibri"/>
               </a:rPr>
-              <a:t>O </a:t>
-            </a:r>
+              <a:t>As variáveis são sempre nomeadas usando </a:t>
+            </a:r>
+            <a:r>
+              <a:rPr lang="pt-BR" dirty="0">
+                <a:solidFill>
+                  <a:schemeClr val="accent6">
+                    <a:lumMod val="60000"/>
+                    <a:lumOff val="40000"/>
+                  </a:schemeClr>
+                </a:solidFill>
+                <a:highlight>
+                  <a:srgbClr val="000000"/>
+                </a:highlight>
+                <a:cs typeface="Calibri"/>
+              </a:rPr>
+              <a:t>::</a:t>
+            </a:r>
+            <a:r>
+              <a:rPr lang="pt-BR" dirty="0">
+                <a:cs typeface="Calibri"/>
+              </a:rPr>
+              <a:t> no início:</a:t>
+            </a:r>
+          </a:p>
+          <a:p>
+            <a:endParaRPr lang="pt-BR" dirty="0">
+              <a:cs typeface="Calibri"/>
+            </a:endParaRPr>
+          </a:p>
+          <a:p>
+            <a:endParaRPr lang="pt-BR" dirty="0">
+              <a:cs typeface="Calibri"/>
+            </a:endParaRPr>
+          </a:p>
+          <a:p>
+            <a:endParaRPr lang="pt-BR" dirty="0">
+              <a:cs typeface="Calibri"/>
+            </a:endParaRPr>
+          </a:p>
+          <a:p>
+            <a:endParaRPr lang="pt-BR" dirty="0">
+              <a:cs typeface="Calibri"/>
+            </a:endParaRPr>
+          </a:p>
+          <a:p>
             <a:r>
               <a:rPr lang="pt-BR" dirty="0" err="1">
-                <a:cs typeface="Calibri"/>
-              </a:rPr>
-              <a:t>CodeLatim</a:t>
+                <a:cs typeface="Calibri" panose="020F0502020204030204"/>
+              </a:rPr>
+              <a:t>Variaveis</a:t>
             </a:r>
             <a:r>
               <a:rPr lang="pt-BR" dirty="0">
-                <a:cs typeface="Calibri"/>
-              </a:rPr>
-              <a:t> suporta as seguintes funções matemáticas:</a:t>
+                <a:cs typeface="Calibri" panose="020F0502020204030204"/>
+              </a:rPr>
+              <a:t> podem ser de 3 tipos:</a:t>
             </a:r>
           </a:p>
           <a:p>
             <a:pPr lvl="1"/>
             <a:r>
+              <a:rPr lang="pt-BR" dirty="0" err="1">
+                <a:cs typeface="Calibri" panose="020F0502020204030204"/>
+              </a:rPr>
+              <a:t>Bool</a:t>
+            </a:r>
+            <a:r>
               <a:rPr lang="pt-BR" dirty="0">
-                <a:cs typeface="Calibri"/>
-              </a:rPr>
-              <a:t>Soma(+),Subtração(-),multiplicação(*),divisão(/) e </a:t>
+                <a:cs typeface="Calibri" panose="020F0502020204030204"/>
+              </a:rPr>
+              <a:t> ('</a:t>
             </a:r>
             <a:r>
               <a:rPr lang="pt-BR" dirty="0" err="1">
-                <a:cs typeface="Calibri"/>
-              </a:rPr>
-              <a:t>potencia</a:t>
+                <a:cs typeface="Calibri" panose="020F0502020204030204"/>
+              </a:rPr>
+              <a:t>verum</a:t>
             </a:r>
             <a:r>
               <a:rPr lang="pt-BR" dirty="0">
-                <a:cs typeface="Calibri"/>
-              </a:rPr>
-              <a:t>(^)</a:t>
-            </a:r>
-          </a:p>
-          <a:p>
-            <a:endParaRPr lang="pt-BR" dirty="0">
-              <a:ea typeface="+mn-lt"/>
-              <a:cs typeface="+mn-lt"/>
-            </a:endParaRPr>
-          </a:p>
-          <a:p>
-            <a:endParaRPr lang="pt-BR" dirty="0">
-              <a:ea typeface="+mn-lt"/>
-              <a:cs typeface="+mn-lt"/>
-            </a:endParaRPr>
-          </a:p>
-          <a:p>
-            <a:endParaRPr lang="pt-BR" dirty="0">
-              <a:ea typeface="+mn-lt"/>
-              <a:cs typeface="+mn-lt"/>
-            </a:endParaRPr>
-          </a:p>
-          <a:p>
-            <a:endParaRPr lang="pt-BR" dirty="0">
-              <a:ea typeface="+mn-lt"/>
-              <a:cs typeface="+mn-lt"/>
-            </a:endParaRPr>
-          </a:p>
-          <a:p>
+                <a:cs typeface="Calibri" panose="020F0502020204030204"/>
+              </a:rPr>
+              <a:t>' | '</a:t>
+            </a:r>
+            <a:r>
+              <a:rPr lang="pt-BR" dirty="0" err="1">
+                <a:cs typeface="Calibri" panose="020F0502020204030204"/>
+              </a:rPr>
+              <a:t>falsus</a:t>
+            </a:r>
             <a:r>
               <a:rPr lang="pt-BR" dirty="0">
-                <a:ea typeface="+mn-lt"/>
-                <a:cs typeface="+mn-lt"/>
-              </a:rPr>
-              <a:t>Se alguma variável utilizada for booleana, as operações aritméticas definem que </a:t>
-            </a:r>
+                <a:cs typeface="Calibri" panose="020F0502020204030204"/>
+              </a:rPr>
+              <a:t>')</a:t>
+            </a:r>
+          </a:p>
+          <a:p>
+            <a:pPr lvl="1"/>
             <a:r>
               <a:rPr lang="pt-BR" dirty="0" err="1">
-                <a:ea typeface="+mn-lt"/>
-                <a:cs typeface="+mn-lt"/>
-              </a:rPr>
-              <a:t>verum</a:t>
+                <a:cs typeface="Calibri" panose="020F0502020204030204"/>
+              </a:rPr>
+              <a:t>Int</a:t>
             </a:r>
             <a:r>
               <a:rPr lang="pt-BR" dirty="0">
-                <a:ea typeface="+mn-lt"/>
-                <a:cs typeface="+mn-lt"/>
-              </a:rPr>
-              <a:t>=1 e </a:t>
-            </a:r>
+                <a:cs typeface="Calibri" panose="020F0502020204030204"/>
+              </a:rPr>
+              <a:t> ([0-9]*)</a:t>
+            </a:r>
+          </a:p>
+          <a:p>
+            <a:pPr lvl="1"/>
             <a:r>
               <a:rPr lang="pt-BR" dirty="0" err="1">
-                <a:ea typeface="+mn-lt"/>
-                <a:cs typeface="+mn-lt"/>
-              </a:rPr>
-              <a:t>falsus</a:t>
+                <a:cs typeface="Calibri" panose="020F0502020204030204"/>
+              </a:rPr>
+              <a:t>String</a:t>
             </a:r>
             <a:r>
               <a:rPr lang="pt-BR" dirty="0">
-                <a:ea typeface="+mn-lt"/>
-                <a:cs typeface="+mn-lt"/>
-              </a:rPr>
-              <a:t>=0;</a:t>
-            </a:r>
-            <a:endParaRPr lang="pt-BR" dirty="0">
-              <a:cs typeface="Calibri"/>
-            </a:endParaRPr>
-          </a:p>
-          <a:p>
-            <a:pPr marL="457200" lvl="1" indent="0">
-              <a:buNone/>
-            </a:pPr>
-            <a:endParaRPr lang="pt-BR" dirty="0">
-              <a:cs typeface="Calibri"/>
-            </a:endParaRPr>
-          </a:p>
-          <a:p>
-            <a:pPr marL="457200" lvl="1" indent="0">
-              <a:buNone/>
-            </a:pPr>
-            <a:endParaRPr lang="pt-BR" dirty="0">
-              <a:cs typeface="Calibri"/>
-            </a:endParaRPr>
+                <a:cs typeface="Calibri" panose="020F0502020204030204"/>
+              </a:rPr>
+              <a:t> (</a:t>
+            </a:r>
+            <a:r>
+              <a:rPr lang="pt-BR" dirty="0">
+                <a:ea typeface="+mn-lt"/>
+                <a:cs typeface="+mn-lt"/>
+              </a:rPr>
+              <a:t>' " ', ((' ' | [a-</a:t>
+            </a:r>
+            <a:r>
+              <a:rPr lang="pt-BR" dirty="0" err="1">
+                <a:ea typeface="+mn-lt"/>
+                <a:cs typeface="+mn-lt"/>
+              </a:rPr>
+              <a:t>zA</a:t>
+            </a:r>
+            <a:r>
+              <a:rPr lang="pt-BR" dirty="0">
+                <a:ea typeface="+mn-lt"/>
+                <a:cs typeface="+mn-lt"/>
+              </a:rPr>
+              <a:t>-Z]| [0-9]| '' ) , { ( ' ' | [a-</a:t>
+            </a:r>
+            <a:r>
+              <a:rPr lang="pt-BR" dirty="0" err="1">
+                <a:ea typeface="+mn-lt"/>
+                <a:cs typeface="+mn-lt"/>
+              </a:rPr>
+              <a:t>zA</a:t>
+            </a:r>
+            <a:r>
+              <a:rPr lang="pt-BR" dirty="0">
+                <a:ea typeface="+mn-lt"/>
+                <a:cs typeface="+mn-lt"/>
+              </a:rPr>
+              <a:t>-Z]| [0-9] | '') }), ' " '</a:t>
+            </a:r>
+            <a:r>
+              <a:rPr lang="pt-BR" dirty="0">
+                <a:cs typeface="Calibri" panose="020F0502020204030204"/>
+              </a:rPr>
+              <a:t>)</a:t>
+            </a:r>
+          </a:p>
+          <a:p>
+            <a:r>
+              <a:rPr lang="pt-BR" dirty="0">
+                <a:cs typeface="Calibri" panose="020F0502020204030204"/>
+              </a:rPr>
+              <a:t>Definição de tipo é </a:t>
+            </a:r>
+            <a:r>
+              <a:rPr lang="pt-BR" dirty="0" err="1">
+                <a:cs typeface="Calibri" panose="020F0502020204030204"/>
+              </a:rPr>
+              <a:t>implicita</a:t>
+            </a:r>
+            <a:r>
+              <a:rPr lang="pt-BR" dirty="0">
+                <a:cs typeface="Calibri" panose="020F0502020204030204"/>
+              </a:rPr>
+              <a:t>.</a:t>
+            </a:r>
           </a:p>
         </p:txBody>
       </p:sp>
@@ -3776,7 +3754,7 @@
           <p:cNvPr id="4" name="CaixaDeTexto 3">
             <a:extLst>
               <a:ext uri="{FF2B5EF4-FFF2-40B4-BE49-F238E27FC236}">
-                <a16:creationId xmlns:a16="http://schemas.microsoft.com/office/drawing/2014/main" id="{067C1F4C-A0E0-4888-B8A2-722D9FFD56FA}"/>
+                <a16:creationId xmlns:a16="http://schemas.microsoft.com/office/drawing/2014/main" id="{4CC24214-01BA-4D7B-949B-E1CCB83D0B67}"/>
               </a:ext>
             </a:extLst>
           </p:cNvPr>
@@ -3785,8 +3763,8 @@
         </p:nvSpPr>
         <p:spPr>
           <a:xfrm>
-            <a:off x="1631043" y="2701470"/>
-            <a:ext cx="5020127" cy="1754326"/>
+            <a:off x="1758043" y="2211613"/>
+            <a:ext cx="3840841" cy="1754326"/>
           </a:xfrm>
           <a:prstGeom prst="rect">
             <a:avLst/>
@@ -3817,14 +3795,10 @@
           </a:bodyPr>
           <a:lstStyle/>
           <a:p>
-            <a:pPr algn="l"/>
             <a:r>
               <a:rPr lang="pt-BR" dirty="0" err="1">
                 <a:solidFill>
-                  <a:schemeClr val="accent6">
-                    <a:lumMod val="60000"/>
-                    <a:lumOff val="40000"/>
-                  </a:schemeClr>
+                  <a:srgbClr val="A8D08D"/>
                 </a:solidFill>
                 <a:cs typeface="Calibri"/>
               </a:rPr>
@@ -3833,93 +3807,117 @@
             <a:r>
               <a:rPr lang="pt-BR" dirty="0">
                 <a:solidFill>
-                  <a:schemeClr val="accent6">
-                    <a:lumMod val="60000"/>
-                    <a:lumOff val="40000"/>
-                  </a:schemeClr>
+                  <a:srgbClr val="A8D08D"/>
                 </a:solidFill>
                 <a:cs typeface="Calibri"/>
               </a:rPr>
               <a:t>?</a:t>
             </a:r>
+            <a:endParaRPr lang="pt-BR" dirty="0"/>
           </a:p>
           <a:p>
             <a:r>
               <a:rPr lang="pt-BR" dirty="0">
                 <a:solidFill>
-                  <a:schemeClr val="accent6">
-                    <a:lumMod val="60000"/>
-                    <a:lumOff val="40000"/>
-                  </a:schemeClr>
-                </a:solidFill>
-                <a:cs typeface="Calibri"/>
-              </a:rPr>
-              <a:t>   ::var1 = 2;</a:t>
-            </a:r>
-          </a:p>
-          <a:p>
+                  <a:srgbClr val="A8D08D"/>
+                </a:solidFill>
+                <a:cs typeface="Calibri"/>
+              </a:rPr>
+              <a:t>    ::</a:t>
+            </a:r>
+            <a:r>
+              <a:rPr lang="pt-BR" dirty="0" err="1">
+                <a:solidFill>
+                  <a:srgbClr val="A8D08D"/>
+                </a:solidFill>
+                <a:cs typeface="Calibri"/>
+              </a:rPr>
+              <a:t>variavel</a:t>
+            </a:r>
             <a:r>
               <a:rPr lang="pt-BR" dirty="0">
                 <a:solidFill>
-                  <a:schemeClr val="accent6">
-                    <a:lumMod val="60000"/>
-                    <a:lumOff val="40000"/>
-                  </a:schemeClr>
-                </a:solidFill>
-                <a:cs typeface="Calibri"/>
-              </a:rPr>
-              <a:t>   ::var2 = 5*::var1; /* var2 = 10 */</a:t>
+                  <a:srgbClr val="A8D08D"/>
+                </a:solidFill>
+                <a:cs typeface="Calibri"/>
+              </a:rPr>
+              <a:t> = 0;</a:t>
             </a:r>
           </a:p>
           <a:p>
             <a:r>
               <a:rPr lang="pt-BR" dirty="0">
                 <a:solidFill>
-                  <a:schemeClr val="accent6">
-                    <a:lumMod val="60000"/>
-                    <a:lumOff val="40000"/>
-                  </a:schemeClr>
-                </a:solidFill>
-                <a:cs typeface="Calibri"/>
-              </a:rPr>
-              <a:t>   ::var3 = 5^::var2; /* var3 = </a:t>
+                  <a:srgbClr val="A8D08D"/>
+                </a:solidFill>
+                <a:cs typeface="Calibri"/>
+              </a:rPr>
+              <a:t>    ::</a:t>
+            </a:r>
+            <a:r>
+              <a:rPr lang="pt-BR" dirty="0" err="1">
+                <a:solidFill>
+                  <a:srgbClr val="A8D08D"/>
+                </a:solidFill>
+                <a:cs typeface="Calibri"/>
+              </a:rPr>
+              <a:t>outra_variavel</a:t>
             </a:r>
             <a:r>
               <a:rPr lang="pt-BR" dirty="0">
                 <a:solidFill>
-                  <a:schemeClr val="accent6">
-                    <a:lumMod val="60000"/>
-                    <a:lumOff val="40000"/>
-                  </a:schemeClr>
-                </a:solidFill>
-                <a:ea typeface="+mn-lt"/>
-                <a:cs typeface="+mn-lt"/>
-              </a:rPr>
-              <a:t>9765625 */</a:t>
+                  <a:srgbClr val="A8D08D"/>
+                </a:solidFill>
+                <a:cs typeface="Calibri"/>
+              </a:rPr>
+              <a:t> = ::variavel+1;</a:t>
             </a:r>
           </a:p>
           <a:p>
             <a:r>
               <a:rPr lang="pt-BR" dirty="0">
                 <a:solidFill>
-                  <a:schemeClr val="accent6">
-                    <a:lumMod val="60000"/>
-                    <a:lumOff val="40000"/>
-                  </a:schemeClr>
-                </a:solidFill>
-                <a:cs typeface="Calibri"/>
-              </a:rPr>
-              <a:t>   ::var4 = var3-verum; /* var4 = 9765624 */</a:t>
+                  <a:srgbClr val="A8D08D"/>
+                </a:solidFill>
+                <a:cs typeface="Calibri"/>
+              </a:rPr>
+              <a:t>    ::escrito = "Isso é escrito";</a:t>
             </a:r>
           </a:p>
           <a:p>
             <a:r>
               <a:rPr lang="pt-BR" dirty="0">
                 <a:solidFill>
-                  <a:schemeClr val="accent6">
-                    <a:lumMod val="60000"/>
-                    <a:lumOff val="40000"/>
-                  </a:schemeClr>
+                  <a:srgbClr val="A8D08D"/>
+                </a:solidFill>
+                <a:cs typeface="Calibri"/>
+              </a:rPr>
+              <a:t>    ::booleano = </a:t>
+            </a:r>
+            <a:r>
+              <a:rPr lang="pt-BR" dirty="0" err="1">
+                <a:solidFill>
+                  <a:srgbClr val="A8D08D"/>
+                </a:solidFill>
+                <a:cs typeface="Calibri"/>
+              </a:rPr>
+              <a:t>falsus</a:t>
+            </a:r>
+            <a:r>
+              <a:rPr lang="pt-BR" dirty="0">
+                <a:solidFill>
+                  <a:srgbClr val="A8D08D"/>
+                </a:solidFill>
+                <a:cs typeface="Calibri"/>
+              </a:rPr>
+              <a:t>; /* isso é falso */</a:t>
+            </a:r>
+          </a:p>
+          <a:p>
+            <a:r>
+              <a:rPr lang="pt-BR" dirty="0">
+                <a:solidFill>
+                  <a:srgbClr val="A8D08D"/>
                 </a:solidFill>
                 <a:cs typeface="Calibri"/>
               </a:rPr>
@@ -3928,10 +3926,7 @@
             <a:r>
               <a:rPr lang="pt-BR" dirty="0" err="1">
                 <a:solidFill>
-                  <a:schemeClr val="accent6">
-                    <a:lumMod val="60000"/>
-                    <a:lumOff val="40000"/>
-                  </a:schemeClr>
+                  <a:srgbClr val="A8D08D"/>
                 </a:solidFill>
                 <a:cs typeface="Calibri"/>
               </a:rPr>
@@ -3939,10 +3934,7 @@
             </a:r>
             <a:endParaRPr lang="pt-BR" dirty="0">
               <a:solidFill>
-                <a:schemeClr val="accent6">
-                  <a:lumMod val="60000"/>
-                  <a:lumOff val="40000"/>
-                </a:schemeClr>
+                <a:srgbClr val="A8D08D"/>
               </a:solidFill>
               <a:cs typeface="Calibri"/>
             </a:endParaRPr>
@@ -3952,7 +3944,7 @@
     </p:spTree>
     <p:extLst>
       <p:ext uri="{BB962C8B-B14F-4D97-AF65-F5344CB8AC3E}">
-        <p14:creationId xmlns:p14="http://schemas.microsoft.com/office/powerpoint/2010/main" val="2689133943"/>
+        <p14:creationId xmlns:p14="http://schemas.microsoft.com/office/powerpoint/2010/main" val="441546643"/>
       </p:ext>
     </p:extLst>
   </p:cSld>
@@ -3984,7 +3976,7 @@
           <p:cNvPr id="2" name="Título 1">
             <a:extLst>
               <a:ext uri="{FF2B5EF4-FFF2-40B4-BE49-F238E27FC236}">
-                <a16:creationId xmlns:a16="http://schemas.microsoft.com/office/drawing/2014/main" id="{5BBE2B2F-16F6-4ECE-9A1B-2AB75B78E0EB}"/>
+                <a16:creationId xmlns:a16="http://schemas.microsoft.com/office/drawing/2014/main" id="{9684C8FA-F7F6-4DE1-A8FF-3A7044914208}"/>
               </a:ext>
             </a:extLst>
           </p:cNvPr>
@@ -4004,7 +3996,7 @@
               <a:rPr lang="pt-BR" dirty="0">
                 <a:cs typeface="Calibri Light"/>
               </a:rPr>
-              <a:t>Funções Booleanas</a:t>
+              <a:t>Funções matemáticas</a:t>
             </a:r>
             <a:endParaRPr lang="pt-BR" dirty="0"/>
           </a:p>
@@ -4015,7 +4007,7 @@
           <p:cNvPr id="3" name="Espaço Reservado para Conteúdo 2">
             <a:extLst>
               <a:ext uri="{FF2B5EF4-FFF2-40B4-BE49-F238E27FC236}">
-                <a16:creationId xmlns:a16="http://schemas.microsoft.com/office/drawing/2014/main" id="{0CD3E0AC-FD05-40BB-B486-6FDB94FD7CB7}"/>
+                <a16:creationId xmlns:a16="http://schemas.microsoft.com/office/drawing/2014/main" id="{FC961251-F4F2-4F1D-AA07-7DA019195D28}"/>
               </a:ext>
             </a:extLst>
           </p:cNvPr>
@@ -4037,155 +4029,121 @@
               <a:rPr lang="pt-BR" dirty="0">
                 <a:cs typeface="Calibri"/>
               </a:rPr>
-              <a:t>Para funções booleanas, temos:</a:t>
-            </a:r>
-          </a:p>
-          <a:p>
-            <a:pPr lvl="1" indent="0"/>
+              <a:t>O </a:t>
+            </a:r>
+            <a:r>
+              <a:rPr lang="pt-BR" dirty="0" err="1">
+                <a:cs typeface="Calibri"/>
+              </a:rPr>
+              <a:t>CodeLatim</a:t>
+            </a:r>
             <a:r>
               <a:rPr lang="pt-BR" dirty="0">
                 <a:cs typeface="Calibri"/>
               </a:rPr>
-              <a:t>AND (et)</a:t>
-            </a:r>
-          </a:p>
-          <a:p>
-            <a:pPr lvl="1" indent="0"/>
+              <a:t> suporta as seguintes funções matemáticas:</a:t>
+            </a:r>
+          </a:p>
+          <a:p>
+            <a:pPr lvl="1"/>
             <a:r>
               <a:rPr lang="pt-BR" dirty="0">
                 <a:cs typeface="Calibri"/>
               </a:rPr>
-              <a:t>OR (</a:t>
+              <a:t>Soma(+),Subtração(-),multiplicação(*),divisão(/) e </a:t>
             </a:r>
             <a:r>
               <a:rPr lang="pt-BR" dirty="0" err="1">
                 <a:cs typeface="Calibri"/>
               </a:rPr>
-              <a:t>uel</a:t>
+              <a:t>potencia</a:t>
             </a:r>
             <a:r>
               <a:rPr lang="pt-BR" dirty="0">
                 <a:cs typeface="Calibri"/>
               </a:rPr>
-              <a:t>)</a:t>
-            </a:r>
-          </a:p>
-          <a:p>
-            <a:pPr lvl="1" indent="0"/>
+              <a:t>(^)</a:t>
+            </a:r>
+          </a:p>
+          <a:p>
+            <a:endParaRPr lang="pt-BR" dirty="0">
+              <a:ea typeface="+mn-lt"/>
+              <a:cs typeface="+mn-lt"/>
+            </a:endParaRPr>
+          </a:p>
+          <a:p>
+            <a:endParaRPr lang="pt-BR" dirty="0">
+              <a:ea typeface="+mn-lt"/>
+              <a:cs typeface="+mn-lt"/>
+            </a:endParaRPr>
+          </a:p>
+          <a:p>
+            <a:endParaRPr lang="pt-BR" dirty="0">
+              <a:ea typeface="+mn-lt"/>
+              <a:cs typeface="+mn-lt"/>
+            </a:endParaRPr>
+          </a:p>
+          <a:p>
+            <a:endParaRPr lang="pt-BR" dirty="0">
+              <a:ea typeface="+mn-lt"/>
+              <a:cs typeface="+mn-lt"/>
+            </a:endParaRPr>
+          </a:p>
+          <a:p>
             <a:r>
               <a:rPr lang="pt-BR" dirty="0">
-                <a:cs typeface="Calibri"/>
-              </a:rPr>
-              <a:t>NOT (!)</a:t>
-            </a:r>
-          </a:p>
-          <a:p>
-            <a:pPr lvl="1" indent="0"/>
+                <a:ea typeface="+mn-lt"/>
+                <a:cs typeface="+mn-lt"/>
+              </a:rPr>
+              <a:t>Se alguma variável utilizada for booleana, as operações aritméticas definem que </a:t>
+            </a:r>
+            <a:r>
+              <a:rPr lang="pt-BR" dirty="0" err="1">
+                <a:ea typeface="+mn-lt"/>
+                <a:cs typeface="+mn-lt"/>
+              </a:rPr>
+              <a:t>verum</a:t>
+            </a:r>
             <a:r>
               <a:rPr lang="pt-BR" dirty="0">
-                <a:cs typeface="Calibri"/>
-              </a:rPr>
-              <a:t>Maior que (&gt;)</a:t>
-            </a:r>
-          </a:p>
-          <a:p>
-            <a:pPr lvl="1" indent="0"/>
+                <a:ea typeface="+mn-lt"/>
+                <a:cs typeface="+mn-lt"/>
+              </a:rPr>
+              <a:t>=1 e </a:t>
+            </a:r>
+            <a:r>
+              <a:rPr lang="pt-BR" dirty="0" err="1">
+                <a:ea typeface="+mn-lt"/>
+                <a:cs typeface="+mn-lt"/>
+              </a:rPr>
+              <a:t>falsus</a:t>
+            </a:r>
             <a:r>
               <a:rPr lang="pt-BR" dirty="0">
-                <a:cs typeface="Calibri"/>
-              </a:rPr>
-              <a:t>Menor que (&lt;)</a:t>
-            </a:r>
-          </a:p>
-          <a:p>
-            <a:pPr lvl="1" indent="0"/>
-            <a:r>
-              <a:rPr lang="pt-BR" dirty="0">
-                <a:cs typeface="Calibri"/>
-              </a:rPr>
-              <a:t>Igual a (==)</a:t>
-            </a:r>
-          </a:p>
-          <a:p>
-            <a:pPr indent="0"/>
-            <a:r>
-              <a:rPr lang="pt-BR" dirty="0">
-                <a:cs typeface="Calibri"/>
-              </a:rPr>
-              <a:t>No caso de operações booleanas(</a:t>
-            </a:r>
-            <a:r>
-              <a:rPr lang="pt-BR" dirty="0" err="1">
-                <a:cs typeface="Calibri"/>
-              </a:rPr>
-              <a:t>and</a:t>
-            </a:r>
-            <a:r>
-              <a:rPr lang="pt-BR" dirty="0">
-                <a:cs typeface="Calibri"/>
-              </a:rPr>
-              <a:t>, </a:t>
-            </a:r>
-            <a:r>
-              <a:rPr lang="pt-BR" dirty="0" err="1">
-                <a:cs typeface="Calibri"/>
-              </a:rPr>
-              <a:t>or</a:t>
-            </a:r>
-            <a:r>
-              <a:rPr lang="pt-BR" dirty="0">
-                <a:cs typeface="Calibri"/>
-              </a:rPr>
-              <a:t> , </a:t>
-            </a:r>
-            <a:r>
-              <a:rPr lang="pt-BR" dirty="0" err="1">
-                <a:cs typeface="Calibri"/>
-              </a:rPr>
-              <a:t>not</a:t>
-            </a:r>
-            <a:r>
-              <a:rPr lang="pt-BR" dirty="0">
-                <a:cs typeface="Calibri"/>
-              </a:rPr>
-              <a:t>), valores inteiros são convertidos para </a:t>
-            </a:r>
-            <a:r>
-              <a:rPr lang="pt-BR" dirty="0" err="1">
-                <a:cs typeface="Calibri"/>
-              </a:rPr>
-              <a:t>falsus</a:t>
-            </a:r>
-            <a:r>
-              <a:rPr lang="pt-BR" dirty="0">
-                <a:cs typeface="Calibri"/>
-              </a:rPr>
-              <a:t> se igual a zero e </a:t>
-            </a:r>
-            <a:r>
-              <a:rPr lang="pt-BR" dirty="0" err="1">
-                <a:cs typeface="Calibri"/>
-              </a:rPr>
-              <a:t>verum</a:t>
-            </a:r>
-            <a:r>
-              <a:rPr lang="pt-BR" dirty="0">
-                <a:cs typeface="Calibri"/>
-              </a:rPr>
-              <a:t> caso </a:t>
-            </a:r>
-            <a:r>
-              <a:rPr lang="pt-BR" dirty="0" err="1">
-                <a:cs typeface="Calibri"/>
-              </a:rPr>
-              <a:t>contrario</a:t>
-            </a:r>
-            <a:r>
-              <a:rPr lang="pt-BR" dirty="0">
-                <a:cs typeface="Calibri"/>
-              </a:rPr>
-              <a:t>.</a:t>
-            </a:r>
+                <a:ea typeface="+mn-lt"/>
+                <a:cs typeface="+mn-lt"/>
+              </a:rPr>
+              <a:t>=0;</a:t>
+            </a:r>
+            <a:endParaRPr lang="pt-BR" dirty="0">
+              <a:cs typeface="Calibri"/>
+            </a:endParaRPr>
+          </a:p>
+          <a:p>
+            <a:pPr marL="457200" lvl="1" indent="0">
+              <a:buNone/>
+            </a:pPr>
+            <a:endParaRPr lang="pt-BR" dirty="0">
+              <a:cs typeface="Calibri"/>
+            </a:endParaRPr>
+          </a:p>
+          <a:p>
+            <a:pPr marL="457200" lvl="1" indent="0">
+              <a:buNone/>
+            </a:pPr>
+            <a:endParaRPr lang="pt-BR" dirty="0">
+              <a:cs typeface="Calibri"/>
+            </a:endParaRPr>
           </a:p>
         </p:txBody>
       </p:sp>
@@ -4194,7 +4152,7 @@
           <p:cNvPr id="4" name="CaixaDeTexto 3">
             <a:extLst>
               <a:ext uri="{FF2B5EF4-FFF2-40B4-BE49-F238E27FC236}">
-                <a16:creationId xmlns:a16="http://schemas.microsoft.com/office/drawing/2014/main" id="{61587CD4-5C95-42BE-993B-DD54684C86F5}"/>
+                <a16:creationId xmlns:a16="http://schemas.microsoft.com/office/drawing/2014/main" id="{067C1F4C-A0E0-4888-B8A2-722D9FFD56FA}"/>
               </a:ext>
             </a:extLst>
           </p:cNvPr>
@@ -4203,8 +4161,8 @@
         </p:nvSpPr>
         <p:spPr>
           <a:xfrm>
-            <a:off x="5522686" y="2538185"/>
-            <a:ext cx="5673270" cy="2031325"/>
+            <a:off x="1631043" y="2701470"/>
+            <a:ext cx="5020127" cy="1754326"/>
           </a:xfrm>
           <a:prstGeom prst="rect">
             <a:avLst/>
@@ -4239,16 +4197,22 @@
             <a:r>
               <a:rPr lang="pt-BR" dirty="0" err="1">
                 <a:solidFill>
-                  <a:srgbClr val="A8D08D"/>
-                </a:solidFill>
-                <a:cs typeface="Calibri"/>
-              </a:rPr>
-              <a:t>pelagus</a:t>
+                  <a:schemeClr val="accent6">
+                    <a:lumMod val="60000"/>
+                    <a:lumOff val="40000"/>
+                  </a:schemeClr>
+                </a:solidFill>
+                <a:cs typeface="Calibri"/>
+              </a:rPr>
+              <a:t>Pelagus</a:t>
             </a:r>
             <a:r>
               <a:rPr lang="pt-BR" dirty="0">
                 <a:solidFill>
-                  <a:srgbClr val="A8D08D"/>
+                  <a:schemeClr val="accent6">
+                    <a:lumMod val="60000"/>
+                    <a:lumOff val="40000"/>
+                  </a:schemeClr>
                 </a:solidFill>
                 <a:cs typeface="Calibri"/>
               </a:rPr>
@@ -4259,148 +4223,102 @@
             <a:r>
               <a:rPr lang="pt-BR" dirty="0">
                 <a:solidFill>
-                  <a:srgbClr val="A8D08D"/>
-                </a:solidFill>
-                <a:cs typeface="Calibri"/>
-              </a:rPr>
-              <a:t>    ::tmp = </a:t>
+                  <a:schemeClr val="accent6">
+                    <a:lumMod val="60000"/>
+                    <a:lumOff val="40000"/>
+                  </a:schemeClr>
+                </a:solidFill>
+                <a:cs typeface="Calibri"/>
+              </a:rPr>
+              <a:t>   ::var1 = 2;</a:t>
+            </a:r>
+          </a:p>
+          <a:p>
+            <a:r>
+              <a:rPr lang="pt-BR" dirty="0">
+                <a:solidFill>
+                  <a:schemeClr val="accent6">
+                    <a:lumMod val="60000"/>
+                    <a:lumOff val="40000"/>
+                  </a:schemeClr>
+                </a:solidFill>
+                <a:cs typeface="Calibri"/>
+              </a:rPr>
+              <a:t>   ::var2 = 5*::var1; /* var2 = 10 */</a:t>
+            </a:r>
+          </a:p>
+          <a:p>
+            <a:r>
+              <a:rPr lang="pt-BR" dirty="0">
+                <a:solidFill>
+                  <a:schemeClr val="accent6">
+                    <a:lumMod val="60000"/>
+                    <a:lumOff val="40000"/>
+                  </a:schemeClr>
+                </a:solidFill>
+                <a:cs typeface="Calibri"/>
+              </a:rPr>
+              <a:t>   ::var3 = 5^::var2; /* var3 = </a:t>
+            </a:r>
+            <a:r>
+              <a:rPr lang="pt-BR" dirty="0">
+                <a:solidFill>
+                  <a:schemeClr val="accent6">
+                    <a:lumMod val="60000"/>
+                    <a:lumOff val="40000"/>
+                  </a:schemeClr>
+                </a:solidFill>
+                <a:ea typeface="+mn-lt"/>
+                <a:cs typeface="+mn-lt"/>
+              </a:rPr>
+              <a:t>9765625 */</a:t>
+            </a:r>
+          </a:p>
+          <a:p>
+            <a:r>
+              <a:rPr lang="pt-BR" dirty="0">
+                <a:solidFill>
+                  <a:schemeClr val="accent6">
+                    <a:lumMod val="60000"/>
+                    <a:lumOff val="40000"/>
+                  </a:schemeClr>
+                </a:solidFill>
+                <a:cs typeface="Calibri"/>
+              </a:rPr>
+              <a:t>   ::var4 = var3-verum; /* var4 = 9765624 */</a:t>
+            </a:r>
+          </a:p>
+          <a:p>
+            <a:r>
+              <a:rPr lang="pt-BR" dirty="0">
+                <a:solidFill>
+                  <a:schemeClr val="accent6">
+                    <a:lumMod val="60000"/>
+                    <a:lumOff val="40000"/>
+                  </a:schemeClr>
+                </a:solidFill>
+                <a:cs typeface="Calibri"/>
+              </a:rPr>
+              <a:t>?</a:t>
             </a:r>
             <a:r>
               <a:rPr lang="pt-BR" dirty="0" err="1">
                 <a:solidFill>
-                  <a:srgbClr val="A8D08D"/>
-                </a:solidFill>
-                <a:cs typeface="Calibri"/>
-              </a:rPr>
-              <a:t>verum</a:t>
-            </a:r>
-            <a:r>
-              <a:rPr lang="pt-BR" dirty="0">
-                <a:solidFill>
-                  <a:srgbClr val="A8D08D"/>
-                </a:solidFill>
-                <a:cs typeface="Calibri"/>
-              </a:rPr>
-              <a:t>;</a:t>
-            </a:r>
-          </a:p>
-          <a:p>
-            <a:r>
-              <a:rPr lang="pt-BR" dirty="0">
-                <a:solidFill>
-                  <a:srgbClr val="A8D08D"/>
-                </a:solidFill>
-                <a:cs typeface="Calibri"/>
-              </a:rPr>
-              <a:t>    ::var1 = ::tmp et 2;  /* var1 = </a:t>
-            </a:r>
-            <a:r>
-              <a:rPr lang="pt-BR" dirty="0" err="1">
-                <a:solidFill>
-                  <a:srgbClr val="A8D08D"/>
-                </a:solidFill>
-                <a:cs typeface="Calibri"/>
-              </a:rPr>
-              <a:t>verum</a:t>
-            </a:r>
-            <a:r>
-              <a:rPr lang="pt-BR" dirty="0">
-                <a:solidFill>
-                  <a:srgbClr val="A8D08D"/>
-                </a:solidFill>
-                <a:cs typeface="Calibri"/>
-              </a:rPr>
-              <a:t> */</a:t>
-            </a:r>
-          </a:p>
-          <a:p>
-            <a:r>
-              <a:rPr lang="pt-BR" dirty="0">
-                <a:solidFill>
-                  <a:srgbClr val="A8D08D"/>
-                </a:solidFill>
-                <a:cs typeface="Calibri"/>
-              </a:rPr>
-              <a:t>    ::var2 = ::var1 &gt; 2; /* var2 = </a:t>
-            </a:r>
-            <a:r>
-              <a:rPr lang="pt-BR" dirty="0" err="1">
-                <a:solidFill>
-                  <a:srgbClr val="A8D08D"/>
-                </a:solidFill>
-                <a:cs typeface="Calibri"/>
-              </a:rPr>
-              <a:t>falsus</a:t>
-            </a:r>
-            <a:r>
-              <a:rPr lang="pt-BR" dirty="0">
-                <a:solidFill>
-                  <a:srgbClr val="A8D08D"/>
-                </a:solidFill>
-                <a:cs typeface="Calibri"/>
-              </a:rPr>
-              <a:t> */  </a:t>
-            </a:r>
-          </a:p>
-          <a:p>
-            <a:r>
-              <a:rPr lang="pt-BR" dirty="0">
-                <a:solidFill>
-                  <a:srgbClr val="A8D08D"/>
-                </a:solidFill>
-                <a:cs typeface="Calibri"/>
-              </a:rPr>
-              <a:t>    ::var3 = ! ::var2; /* var3 = </a:t>
-            </a:r>
-            <a:r>
-              <a:rPr lang="pt-BR" dirty="0" err="1">
-                <a:solidFill>
-                  <a:srgbClr val="A8D08D"/>
-                </a:solidFill>
-                <a:cs typeface="Calibri"/>
-              </a:rPr>
-              <a:t>verum</a:t>
-            </a:r>
-            <a:r>
-              <a:rPr lang="pt-BR" dirty="0">
-                <a:solidFill>
-                  <a:srgbClr val="A8D08D"/>
-                </a:solidFill>
-                <a:cs typeface="Calibri"/>
-              </a:rPr>
-              <a:t> */</a:t>
-            </a:r>
-          </a:p>
-          <a:p>
+                  <a:schemeClr val="accent6">
+                    <a:lumMod val="60000"/>
+                    <a:lumOff val="40000"/>
+                  </a:schemeClr>
+                </a:solidFill>
+                <a:cs typeface="Calibri"/>
+              </a:rPr>
+              <a:t>prope</a:t>
+            </a:r>
             <a:endParaRPr lang="pt-BR" dirty="0">
               <a:solidFill>
-                <a:srgbClr val="A8D08D"/>
-              </a:solidFill>
-              <a:cs typeface="Calibri"/>
-            </a:endParaRPr>
-          </a:p>
-          <a:p>
-            <a:r>
-              <a:rPr lang="pt-BR" dirty="0">
-                <a:solidFill>
-                  <a:srgbClr val="A8D08D"/>
-                </a:solidFill>
-                <a:cs typeface="Calibri"/>
-              </a:rPr>
-              <a:t>?</a:t>
-            </a:r>
-            <a:r>
-              <a:rPr lang="pt-BR" dirty="0" err="1">
-                <a:solidFill>
-                  <a:srgbClr val="A8D08D"/>
-                </a:solidFill>
-                <a:cs typeface="Calibri"/>
-              </a:rPr>
-              <a:t>prope</a:t>
-            </a:r>
-            <a:endParaRPr lang="pt-BR" dirty="0">
-              <a:solidFill>
-                <a:srgbClr val="A8D08D"/>
+                <a:schemeClr val="accent6">
+                  <a:lumMod val="60000"/>
+                  <a:lumOff val="40000"/>
+                </a:schemeClr>
               </a:solidFill>
               <a:cs typeface="Calibri"/>
             </a:endParaRPr>
@@ -4410,7 +4328,7 @@
     </p:spTree>
     <p:extLst>
       <p:ext uri="{BB962C8B-B14F-4D97-AF65-F5344CB8AC3E}">
-        <p14:creationId xmlns:p14="http://schemas.microsoft.com/office/powerpoint/2010/main" val="269636459"/>
+        <p14:creationId xmlns:p14="http://schemas.microsoft.com/office/powerpoint/2010/main" val="2689133943"/>
       </p:ext>
     </p:extLst>
   </p:cSld>
@@ -4442,7 +4360,7 @@
           <p:cNvPr id="2" name="Título 1">
             <a:extLst>
               <a:ext uri="{FF2B5EF4-FFF2-40B4-BE49-F238E27FC236}">
-                <a16:creationId xmlns:a16="http://schemas.microsoft.com/office/drawing/2014/main" id="{A19863C3-FEAA-4173-A26F-8D16A5F65304}"/>
+                <a16:creationId xmlns:a16="http://schemas.microsoft.com/office/drawing/2014/main" id="{5BBE2B2F-16F6-4ECE-9A1B-2AB75B78E0EB}"/>
               </a:ext>
             </a:extLst>
           </p:cNvPr>
@@ -4459,11 +4377,12 @@
           <a:lstStyle/>
           <a:p>
             <a:r>
-              <a:rPr lang="pt-BR" dirty="0" err="1">
+              <a:rPr lang="pt-BR" dirty="0">
                 <a:cs typeface="Calibri Light"/>
               </a:rPr>
-              <a:t>Strings</a:t>
-            </a:r>
+              <a:t>Funções Booleanas</a:t>
+            </a:r>
+            <a:endParaRPr lang="pt-BR" dirty="0"/>
           </a:p>
         </p:txBody>
       </p:sp>
@@ -4472,7 +4391,7 @@
           <p:cNvPr id="3" name="Espaço Reservado para Conteúdo 2">
             <a:extLst>
               <a:ext uri="{FF2B5EF4-FFF2-40B4-BE49-F238E27FC236}">
-                <a16:creationId xmlns:a16="http://schemas.microsoft.com/office/drawing/2014/main" id="{80DFF76C-41D2-4737-BDD0-348382B0513D}"/>
+                <a16:creationId xmlns:a16="http://schemas.microsoft.com/office/drawing/2014/main" id="{0CD3E0AC-FD05-40BB-B486-6FDB94FD7CB7}"/>
               </a:ext>
             </a:extLst>
           </p:cNvPr>
@@ -4491,23 +4410,158 @@
           <a:lstStyle/>
           <a:p>
             <a:r>
-              <a:rPr lang="pt-BR">
-                <a:cs typeface="Calibri"/>
-              </a:rPr>
-              <a:t>Podemos trabalhar com strings usando aspas duplas(" "). Strings podem ser armazenadas em variaveis, mas não podem fazer operações matematicas e booleanas. </a:t>
-            </a:r>
-          </a:p>
-          <a:p>
-            <a:pPr lvl="1" indent="-342900"/>
-            <a:r>
-              <a:rPr lang="pt-BR">
-                <a:cs typeface="Calibri"/>
-              </a:rPr>
-              <a:t>Existe a operação "." que serve para juntar diferentes strings. Variaveis Int e Bool podem ser transformados em strings quando usados com essa operação. Valores booleanos serão traduzidos para 1 e 0.</a:t>
-            </a:r>
-            <a:endParaRPr lang="pt-BR" dirty="0">
-              <a:cs typeface="Calibri"/>
-            </a:endParaRPr>
+              <a:rPr lang="pt-BR" dirty="0">
+                <a:cs typeface="Calibri"/>
+              </a:rPr>
+              <a:t>Para funções booleanas, temos:</a:t>
+            </a:r>
+          </a:p>
+          <a:p>
+            <a:pPr lvl="1" indent="0"/>
+            <a:r>
+              <a:rPr lang="pt-BR" dirty="0">
+                <a:cs typeface="Calibri"/>
+              </a:rPr>
+              <a:t>AND (et)</a:t>
+            </a:r>
+          </a:p>
+          <a:p>
+            <a:pPr lvl="1" indent="0"/>
+            <a:r>
+              <a:rPr lang="pt-BR" dirty="0">
+                <a:cs typeface="Calibri"/>
+              </a:rPr>
+              <a:t>OR (</a:t>
+            </a:r>
+            <a:r>
+              <a:rPr lang="pt-BR" dirty="0" err="1">
+                <a:cs typeface="Calibri"/>
+              </a:rPr>
+              <a:t>uel</a:t>
+            </a:r>
+            <a:r>
+              <a:rPr lang="pt-BR" dirty="0">
+                <a:cs typeface="Calibri"/>
+              </a:rPr>
+              <a:t>)</a:t>
+            </a:r>
+          </a:p>
+          <a:p>
+            <a:pPr lvl="1" indent="0"/>
+            <a:r>
+              <a:rPr lang="pt-BR" dirty="0">
+                <a:cs typeface="Calibri"/>
+              </a:rPr>
+              <a:t>NOT (!)</a:t>
+            </a:r>
+          </a:p>
+          <a:p>
+            <a:pPr lvl="1" indent="0"/>
+            <a:r>
+              <a:rPr lang="pt-BR" dirty="0">
+                <a:cs typeface="Calibri"/>
+              </a:rPr>
+              <a:t>Maior que (&gt;)</a:t>
+            </a:r>
+          </a:p>
+          <a:p>
+            <a:pPr lvl="1" indent="0"/>
+            <a:r>
+              <a:rPr lang="pt-BR" dirty="0">
+                <a:cs typeface="Calibri"/>
+              </a:rPr>
+              <a:t>Menor que (&lt;)</a:t>
+            </a:r>
+          </a:p>
+          <a:p>
+            <a:pPr lvl="1" indent="0"/>
+            <a:r>
+              <a:rPr lang="pt-BR" dirty="0">
+                <a:cs typeface="Calibri"/>
+              </a:rPr>
+              <a:t>Igual a (==)</a:t>
+            </a:r>
+          </a:p>
+          <a:p>
+            <a:pPr indent="0"/>
+            <a:r>
+              <a:rPr lang="pt-BR" dirty="0">
+                <a:cs typeface="Calibri"/>
+              </a:rPr>
+              <a:t>No caso de operações booleanas(</a:t>
+            </a:r>
+            <a:r>
+              <a:rPr lang="pt-BR" dirty="0" err="1">
+                <a:cs typeface="Calibri"/>
+              </a:rPr>
+              <a:t>and</a:t>
+            </a:r>
+            <a:r>
+              <a:rPr lang="pt-BR" dirty="0">
+                <a:cs typeface="Calibri"/>
+              </a:rPr>
+              <a:t>, </a:t>
+            </a:r>
+            <a:r>
+              <a:rPr lang="pt-BR" dirty="0" err="1">
+                <a:cs typeface="Calibri"/>
+              </a:rPr>
+              <a:t>or</a:t>
+            </a:r>
+            <a:r>
+              <a:rPr lang="pt-BR" dirty="0">
+                <a:cs typeface="Calibri"/>
+              </a:rPr>
+              <a:t> , </a:t>
+            </a:r>
+            <a:r>
+              <a:rPr lang="pt-BR" dirty="0" err="1">
+                <a:cs typeface="Calibri"/>
+              </a:rPr>
+              <a:t>not</a:t>
+            </a:r>
+            <a:r>
+              <a:rPr lang="pt-BR" dirty="0">
+                <a:cs typeface="Calibri"/>
+              </a:rPr>
+              <a:t>), valores inteiros são convertidos para </a:t>
+            </a:r>
+            <a:r>
+              <a:rPr lang="pt-BR" dirty="0" err="1">
+                <a:cs typeface="Calibri"/>
+              </a:rPr>
+              <a:t>falsus</a:t>
+            </a:r>
+            <a:r>
+              <a:rPr lang="pt-BR" dirty="0">
+                <a:cs typeface="Calibri"/>
+              </a:rPr>
+              <a:t> se igual a zero e </a:t>
+            </a:r>
+            <a:r>
+              <a:rPr lang="pt-BR" dirty="0" err="1">
+                <a:cs typeface="Calibri"/>
+              </a:rPr>
+              <a:t>verum</a:t>
+            </a:r>
+            <a:r>
+              <a:rPr lang="pt-BR" dirty="0">
+                <a:cs typeface="Calibri"/>
+              </a:rPr>
+              <a:t> caso </a:t>
+            </a:r>
+            <a:r>
+              <a:rPr lang="pt-BR" dirty="0" err="1">
+                <a:cs typeface="Calibri"/>
+              </a:rPr>
+              <a:t>contrario</a:t>
+            </a:r>
+            <a:r>
+              <a:rPr lang="pt-BR" dirty="0">
+                <a:cs typeface="Calibri"/>
+              </a:rPr>
+              <a:t>.</a:t>
+            </a:r>
           </a:p>
         </p:txBody>
       </p:sp>
@@ -4516,7 +4570,7 @@
           <p:cNvPr id="4" name="CaixaDeTexto 3">
             <a:extLst>
               <a:ext uri="{FF2B5EF4-FFF2-40B4-BE49-F238E27FC236}">
-                <a16:creationId xmlns:a16="http://schemas.microsoft.com/office/drawing/2014/main" id="{6096D0F8-9445-4425-9395-387FDBEF5BC6}"/>
+                <a16:creationId xmlns:a16="http://schemas.microsoft.com/office/drawing/2014/main" id="{61587CD4-5C95-42BE-993B-DD54684C86F5}"/>
               </a:ext>
             </a:extLst>
           </p:cNvPr>
@@ -4525,8 +4579,8 @@
         </p:nvSpPr>
         <p:spPr>
           <a:xfrm>
-            <a:off x="2374900" y="4352471"/>
-            <a:ext cx="5174341" cy="1200329"/>
+            <a:off x="5522686" y="2538185"/>
+            <a:ext cx="5673270" cy="2031325"/>
           </a:xfrm>
           <a:prstGeom prst="rect">
             <a:avLst/>
@@ -4559,79 +4613,180 @@
           <a:p>
             <a:pPr algn="l"/>
             <a:r>
-              <a:rPr lang="pt-BR">
-                <a:solidFill>
-                  <a:schemeClr val="accent6">
-                    <a:lumMod val="60000"/>
-                    <a:lumOff val="40000"/>
-                  </a:schemeClr>
-                </a:solidFill>
-                <a:ea typeface="+mn-lt"/>
-                <a:cs typeface="+mn-lt"/>
-              </a:rPr>
-              <a:t>pelagus?</a:t>
-            </a:r>
-          </a:p>
-          <a:p>
-            <a:r>
-              <a:rPr lang="pt-BR">
-                <a:solidFill>
-                  <a:schemeClr val="accent6">
-                    <a:lumMod val="60000"/>
-                    <a:lumOff val="40000"/>
-                  </a:schemeClr>
-                </a:solidFill>
-                <a:ea typeface="+mn-lt"/>
-                <a:cs typeface="+mn-lt"/>
-              </a:rPr>
-              <a:t>    ::str1 = "str1 é essa: ";</a:t>
-            </a:r>
-          </a:p>
-          <a:p>
-            <a:r>
-              <a:rPr lang="pt-BR">
-                <a:solidFill>
-                  <a:schemeClr val="accent6">
-                    <a:lumMod val="60000"/>
-                    <a:lumOff val="40000"/>
-                  </a:schemeClr>
-                </a:solidFill>
-                <a:ea typeface="+mn-lt"/>
-                <a:cs typeface="+mn-lt"/>
-              </a:rPr>
-              <a:t>    ::str2 = ::str1.1.falsus." ";  /* str2 = str1 é essa 10 */</a:t>
-            </a:r>
-            <a:endParaRPr lang="pt-BR">
-              <a:solidFill>
-                <a:schemeClr val="accent6">
-                  <a:lumMod val="60000"/>
-                  <a:lumOff val="40000"/>
-                </a:schemeClr>
-              </a:solidFill>
-              <a:cs typeface="Calibri"/>
-            </a:endParaRPr>
-          </a:p>
-          <a:p>
-            <a:r>
-              <a:rPr lang="pt-BR">
-                <a:solidFill>
-                  <a:schemeClr val="accent6">
-                    <a:lumMod val="60000"/>
-                    <a:lumOff val="40000"/>
-                  </a:schemeClr>
-                </a:solidFill>
-                <a:ea typeface="+mn-lt"/>
-                <a:cs typeface="+mn-lt"/>
-              </a:rPr>
-              <a:t>?prope</a:t>
-            </a:r>
+              <a:rPr lang="pt-BR" dirty="0" err="1">
+                <a:solidFill>
+                  <a:srgbClr val="A8D08D"/>
+                </a:solidFill>
+                <a:cs typeface="Calibri"/>
+              </a:rPr>
+              <a:t>pelagus</a:t>
+            </a:r>
+            <a:r>
+              <a:rPr lang="pt-BR" dirty="0">
+                <a:solidFill>
+                  <a:srgbClr val="A8D08D"/>
+                </a:solidFill>
+                <a:cs typeface="Calibri"/>
+              </a:rPr>
+              <a:t>?</a:t>
+            </a:r>
+          </a:p>
+          <a:p>
+            <a:r>
+              <a:rPr lang="pt-BR" dirty="0">
+                <a:solidFill>
+                  <a:srgbClr val="A8D08D"/>
+                </a:solidFill>
+                <a:cs typeface="Calibri"/>
+              </a:rPr>
+              <a:t>    ::tmp = </a:t>
+            </a:r>
+            <a:r>
+              <a:rPr lang="pt-BR" dirty="0" err="1">
+                <a:solidFill>
+                  <a:srgbClr val="A8D08D"/>
+                </a:solidFill>
+                <a:cs typeface="Calibri"/>
+              </a:rPr>
+              <a:t>verum</a:t>
+            </a:r>
+            <a:r>
+              <a:rPr lang="pt-BR" dirty="0">
+                <a:solidFill>
+                  <a:srgbClr val="A8D08D"/>
+                </a:solidFill>
+                <a:cs typeface="Calibri"/>
+              </a:rPr>
+              <a:t>;</a:t>
+            </a:r>
+          </a:p>
+          <a:p>
+            <a:r>
+              <a:rPr lang="pt-BR" dirty="0">
+                <a:solidFill>
+                  <a:srgbClr val="A8D08D"/>
+                </a:solidFill>
+                <a:cs typeface="Calibri"/>
+              </a:rPr>
+              <a:t>    ::var1 = ::tmp et 2;  /* var1 = </a:t>
+            </a:r>
+            <a:r>
+              <a:rPr lang="pt-BR" dirty="0" err="1">
+                <a:solidFill>
+                  <a:srgbClr val="A8D08D"/>
+                </a:solidFill>
+                <a:cs typeface="Calibri"/>
+              </a:rPr>
+              <a:t>verum</a:t>
+            </a:r>
+            <a:r>
+              <a:rPr lang="pt-BR" dirty="0">
+                <a:solidFill>
+                  <a:srgbClr val="A8D08D"/>
+                </a:solidFill>
+                <a:cs typeface="Calibri"/>
+              </a:rPr>
+              <a:t> */</a:t>
+            </a:r>
+          </a:p>
+          <a:p>
+            <a:r>
+              <a:rPr lang="pt-BR" dirty="0">
+                <a:solidFill>
+                  <a:srgbClr val="A8D08D"/>
+                </a:solidFill>
+                <a:cs typeface="Calibri"/>
+              </a:rPr>
+              <a:t>    ::var2 = ::var1 &gt; 2; /* var2 = </a:t>
+            </a:r>
+            <a:r>
+              <a:rPr lang="pt-BR" dirty="0" err="1">
+                <a:solidFill>
+                  <a:srgbClr val="A8D08D"/>
+                </a:solidFill>
+                <a:cs typeface="Calibri"/>
+              </a:rPr>
+              <a:t>falsus</a:t>
+            </a:r>
+            <a:r>
+              <a:rPr lang="pt-BR" dirty="0">
+                <a:solidFill>
+                  <a:srgbClr val="A8D08D"/>
+                </a:solidFill>
+                <a:cs typeface="Calibri"/>
+              </a:rPr>
+              <a:t> */  </a:t>
+            </a:r>
+          </a:p>
+          <a:p>
+            <a:r>
+              <a:rPr lang="pt-BR" dirty="0">
+                <a:solidFill>
+                  <a:srgbClr val="A8D08D"/>
+                </a:solidFill>
+                <a:cs typeface="Calibri"/>
+              </a:rPr>
+              <a:t>    ::var3 = ! ::var2; /* var3 = </a:t>
+            </a:r>
+            <a:r>
+              <a:rPr lang="pt-BR" dirty="0" err="1">
+                <a:solidFill>
+                  <a:srgbClr val="A8D08D"/>
+                </a:solidFill>
+                <a:cs typeface="Calibri"/>
+              </a:rPr>
+              <a:t>verum</a:t>
+            </a:r>
+            <a:r>
+              <a:rPr lang="pt-BR" dirty="0">
+                <a:solidFill>
+                  <a:srgbClr val="A8D08D"/>
+                </a:solidFill>
+                <a:cs typeface="Calibri"/>
+              </a:rPr>
+              <a:t> */</a:t>
+            </a:r>
+          </a:p>
+          <a:p>
+            <a:endParaRPr lang="pt-BR" dirty="0">
+              <a:solidFill>
+                <a:srgbClr val="A8D08D"/>
+              </a:solidFill>
+              <a:cs typeface="Calibri"/>
+            </a:endParaRPr>
+          </a:p>
+          <a:p>
+            <a:r>
+              <a:rPr lang="pt-BR" dirty="0">
+                <a:solidFill>
+                  <a:srgbClr val="A8D08D"/>
+                </a:solidFill>
+                <a:cs typeface="Calibri"/>
+              </a:rPr>
+              <a:t>?</a:t>
+            </a:r>
+            <a:r>
+              <a:rPr lang="pt-BR" dirty="0" err="1">
+                <a:solidFill>
+                  <a:srgbClr val="A8D08D"/>
+                </a:solidFill>
+                <a:cs typeface="Calibri"/>
+              </a:rPr>
+              <a:t>prope</a:t>
+            </a:r>
+            <a:endParaRPr lang="pt-BR" dirty="0">
+              <a:solidFill>
+                <a:srgbClr val="A8D08D"/>
+              </a:solidFill>
+              <a:cs typeface="Calibri"/>
+            </a:endParaRPr>
           </a:p>
         </p:txBody>
       </p:sp>
     </p:spTree>
     <p:extLst>
       <p:ext uri="{BB962C8B-B14F-4D97-AF65-F5344CB8AC3E}">
-        <p14:creationId xmlns:p14="http://schemas.microsoft.com/office/powerpoint/2010/main" val="259559194"/>
+        <p14:creationId xmlns:p14="http://schemas.microsoft.com/office/powerpoint/2010/main" val="269636459"/>
       </p:ext>
     </p:extLst>
   </p:cSld>
@@ -4663,7 +4818,7 @@
           <p:cNvPr id="2" name="Título 1">
             <a:extLst>
               <a:ext uri="{FF2B5EF4-FFF2-40B4-BE49-F238E27FC236}">
-                <a16:creationId xmlns:a16="http://schemas.microsoft.com/office/drawing/2014/main" id="{D54018B4-466B-406C-8B79-65BCCCB1DFB6}"/>
+                <a16:creationId xmlns:a16="http://schemas.microsoft.com/office/drawing/2014/main" id="{A19863C3-FEAA-4173-A26F-8D16A5F65304}"/>
               </a:ext>
             </a:extLst>
           </p:cNvPr>
@@ -4680,12 +4835,11 @@
           <a:lstStyle/>
           <a:p>
             <a:r>
-              <a:rPr lang="pt-BR">
+              <a:rPr lang="pt-BR" dirty="0" err="1">
                 <a:cs typeface="Calibri Light"/>
               </a:rPr>
-              <a:t>Conversando com terminal</a:t>
-            </a:r>
-            <a:endParaRPr lang="pt-BR"/>
+              <a:t>Strings</a:t>
+            </a:r>
           </a:p>
         </p:txBody>
       </p:sp>
@@ -4694,7 +4848,7 @@
           <p:cNvPr id="3" name="Espaço Reservado para Conteúdo 2">
             <a:extLst>
               <a:ext uri="{FF2B5EF4-FFF2-40B4-BE49-F238E27FC236}">
-                <a16:creationId xmlns:a16="http://schemas.microsoft.com/office/drawing/2014/main" id="{6DB4AB94-320C-4859-A5ED-CBC99A807A16}"/>
+                <a16:creationId xmlns:a16="http://schemas.microsoft.com/office/drawing/2014/main" id="{80DFF76C-41D2-4737-BDD0-348382B0513D}"/>
               </a:ext>
             </a:extLst>
           </p:cNvPr>
@@ -4716,7 +4870,7 @@
               <a:rPr lang="pt-BR">
                 <a:cs typeface="Calibri"/>
               </a:rPr>
-              <a:t>Existem 2 comandos para entrada e saida de dados. Eles são:</a:t>
+              <a:t>Podemos trabalhar com strings usando aspas duplas(" "). Strings podem ser armazenadas em variaveis, mas não podem fazer operações matematicas e booleanas. </a:t>
             </a:r>
           </a:p>
           <a:p>
@@ -4725,37 +4879,8 @@
               <a:rPr lang="pt-BR">
                 <a:cs typeface="Calibri"/>
               </a:rPr>
-              <a:t>ostende – o que vier depois dele sera escrito no terminal</a:t>
-            </a:r>
-          </a:p>
-          <a:p>
-            <a:pPr lvl="1" indent="-342900"/>
-            <a:r>
-              <a:rPr lang="pt-BR">
-                <a:cs typeface="Calibri"/>
-              </a:rPr>
-              <a:t>Initus – pega o input do terminal(somente valores inteiros)</a:t>
-            </a:r>
-            <a:endParaRPr lang="pt-BR" dirty="0">
-              <a:cs typeface="Calibri"/>
-            </a:endParaRPr>
-          </a:p>
-          <a:p>
-            <a:pPr lvl="1" indent="-342900"/>
-            <a:endParaRPr lang="pt-BR" dirty="0">
-              <a:cs typeface="Calibri"/>
-            </a:endParaRPr>
-          </a:p>
-          <a:p>
-            <a:pPr lvl="1" indent="-342900"/>
-            <a:endParaRPr lang="pt-BR" dirty="0">
-              <a:cs typeface="Calibri"/>
-            </a:endParaRPr>
-          </a:p>
-          <a:p>
-            <a:pPr marL="342900" lvl="1" indent="0">
-              <a:buNone/>
-            </a:pPr>
+              <a:t>Existe a operação "." que serve para juntar diferentes strings. Variaveis Int e Bool podem ser transformados em strings quando usados com essa operação. Valores booleanos serão traduzidos para 1 e 0.</a:t>
+            </a:r>
             <a:endParaRPr lang="pt-BR" dirty="0">
               <a:cs typeface="Calibri"/>
             </a:endParaRPr>
@@ -4767,7 +4892,7 @@
           <p:cNvPr id="4" name="CaixaDeTexto 3">
             <a:extLst>
               <a:ext uri="{FF2B5EF4-FFF2-40B4-BE49-F238E27FC236}">
-                <a16:creationId xmlns:a16="http://schemas.microsoft.com/office/drawing/2014/main" id="{7E69F55E-CBE4-43FA-96BD-6AB46B863A5F}"/>
+                <a16:creationId xmlns:a16="http://schemas.microsoft.com/office/drawing/2014/main" id="{6096D0F8-9445-4425-9395-387FDBEF5BC6}"/>
               </a:ext>
             </a:extLst>
           </p:cNvPr>
@@ -4776,8 +4901,8 @@
         </p:nvSpPr>
         <p:spPr>
           <a:xfrm>
-            <a:off x="1041400" y="3182256"/>
-            <a:ext cx="4775198" cy="1200329"/>
+            <a:off x="2374900" y="4352471"/>
+            <a:ext cx="5174341" cy="1200329"/>
           </a:xfrm>
           <a:prstGeom prst="rect">
             <a:avLst/>
@@ -4808,6 +4933,7 @@
           </a:bodyPr>
           <a:lstStyle/>
           <a:p>
+            <a:pPr algn="l"/>
             <a:r>
               <a:rPr lang="pt-BR">
                 <a:solidFill>
@@ -4816,11 +4942,42 @@
                     <a:lumOff val="40000"/>
                   </a:schemeClr>
                 </a:solidFill>
-                <a:cs typeface="Calibri"/>
+                <a:ea typeface="+mn-lt"/>
+                <a:cs typeface="+mn-lt"/>
               </a:rPr>
               <a:t>pelagus?</a:t>
             </a:r>
-            <a:endParaRPr lang="pt-BR" dirty="0">
+          </a:p>
+          <a:p>
+            <a:r>
+              <a:rPr lang="pt-BR">
+                <a:solidFill>
+                  <a:schemeClr val="accent6">
+                    <a:lumMod val="60000"/>
+                    <a:lumOff val="40000"/>
+                  </a:schemeClr>
+                </a:solidFill>
+                <a:ea typeface="+mn-lt"/>
+                <a:cs typeface="+mn-lt"/>
+              </a:rPr>
+              <a:t>    ::str1 = "str1 é essa: ";</a:t>
+            </a:r>
+          </a:p>
+          <a:p>
+            <a:r>
+              <a:rPr lang="pt-BR">
+                <a:solidFill>
+                  <a:schemeClr val="accent6">
+                    <a:lumMod val="60000"/>
+                    <a:lumOff val="40000"/>
+                  </a:schemeClr>
+                </a:solidFill>
+                <a:ea typeface="+mn-lt"/>
+                <a:cs typeface="+mn-lt"/>
+              </a:rPr>
+              <a:t>    ::str2 = ::str1.1.falsus." ";  /* str2 = str1 é essa 10 */</a:t>
+            </a:r>
+            <a:endParaRPr lang="pt-BR">
               <a:solidFill>
                 <a:schemeClr val="accent6">
                   <a:lumMod val="60000"/>
@@ -4839,84 +4996,18 @@
                     <a:lumOff val="40000"/>
                   </a:schemeClr>
                 </a:solidFill>
-                <a:cs typeface="Calibri"/>
-              </a:rPr>
-              <a:t>    ::var = initus(); /* pega o valor inteiro */</a:t>
-            </a:r>
-            <a:endParaRPr lang="pt-BR" dirty="0">
-              <a:solidFill>
-                <a:schemeClr val="accent6">
-                  <a:lumMod val="60000"/>
-                  <a:lumOff val="40000"/>
-                </a:schemeClr>
-              </a:solidFill>
-              <a:cs typeface="Calibri"/>
-            </a:endParaRPr>
-          </a:p>
-          <a:p>
-            <a:r>
-              <a:rPr lang="pt-BR">
-                <a:solidFill>
-                  <a:schemeClr val="accent6">
-                    <a:lumMod val="60000"/>
-                    <a:lumOff val="40000"/>
-                  </a:schemeClr>
-                </a:solidFill>
-                <a:cs typeface="Calibri"/>
-              </a:rPr>
-              <a:t>    ostende ::var+1</a:t>
-            </a:r>
-            <a:r>
-              <a:rPr lang="pt-BR" u="sng">
-                <a:solidFill>
-                  <a:schemeClr val="accent6">
-                    <a:lumMod val="60000"/>
-                    <a:lumOff val="40000"/>
-                  </a:schemeClr>
-                </a:solidFill>
-                <a:cs typeface="Calibri"/>
-              </a:rPr>
-              <a:t>; /* se entrar 1, a saida é 2 */</a:t>
-            </a:r>
-            <a:endParaRPr lang="pt-BR">
-              <a:solidFill>
-                <a:schemeClr val="accent6">
-                  <a:lumMod val="60000"/>
-                  <a:lumOff val="40000"/>
-                </a:schemeClr>
-              </a:solidFill>
-              <a:cs typeface="Calibri"/>
-            </a:endParaRPr>
-          </a:p>
-          <a:p>
-            <a:r>
-              <a:rPr lang="pt-BR">
-                <a:solidFill>
-                  <a:schemeClr val="accent6">
-                    <a:lumMod val="60000"/>
-                    <a:lumOff val="40000"/>
-                  </a:schemeClr>
-                </a:solidFill>
-                <a:cs typeface="Calibri"/>
+                <a:ea typeface="+mn-lt"/>
+                <a:cs typeface="+mn-lt"/>
               </a:rPr>
               <a:t>?prope</a:t>
             </a:r>
-            <a:endParaRPr lang="pt-BR" dirty="0">
-              <a:solidFill>
-                <a:schemeClr val="accent6">
-                  <a:lumMod val="60000"/>
-                  <a:lumOff val="40000"/>
-                </a:schemeClr>
-              </a:solidFill>
-              <a:cs typeface="Calibri"/>
-            </a:endParaRPr>
           </a:p>
         </p:txBody>
       </p:sp>
     </p:spTree>
     <p:extLst>
       <p:ext uri="{BB962C8B-B14F-4D97-AF65-F5344CB8AC3E}">
-        <p14:creationId xmlns:p14="http://schemas.microsoft.com/office/powerpoint/2010/main" val="2013325808"/>
+        <p14:creationId xmlns:p14="http://schemas.microsoft.com/office/powerpoint/2010/main" val="259559194"/>
       </p:ext>
     </p:extLst>
   </p:cSld>
@@ -4948,7 +5039,7 @@
           <p:cNvPr id="2" name="Título 1">
             <a:extLst>
               <a:ext uri="{FF2B5EF4-FFF2-40B4-BE49-F238E27FC236}">
-                <a16:creationId xmlns:a16="http://schemas.microsoft.com/office/drawing/2014/main" id="{E7E7C63B-9EA2-4772-8473-2FAB60201849}"/>
+                <a16:creationId xmlns:a16="http://schemas.microsoft.com/office/drawing/2014/main" id="{D54018B4-466B-406C-8B79-65BCCCB1DFB6}"/>
               </a:ext>
             </a:extLst>
           </p:cNvPr>
@@ -4968,11 +5059,9 @@
               <a:rPr lang="pt-BR">
                 <a:cs typeface="Calibri Light"/>
               </a:rPr>
-              <a:t>Condicional</a:t>
-            </a:r>
-            <a:endParaRPr lang="pt-BR" dirty="0">
-              <a:cs typeface="Calibri Light"/>
-            </a:endParaRPr>
+              <a:t>Conversando com terminal</a:t>
+            </a:r>
+            <a:endParaRPr lang="pt-BR"/>
           </a:p>
         </p:txBody>
       </p:sp>
@@ -4981,7 +5070,7 @@
           <p:cNvPr id="3" name="Espaço Reservado para Conteúdo 2">
             <a:extLst>
               <a:ext uri="{FF2B5EF4-FFF2-40B4-BE49-F238E27FC236}">
-                <a16:creationId xmlns:a16="http://schemas.microsoft.com/office/drawing/2014/main" id="{84E8E1B5-A2BF-4466-B962-7B8274BA873D}"/>
+                <a16:creationId xmlns:a16="http://schemas.microsoft.com/office/drawing/2014/main" id="{6DB4AB94-320C-4859-A5ED-CBC99A807A16}"/>
               </a:ext>
             </a:extLst>
           </p:cNvPr>
@@ -4992,12 +5081,7 @@
             <p:ph idx="1"/>
           </p:nvPr>
         </p:nvSpPr>
-        <p:spPr>
-          <a:xfrm>
-            <a:off x="803953" y="1363288"/>
-            <a:ext cx="10515600" cy="4351338"/>
-          </a:xfrm>
-        </p:spPr>
+        <p:spPr/>
         <p:txBody>
           <a:bodyPr vert="horz" lIns="91440" tIns="45720" rIns="91440" bIns="45720" rtlCol="0" anchor="t">
             <a:normAutofit/>
@@ -5008,7 +5092,7 @@
               <a:rPr lang="pt-BR">
                 <a:cs typeface="Calibri"/>
               </a:rPr>
-              <a:t>Para lidar com condicionais, temos o si/alium. </a:t>
+              <a:t>Existem 2 comandos para entrada e saida de dados. Eles são:</a:t>
             </a:r>
           </a:p>
           <a:p>
@@ -5017,7 +5101,7 @@
               <a:rPr lang="pt-BR">
                 <a:cs typeface="Calibri"/>
               </a:rPr>
-              <a:t>Ao fazer um condicional, podemos usar o formato :</a:t>
+              <a:t>ostende – o que vier depois dele sera escrito no terminal</a:t>
             </a:r>
           </a:p>
           <a:p>
@@ -5026,47 +5110,28 @@
               <a:rPr lang="pt-BR">
                 <a:cs typeface="Calibri"/>
               </a:rPr>
-              <a:t>si ( BOOL ) { função }</a:t>
-            </a:r>
+              <a:t>Initus – pega o input do terminal(somente valores inteiros)</a:t>
+            </a:r>
+            <a:endParaRPr lang="pt-BR" dirty="0">
+              <a:cs typeface="Calibri"/>
+            </a:endParaRPr>
           </a:p>
           <a:p>
             <a:pPr lvl="1" indent="-342900"/>
-            <a:r>
-              <a:rPr lang="pt-BR">
-                <a:cs typeface="Calibri"/>
-              </a:rPr>
-              <a:t>si ( BOOL ) { função } alium { função }</a:t>
-            </a:r>
-          </a:p>
-          <a:p>
-            <a:r>
-              <a:rPr lang="pt-BR">
-                <a:ea typeface="+mn-lt"/>
-                <a:cs typeface="+mn-lt"/>
-              </a:rPr>
-              <a:t>BOOL – resultado booleano. Se for verum(1), executa a função.</a:t>
-            </a:r>
-            <a:endParaRPr lang="en-US">
-              <a:ea typeface="+mn-lt"/>
-              <a:cs typeface="+mn-lt"/>
-            </a:endParaRPr>
-          </a:p>
-          <a:p>
-            <a:r>
-              <a:rPr lang="pt-BR">
-                <a:ea typeface="+mn-lt"/>
-                <a:cs typeface="+mn-lt"/>
-              </a:rPr>
-              <a:t>função - O que sera executado enquando BOOL for verum</a:t>
-            </a:r>
-          </a:p>
-          <a:p>
             <a:endParaRPr lang="pt-BR" dirty="0">
               <a:cs typeface="Calibri"/>
             </a:endParaRPr>
           </a:p>
           <a:p>
             <a:pPr lvl="1" indent="-342900"/>
+            <a:endParaRPr lang="pt-BR" dirty="0">
+              <a:cs typeface="Calibri"/>
+            </a:endParaRPr>
+          </a:p>
+          <a:p>
+            <a:pPr marL="342900" lvl="1" indent="0">
+              <a:buNone/>
+            </a:pPr>
             <a:endParaRPr lang="pt-BR" dirty="0">
               <a:cs typeface="Calibri"/>
             </a:endParaRPr>
@@ -5078,7 +5143,7 @@
           <p:cNvPr id="4" name="CaixaDeTexto 3">
             <a:extLst>
               <a:ext uri="{FF2B5EF4-FFF2-40B4-BE49-F238E27FC236}">
-                <a16:creationId xmlns:a16="http://schemas.microsoft.com/office/drawing/2014/main" id="{DABDE0AF-29D8-486A-8BA7-63A90B98CA1E}"/>
+                <a16:creationId xmlns:a16="http://schemas.microsoft.com/office/drawing/2014/main" id="{7E69F55E-CBE4-43FA-96BD-6AB46B863A5F}"/>
               </a:ext>
             </a:extLst>
           </p:cNvPr>
@@ -5087,8 +5152,8 @@
         </p:nvSpPr>
         <p:spPr>
           <a:xfrm>
-            <a:off x="1034264" y="3962398"/>
-            <a:ext cx="3813424" cy="2800767"/>
+            <a:off x="1041400" y="3182256"/>
+            <a:ext cx="4775198" cy="1200329"/>
           </a:xfrm>
           <a:prstGeom prst="rect">
             <a:avLst/>
@@ -5120,132 +5185,104 @@
           <a:lstStyle/>
           <a:p>
             <a:r>
-              <a:rPr lang="pt-BR" sz="1600">
-                <a:solidFill>
-                  <a:srgbClr val="A8D08D"/>
-                </a:solidFill>
+              <a:rPr lang="pt-BR">
+                <a:solidFill>
+                  <a:schemeClr val="accent6">
+                    <a:lumMod val="60000"/>
+                    <a:lumOff val="40000"/>
+                  </a:schemeClr>
+                </a:solidFill>
+                <a:cs typeface="Calibri"/>
               </a:rPr>
               <a:t>pelagus?</a:t>
             </a:r>
-            <a:endParaRPr lang="pt-BR" sz="1600">
-              <a:solidFill>
-                <a:srgbClr val="FFFFFF"/>
-              </a:solidFill>
-              <a:cs typeface="Calibri"/>
-            </a:endParaRPr>
-          </a:p>
-          <a:p>
-            <a:r>
-              <a:rPr lang="pt-BR" sz="1600">
-                <a:solidFill>
-                  <a:srgbClr val="A8D08D"/>
-                </a:solidFill>
-                <a:cs typeface="Calibri"/>
-              </a:rPr>
-              <a:t>    ::var = verum; /* vai entrar no si */</a:t>
-            </a:r>
-          </a:p>
-          <a:p>
-            <a:r>
-              <a:rPr lang="pt-BR" sz="1600">
-                <a:solidFill>
-                  <a:srgbClr val="A8D08D"/>
-                </a:solidFill>
-                <a:cs typeface="Calibri"/>
-              </a:rPr>
-              <a:t>    si (::var)</a:t>
-            </a:r>
-          </a:p>
-          <a:p>
-            <a:r>
-              <a:rPr lang="pt-BR" sz="1600">
-                <a:solidFill>
-                  <a:srgbClr val="A8D08D"/>
-                </a:solidFill>
-                <a:cs typeface="Calibri"/>
-              </a:rPr>
-              <a:t>    {</a:t>
-            </a:r>
-          </a:p>
-          <a:p>
-            <a:r>
-              <a:rPr lang="pt-BR" sz="1600">
-                <a:solidFill>
-                  <a:srgbClr val="A8D08D"/>
-                </a:solidFill>
-                <a:cs typeface="Calibri"/>
-              </a:rPr>
-              <a:t>        ostende "entrou no si";</a:t>
-            </a:r>
-          </a:p>
-          <a:p>
-            <a:r>
-              <a:rPr lang="pt-BR" sz="1600">
-                <a:solidFill>
-                  <a:srgbClr val="A8D08D"/>
-                </a:solidFill>
-                <a:cs typeface="Calibri"/>
-              </a:rPr>
-              <a:t>    }</a:t>
-            </a:r>
-          </a:p>
-          <a:p>
-            <a:r>
-              <a:rPr lang="pt-BR" sz="1600">
-                <a:solidFill>
-                  <a:srgbClr val="A8D08D"/>
-                </a:solidFill>
-                <a:cs typeface="Calibri"/>
-              </a:rPr>
-              <a:t>    alium</a:t>
-            </a:r>
-          </a:p>
-          <a:p>
-            <a:r>
-              <a:rPr lang="pt-BR" sz="1600">
-                <a:solidFill>
-                  <a:srgbClr val="A8D08D"/>
-                </a:solidFill>
-                <a:cs typeface="Calibri"/>
-              </a:rPr>
-              <a:t>    {</a:t>
-            </a:r>
-          </a:p>
-          <a:p>
-            <a:r>
-              <a:rPr lang="pt-BR" sz="1600">
-                <a:solidFill>
-                  <a:srgbClr val="A8D08D"/>
-                </a:solidFill>
-                <a:cs typeface="Calibri"/>
-              </a:rPr>
-              <a:t>        ostende "entrou no alium";</a:t>
-            </a:r>
-          </a:p>
-          <a:p>
-            <a:r>
-              <a:rPr lang="pt-BR" sz="1600">
-                <a:solidFill>
-                  <a:srgbClr val="A8D08D"/>
-                </a:solidFill>
-                <a:cs typeface="Calibri"/>
-              </a:rPr>
-              <a:t>    }</a:t>
-            </a:r>
-          </a:p>
-          <a:p>
-            <a:r>
-              <a:rPr lang="pt-BR" sz="1600">
-                <a:solidFill>
-                  <a:srgbClr val="A8D08D"/>
+            <a:endParaRPr lang="pt-BR" dirty="0">
+              <a:solidFill>
+                <a:schemeClr val="accent6">
+                  <a:lumMod val="60000"/>
+                  <a:lumOff val="40000"/>
+                </a:schemeClr>
+              </a:solidFill>
+              <a:cs typeface="Calibri"/>
+            </a:endParaRPr>
+          </a:p>
+          <a:p>
+            <a:r>
+              <a:rPr lang="pt-BR">
+                <a:solidFill>
+                  <a:schemeClr val="accent6">
+                    <a:lumMod val="60000"/>
+                    <a:lumOff val="40000"/>
+                  </a:schemeClr>
+                </a:solidFill>
+                <a:cs typeface="Calibri"/>
+              </a:rPr>
+              <a:t>    ::var = initus(); /* pega o valor inteiro */</a:t>
+            </a:r>
+            <a:endParaRPr lang="pt-BR" dirty="0">
+              <a:solidFill>
+                <a:schemeClr val="accent6">
+                  <a:lumMod val="60000"/>
+                  <a:lumOff val="40000"/>
+                </a:schemeClr>
+              </a:solidFill>
+              <a:cs typeface="Calibri"/>
+            </a:endParaRPr>
+          </a:p>
+          <a:p>
+            <a:r>
+              <a:rPr lang="pt-BR">
+                <a:solidFill>
+                  <a:schemeClr val="accent6">
+                    <a:lumMod val="60000"/>
+                    <a:lumOff val="40000"/>
+                  </a:schemeClr>
+                </a:solidFill>
+                <a:cs typeface="Calibri"/>
+              </a:rPr>
+              <a:t>    ostende ::var+1</a:t>
+            </a:r>
+            <a:r>
+              <a:rPr lang="pt-BR" u="sng">
+                <a:solidFill>
+                  <a:schemeClr val="accent6">
+                    <a:lumMod val="60000"/>
+                    <a:lumOff val="40000"/>
+                  </a:schemeClr>
+                </a:solidFill>
+                <a:cs typeface="Calibri"/>
+              </a:rPr>
+              <a:t>; /* se entrar 1, a saida é 2 */</a:t>
+            </a:r>
+            <a:endParaRPr lang="pt-BR">
+              <a:solidFill>
+                <a:schemeClr val="accent6">
+                  <a:lumMod val="60000"/>
+                  <a:lumOff val="40000"/>
+                </a:schemeClr>
+              </a:solidFill>
+              <a:cs typeface="Calibri"/>
+            </a:endParaRPr>
+          </a:p>
+          <a:p>
+            <a:r>
+              <a:rPr lang="pt-BR">
+                <a:solidFill>
+                  <a:schemeClr val="accent6">
+                    <a:lumMod val="60000"/>
+                    <a:lumOff val="40000"/>
+                  </a:schemeClr>
                 </a:solidFill>
                 <a:cs typeface="Calibri"/>
               </a:rPr>
               <a:t>?prope</a:t>
             </a:r>
-            <a:endParaRPr lang="pt-BR" sz="1600" dirty="0">
-              <a:solidFill>
-                <a:srgbClr val="A8D08D"/>
+            <a:endParaRPr lang="pt-BR" dirty="0">
+              <a:solidFill>
+                <a:schemeClr val="accent6">
+                  <a:lumMod val="60000"/>
+                  <a:lumOff val="40000"/>
+                </a:schemeClr>
               </a:solidFill>
               <a:cs typeface="Calibri"/>
             </a:endParaRPr>
@@ -5255,7 +5292,7 @@
     </p:spTree>
     <p:extLst>
       <p:ext uri="{BB962C8B-B14F-4D97-AF65-F5344CB8AC3E}">
-        <p14:creationId xmlns:p14="http://schemas.microsoft.com/office/powerpoint/2010/main" val="1641581213"/>
+        <p14:creationId xmlns:p14="http://schemas.microsoft.com/office/powerpoint/2010/main" val="2013325808"/>
       </p:ext>
     </p:extLst>
   </p:cSld>
@@ -5287,7 +5324,7 @@
           <p:cNvPr id="2" name="Título 1">
             <a:extLst>
               <a:ext uri="{FF2B5EF4-FFF2-40B4-BE49-F238E27FC236}">
-                <a16:creationId xmlns:a16="http://schemas.microsoft.com/office/drawing/2014/main" id="{8B169691-5A31-4C68-980E-3341EBB5EFAD}"/>
+                <a16:creationId xmlns:a16="http://schemas.microsoft.com/office/drawing/2014/main" id="{E7E7C63B-9EA2-4772-8473-2FAB60201849}"/>
               </a:ext>
             </a:extLst>
           </p:cNvPr>
@@ -5307,9 +5344,11 @@
               <a:rPr lang="pt-BR">
                 <a:cs typeface="Calibri Light"/>
               </a:rPr>
-              <a:t>Loops</a:t>
-            </a:r>
-            <a:endParaRPr lang="pt-BR"/>
+              <a:t>Condicional</a:t>
+            </a:r>
+            <a:endParaRPr lang="pt-BR" dirty="0">
+              <a:cs typeface="Calibri Light"/>
+            </a:endParaRPr>
           </a:p>
         </p:txBody>
       </p:sp>
@@ -5318,7 +5357,7 @@
           <p:cNvPr id="3" name="Espaço Reservado para Conteúdo 2">
             <a:extLst>
               <a:ext uri="{FF2B5EF4-FFF2-40B4-BE49-F238E27FC236}">
-                <a16:creationId xmlns:a16="http://schemas.microsoft.com/office/drawing/2014/main" id="{49215EB3-984B-4C7F-BBC4-3508E82EFBCC}"/>
+                <a16:creationId xmlns:a16="http://schemas.microsoft.com/office/drawing/2014/main" id="{84E8E1B5-A2BF-4466-B962-7B8274BA873D}"/>
               </a:ext>
             </a:extLst>
           </p:cNvPr>
@@ -5331,7 +5370,7 @@
         </p:nvSpPr>
         <p:spPr>
           <a:xfrm>
-            <a:off x="795391" y="1423221"/>
+            <a:off x="803953" y="1363288"/>
             <a:ext cx="10515600" cy="4351338"/>
           </a:xfrm>
         </p:spPr>
@@ -5345,7 +5384,7 @@
               <a:rPr lang="pt-BR">
                 <a:cs typeface="Calibri"/>
               </a:rPr>
-              <a:t>Existem 2 formas de escrever um loop em LC. As duas geram o mesmo resultado.</a:t>
+              <a:t>Para lidar com condicionais, temos o si/alium. </a:t>
             </a:r>
           </a:p>
           <a:p>
@@ -5354,7 +5393,7 @@
               <a:rPr lang="pt-BR">
                 <a:cs typeface="Calibri"/>
               </a:rPr>
-              <a:t>dum ( BOOL ) { função } </a:t>
+              <a:t>Ao fazer um condicional, podemos usar o formato :</a:t>
             </a:r>
           </a:p>
           <a:p>
@@ -5363,36 +5402,59 @@
               <a:rPr lang="pt-BR">
                 <a:cs typeface="Calibri"/>
               </a:rPr>
-              <a:t>facite { função } dum ( BOOL )</a:t>
-            </a:r>
-          </a:p>
-          <a:p>
+              <a:t>si ( BOOL ) { função }</a:t>
+            </a:r>
+          </a:p>
+          <a:p>
+            <a:pPr lvl="1" indent="-342900"/>
             <a:r>
               <a:rPr lang="pt-BR">
                 <a:cs typeface="Calibri"/>
               </a:rPr>
+              <a:t>si ( BOOL ) { função } alium { função }</a:t>
+            </a:r>
+          </a:p>
+          <a:p>
+            <a:r>
+              <a:rPr lang="pt-BR">
+                <a:ea typeface="+mn-lt"/>
+                <a:cs typeface="+mn-lt"/>
+              </a:rPr>
               <a:t>BOOL – resultado booleano. Se for verum(1), executa a função.</a:t>
             </a:r>
+            <a:endParaRPr lang="en-US">
+              <a:ea typeface="+mn-lt"/>
+              <a:cs typeface="+mn-lt"/>
+            </a:endParaRPr>
           </a:p>
           <a:p>
             <a:r>
               <a:rPr lang="pt-BR">
-                <a:cs typeface="Calibri"/>
+                <a:ea typeface="+mn-lt"/>
+                <a:cs typeface="+mn-lt"/>
               </a:rPr>
               <a:t>função - O que sera executado enquando BOOL for verum</a:t>
             </a:r>
+          </a:p>
+          <a:p>
             <a:endParaRPr lang="pt-BR" dirty="0">
               <a:cs typeface="Calibri"/>
             </a:endParaRPr>
           </a:p>
-        </p:txBody>
-      </p:sp>
-      <p:sp>
-        <p:nvSpPr>
-          <p:cNvPr id="5" name="CaixaDeTexto 4">
+          <a:p>
+            <a:pPr lvl="1" indent="-342900"/>
+            <a:endParaRPr lang="pt-BR" dirty="0">
+              <a:cs typeface="Calibri"/>
+            </a:endParaRPr>
+          </a:p>
+        </p:txBody>
+      </p:sp>
+      <p:sp>
+        <p:nvSpPr>
+          <p:cNvPr id="4" name="CaixaDeTexto 3">
             <a:extLst>
               <a:ext uri="{FF2B5EF4-FFF2-40B4-BE49-F238E27FC236}">
-                <a16:creationId xmlns:a16="http://schemas.microsoft.com/office/drawing/2014/main" id="{58C2C8A5-2DC5-472C-AC1C-2E000AAA80CB}"/>
+                <a16:creationId xmlns:a16="http://schemas.microsoft.com/office/drawing/2014/main" id="{DABDE0AF-29D8-486A-8BA7-63A90B98CA1E}"/>
               </a:ext>
             </a:extLst>
           </p:cNvPr>
@@ -5401,8 +5463,8 @@
         </p:nvSpPr>
         <p:spPr>
           <a:xfrm>
-            <a:off x="871591" y="4193567"/>
-            <a:ext cx="5465850" cy="2308324"/>
+            <a:off x="1034264" y="3962398"/>
+            <a:ext cx="3813424" cy="2800767"/>
           </a:xfrm>
           <a:prstGeom prst="rect">
             <a:avLst/>
@@ -5434,123 +5496,130 @@
           <a:lstStyle/>
           <a:p>
             <a:r>
-              <a:rPr lang="pt-BR">
+              <a:rPr lang="pt-BR" sz="1600">
                 <a:solidFill>
                   <a:srgbClr val="A8D08D"/>
                 </a:solidFill>
               </a:rPr>
               <a:t>pelagus?</a:t>
             </a:r>
-            <a:endParaRPr lang="pt-BR">
+            <a:endParaRPr lang="pt-BR" sz="1600">
               <a:solidFill>
                 <a:srgbClr val="FFFFFF"/>
               </a:solidFill>
-            </a:endParaRPr>
-          </a:p>
-          <a:p>
-            <a:r>
-              <a:rPr lang="pt-BR">
+              <a:cs typeface="Calibri"/>
+            </a:endParaRPr>
+          </a:p>
+          <a:p>
+            <a:r>
+              <a:rPr lang="pt-BR" sz="1600">
                 <a:solidFill>
                   <a:srgbClr val="A8D08D"/>
                 </a:solidFill>
                 <a:cs typeface="Calibri"/>
               </a:rPr>
-              <a:t>    ::var = 0    </a:t>
-            </a:r>
-            <a:endParaRPr lang="pt-BR" dirty="0">
-              <a:solidFill>
-                <a:srgbClr val="A8D08D"/>
-              </a:solidFill>
-              <a:cs typeface="Calibri"/>
-            </a:endParaRPr>
-          </a:p>
-          <a:p>
-            <a:r>
-              <a:rPr lang="pt-BR">
+              <a:t>    ::var = verum; /* vai entrar no si */</a:t>
+            </a:r>
+          </a:p>
+          <a:p>
+            <a:r>
+              <a:rPr lang="pt-BR" sz="1600">
                 <a:solidFill>
                   <a:srgbClr val="A8D08D"/>
                 </a:solidFill>
                 <a:cs typeface="Calibri"/>
               </a:rPr>
-              <a:t>    facite </a:t>
-            </a:r>
-          </a:p>
-          <a:p>
-            <a:r>
-              <a:rPr lang="pt-BR">
+              <a:t>    si (::var)</a:t>
+            </a:r>
+          </a:p>
+          <a:p>
+            <a:r>
+              <a:rPr lang="pt-BR" sz="1600">
                 <a:solidFill>
                   <a:srgbClr val="A8D08D"/>
                 </a:solidFill>
                 <a:cs typeface="Calibri"/>
               </a:rPr>
-              <a:t>    { </a:t>
-            </a:r>
-            <a:endParaRPr lang="pt-BR">
-              <a:solidFill>
-                <a:srgbClr val="FFFFFF"/>
-              </a:solidFill>
-              <a:cs typeface="Calibri"/>
-            </a:endParaRPr>
-          </a:p>
-          <a:p>
-            <a:r>
-              <a:rPr lang="pt-BR">
+              <a:t>    {</a:t>
+            </a:r>
+          </a:p>
+          <a:p>
+            <a:r>
+              <a:rPr lang="pt-BR" sz="1600">
                 <a:solidFill>
                   <a:srgbClr val="A8D08D"/>
                 </a:solidFill>
                 <a:cs typeface="Calibri"/>
               </a:rPr>
-              <a:t>        ::var = ::var+1; </a:t>
-            </a:r>
-            <a:endParaRPr lang="pt-BR">
-              <a:solidFill>
-                <a:srgbClr val="FFFFFF"/>
-              </a:solidFill>
-              <a:cs typeface="Calibri"/>
-            </a:endParaRPr>
-          </a:p>
-          <a:p>
-            <a:r>
-              <a:rPr lang="pt-BR">
+              <a:t>        ostende "entrou no si";</a:t>
+            </a:r>
+          </a:p>
+          <a:p>
+            <a:r>
+              <a:rPr lang="pt-BR" sz="1600">
                 <a:solidFill>
                   <a:srgbClr val="A8D08D"/>
                 </a:solidFill>
                 <a:cs typeface="Calibri"/>
               </a:rPr>
-              <a:t>        ostende ::var; /* vai printar 1, 2, 3 */ </a:t>
-            </a:r>
-            <a:endParaRPr lang="pt-BR">
-              <a:solidFill>
-                <a:srgbClr val="FFFFFF"/>
-              </a:solidFill>
-              <a:cs typeface="Calibri"/>
-            </a:endParaRPr>
-          </a:p>
-          <a:p>
-            <a:r>
-              <a:rPr lang="pt-BR">
+              <a:t>    }</a:t>
+            </a:r>
+          </a:p>
+          <a:p>
+            <a:r>
+              <a:rPr lang="pt-BR" sz="1600">
                 <a:solidFill>
                   <a:srgbClr val="A8D08D"/>
                 </a:solidFill>
                 <a:cs typeface="Calibri"/>
               </a:rPr>
-              <a:t>    } dum (::var &lt; 3);</a:t>
-            </a:r>
-            <a:endParaRPr lang="pt-BR">
-              <a:cs typeface="Calibri"/>
-            </a:endParaRPr>
-          </a:p>
-          <a:p>
-            <a:r>
-              <a:rPr lang="pt-BR">
+              <a:t>    alium</a:t>
+            </a:r>
+          </a:p>
+          <a:p>
+            <a:r>
+              <a:rPr lang="pt-BR" sz="1600">
                 <a:solidFill>
                   <a:srgbClr val="A8D08D"/>
                 </a:solidFill>
                 <a:cs typeface="Calibri"/>
               </a:rPr>
+              <a:t>    {</a:t>
+            </a:r>
+          </a:p>
+          <a:p>
+            <a:r>
+              <a:rPr lang="pt-BR" sz="1600">
+                <a:solidFill>
+                  <a:srgbClr val="A8D08D"/>
+                </a:solidFill>
+                <a:cs typeface="Calibri"/>
+              </a:rPr>
+              <a:t>        ostende "entrou no alium";</a:t>
+            </a:r>
+          </a:p>
+          <a:p>
+            <a:r>
+              <a:rPr lang="pt-BR" sz="1600">
+                <a:solidFill>
+                  <a:srgbClr val="A8D08D"/>
+                </a:solidFill>
+                <a:cs typeface="Calibri"/>
+              </a:rPr>
+              <a:t>    }</a:t>
+            </a:r>
+          </a:p>
+          <a:p>
+            <a:r>
+              <a:rPr lang="pt-BR" sz="1600">
+                <a:solidFill>
+                  <a:srgbClr val="A8D08D"/>
+                </a:solidFill>
+                <a:cs typeface="Calibri"/>
+              </a:rPr>
               <a:t>?prope</a:t>
             </a:r>
-            <a:endParaRPr lang="pt-BR" dirty="0">
+            <a:endParaRPr lang="pt-BR" sz="1600" dirty="0">
               <a:solidFill>
                 <a:srgbClr val="A8D08D"/>
               </a:solidFill>
@@ -5562,7 +5631,7 @@
     </p:spTree>
     <p:extLst>
       <p:ext uri="{BB962C8B-B14F-4D97-AF65-F5344CB8AC3E}">
-        <p14:creationId xmlns:p14="http://schemas.microsoft.com/office/powerpoint/2010/main" val="1913345322"/>
+        <p14:creationId xmlns:p14="http://schemas.microsoft.com/office/powerpoint/2010/main" val="1641581213"/>
       </p:ext>
     </p:extLst>
   </p:cSld>
@@ -5594,7 +5663,7 @@
           <p:cNvPr id="2" name="Título 1">
             <a:extLst>
               <a:ext uri="{FF2B5EF4-FFF2-40B4-BE49-F238E27FC236}">
-                <a16:creationId xmlns:a16="http://schemas.microsoft.com/office/drawing/2014/main" id="{8D103B9C-71CF-405E-892B-9ED5132260D6}"/>
+                <a16:creationId xmlns:a16="http://schemas.microsoft.com/office/drawing/2014/main" id="{8B169691-5A31-4C68-980E-3341EBB5EFAD}"/>
               </a:ext>
             </a:extLst>
           </p:cNvPr>
@@ -5614,7 +5683,7 @@
               <a:rPr lang="pt-BR">
                 <a:cs typeface="Calibri Light"/>
               </a:rPr>
-              <a:t>Funções</a:t>
+              <a:t>Loops</a:t>
             </a:r>
             <a:endParaRPr lang="pt-BR"/>
           </a:p>
@@ -5625,7 +5694,7 @@
           <p:cNvPr id="3" name="Espaço Reservado para Conteúdo 2">
             <a:extLst>
               <a:ext uri="{FF2B5EF4-FFF2-40B4-BE49-F238E27FC236}">
-                <a16:creationId xmlns:a16="http://schemas.microsoft.com/office/drawing/2014/main" id="{0E474D29-3976-4469-B878-11B70FC32BA2}"/>
+                <a16:creationId xmlns:a16="http://schemas.microsoft.com/office/drawing/2014/main" id="{49215EB3-984B-4C7F-BBC4-3508E82EFBCC}"/>
               </a:ext>
             </a:extLst>
           </p:cNvPr>
@@ -5636,7 +5705,12 @@
             <p:ph idx="1"/>
           </p:nvPr>
         </p:nvSpPr>
-        <p:spPr/>
+        <p:spPr>
+          <a:xfrm>
+            <a:off x="795391" y="1423221"/>
+            <a:ext cx="10515600" cy="4351338"/>
+          </a:xfrm>
+        </p:spPr>
         <p:txBody>
           <a:bodyPr vert="horz" lIns="91440" tIns="45720" rIns="91440" bIns="45720" rtlCol="0" anchor="t">
             <a:normAutofit/>
@@ -5647,7 +5721,7 @@
               <a:rPr lang="pt-BR">
                 <a:cs typeface="Calibri"/>
               </a:rPr>
-              <a:t>Podemos definir funções em LC. Para definir, seguimos o formato a seguir</a:t>
+              <a:t>Existem 2 formas de escrever um loop em LC. As duas geram o mesmo resultado.</a:t>
             </a:r>
           </a:p>
           <a:p>
@@ -5656,25 +5730,24 @@
               <a:rPr lang="pt-BR">
                 <a:cs typeface="Calibri"/>
               </a:rPr>
-              <a:t>Officium NOME_DA_FUNCAO (variaveis) { função }</a:t>
-            </a:r>
-          </a:p>
-          <a:p>
-            <a:pPr lvl="2"/>
+              <a:t>dum ( BOOL ) { função } </a:t>
+            </a:r>
+          </a:p>
+          <a:p>
+            <a:pPr lvl="1" indent="-342900"/>
             <a:r>
               <a:rPr lang="pt-BR">
                 <a:cs typeface="Calibri"/>
               </a:rPr>
-              <a:t>Variaveis – variaveis locais a serem declaradas na chamada da função. Não é preciso introduzir nenhuma variavel. Se for mais de uma variavel, separar as variaveis com virgulas.</a:t>
-            </a:r>
-          </a:p>
-          <a:p>
-            <a:pPr lvl="2"/>
+              <a:t>facite { função } dum ( BOOL )</a:t>
+            </a:r>
+          </a:p>
+          <a:p>
             <a:r>
               <a:rPr lang="pt-BR">
                 <a:cs typeface="Calibri"/>
               </a:rPr>
-              <a:t>Função - função interna a ser executado quando chamar a função. Todas as variaveis da função são locais. Se a função for retornar algo, usa-se o "reditus" da mesma forma que o "ostende"</a:t>
+              <a:t>BOOL – resultado booleano. Se for verum(1), executa a função.</a:t>
             </a:r>
           </a:p>
           <a:p>
@@ -5682,30 +5755,181 @@
               <a:rPr lang="pt-BR">
                 <a:cs typeface="Calibri"/>
               </a:rPr>
-              <a:t>Para chamar a função: </a:t>
+              <a:t>função - O que sera executado enquando BOOL for verum</a:t>
             </a:r>
             <a:endParaRPr lang="pt-BR" dirty="0">
               <a:cs typeface="Calibri"/>
             </a:endParaRPr>
           </a:p>
-          <a:p>
-            <a:pPr lvl="1" indent="-342900"/>
+        </p:txBody>
+      </p:sp>
+      <p:sp>
+        <p:nvSpPr>
+          <p:cNvPr id="5" name="CaixaDeTexto 4">
+            <a:extLst>
+              <a:ext uri="{FF2B5EF4-FFF2-40B4-BE49-F238E27FC236}">
+                <a16:creationId xmlns:a16="http://schemas.microsoft.com/office/drawing/2014/main" id="{58C2C8A5-2DC5-472C-AC1C-2E000AAA80CB}"/>
+              </a:ext>
+            </a:extLst>
+          </p:cNvPr>
+          <p:cNvSpPr txBox="1"/>
+          <p:nvPr/>
+        </p:nvSpPr>
+        <p:spPr>
+          <a:xfrm>
+            <a:off x="871591" y="4193567"/>
+            <a:ext cx="5465850" cy="2308324"/>
+          </a:xfrm>
+          <a:prstGeom prst="rect">
+            <a:avLst/>
+          </a:prstGeom>
+        </p:spPr>
+        <p:style>
+          <a:lnRef idx="2">
+            <a:schemeClr val="dk1">
+              <a:shade val="50000"/>
+            </a:schemeClr>
+          </a:lnRef>
+          <a:fillRef idx="1">
+            <a:schemeClr val="dk1"/>
+          </a:fillRef>
+          <a:effectRef idx="0">
+            <a:schemeClr val="dk1"/>
+          </a:effectRef>
+          <a:fontRef idx="minor">
+            <a:schemeClr val="lt1"/>
+          </a:fontRef>
+        </p:style>
+        <p:txBody>
+          <a:bodyPr rot="0" spcFirstLastPara="0" vertOverflow="overflow" horzOverflow="overflow" vert="horz" wrap="square" lIns="91440" tIns="45720" rIns="91440" bIns="45720" numCol="1" spcCol="0" rtlCol="0" fromWordArt="0" anchor="t" anchorCtr="0" forceAA="0" compatLnSpc="1">
+            <a:prstTxWarp prst="textNoShape">
+              <a:avLst/>
+            </a:prstTxWarp>
+            <a:spAutoFit/>
+          </a:bodyPr>
+          <a:lstStyle/>
+          <a:p>
             <a:r>
               <a:rPr lang="pt-BR">
-                <a:cs typeface="Calibri"/>
-              </a:rPr>
-              <a:t>NOME_DA_FUNCAO (variaveis);</a:t>
-            </a:r>
-          </a:p>
-          <a:p>
-            <a:pPr lvl="2"/>
+                <a:solidFill>
+                  <a:srgbClr val="A8D08D"/>
+                </a:solidFill>
+              </a:rPr>
+              <a:t>pelagus?</a:t>
+            </a:r>
+            <a:endParaRPr lang="pt-BR">
+              <a:solidFill>
+                <a:srgbClr val="FFFFFF"/>
+              </a:solidFill>
+            </a:endParaRPr>
+          </a:p>
+          <a:p>
             <a:r>
               <a:rPr lang="pt-BR">
-                <a:cs typeface="Calibri"/>
-              </a:rPr>
-              <a:t>variaveis – valores ou expressões que serão designados as variaveis locais da função.</a:t>
+                <a:solidFill>
+                  <a:srgbClr val="A8D08D"/>
+                </a:solidFill>
+                <a:cs typeface="Calibri"/>
+              </a:rPr>
+              <a:t>    ::var = 0    </a:t>
             </a:r>
             <a:endParaRPr lang="pt-BR" dirty="0">
+              <a:solidFill>
+                <a:srgbClr val="A8D08D"/>
+              </a:solidFill>
+              <a:cs typeface="Calibri"/>
+            </a:endParaRPr>
+          </a:p>
+          <a:p>
+            <a:r>
+              <a:rPr lang="pt-BR">
+                <a:solidFill>
+                  <a:srgbClr val="A8D08D"/>
+                </a:solidFill>
+                <a:cs typeface="Calibri"/>
+              </a:rPr>
+              <a:t>    facite </a:t>
+            </a:r>
+          </a:p>
+          <a:p>
+            <a:r>
+              <a:rPr lang="pt-BR">
+                <a:solidFill>
+                  <a:srgbClr val="A8D08D"/>
+                </a:solidFill>
+                <a:cs typeface="Calibri"/>
+              </a:rPr>
+              <a:t>    { </a:t>
+            </a:r>
+            <a:endParaRPr lang="pt-BR">
+              <a:solidFill>
+                <a:srgbClr val="FFFFFF"/>
+              </a:solidFill>
+              <a:cs typeface="Calibri"/>
+            </a:endParaRPr>
+          </a:p>
+          <a:p>
+            <a:r>
+              <a:rPr lang="pt-BR">
+                <a:solidFill>
+                  <a:srgbClr val="A8D08D"/>
+                </a:solidFill>
+                <a:cs typeface="Calibri"/>
+              </a:rPr>
+              <a:t>        ::var = ::var+1; </a:t>
+            </a:r>
+            <a:endParaRPr lang="pt-BR">
+              <a:solidFill>
+                <a:srgbClr val="FFFFFF"/>
+              </a:solidFill>
+              <a:cs typeface="Calibri"/>
+            </a:endParaRPr>
+          </a:p>
+          <a:p>
+            <a:r>
+              <a:rPr lang="pt-BR">
+                <a:solidFill>
+                  <a:srgbClr val="A8D08D"/>
+                </a:solidFill>
+                <a:cs typeface="Calibri"/>
+              </a:rPr>
+              <a:t>        ostende ::var; /* vai printar 1, 2, 3 */ </a:t>
+            </a:r>
+            <a:endParaRPr lang="pt-BR">
+              <a:solidFill>
+                <a:srgbClr val="FFFFFF"/>
+              </a:solidFill>
+              <a:cs typeface="Calibri"/>
+            </a:endParaRPr>
+          </a:p>
+          <a:p>
+            <a:r>
+              <a:rPr lang="pt-BR">
+                <a:solidFill>
+                  <a:srgbClr val="A8D08D"/>
+                </a:solidFill>
+                <a:cs typeface="Calibri"/>
+              </a:rPr>
+              <a:t>    } dum (::var &lt; 3);</a:t>
+            </a:r>
+            <a:endParaRPr lang="pt-BR">
+              <a:cs typeface="Calibri"/>
+            </a:endParaRPr>
+          </a:p>
+          <a:p>
+            <a:r>
+              <a:rPr lang="pt-BR">
+                <a:solidFill>
+                  <a:srgbClr val="A8D08D"/>
+                </a:solidFill>
+                <a:cs typeface="Calibri"/>
+              </a:rPr>
+              <a:t>?prope</a:t>
+            </a:r>
+            <a:endParaRPr lang="pt-BR" dirty="0">
+              <a:solidFill>
+                <a:srgbClr val="A8D08D"/>
+              </a:solidFill>
               <a:cs typeface="Calibri"/>
             </a:endParaRPr>
           </a:p>
@@ -5714,7 +5938,7 @@
     </p:spTree>
     <p:extLst>
       <p:ext uri="{BB962C8B-B14F-4D97-AF65-F5344CB8AC3E}">
-        <p14:creationId xmlns:p14="http://schemas.microsoft.com/office/powerpoint/2010/main" val="3870847781"/>
+        <p14:creationId xmlns:p14="http://schemas.microsoft.com/office/powerpoint/2010/main" val="1913345322"/>
       </p:ext>
     </p:extLst>
   </p:cSld>
@@ -5746,7 +5970,7 @@
           <p:cNvPr id="2" name="Título 1">
             <a:extLst>
               <a:ext uri="{FF2B5EF4-FFF2-40B4-BE49-F238E27FC236}">
-                <a16:creationId xmlns:a16="http://schemas.microsoft.com/office/drawing/2014/main" id="{0B62F38A-7C38-4FE9-A733-2E0FBF6F953B}"/>
+                <a16:creationId xmlns:a16="http://schemas.microsoft.com/office/drawing/2014/main" id="{8D103B9C-71CF-405E-892B-9ED5132260D6}"/>
               </a:ext>
             </a:extLst>
           </p:cNvPr>
@@ -5766,7 +5990,7 @@
               <a:rPr lang="pt-BR">
                 <a:cs typeface="Calibri Light"/>
               </a:rPr>
-              <a:t>Exemplo funções</a:t>
+              <a:t>Funções</a:t>
             </a:r>
             <a:endParaRPr lang="pt-BR"/>
           </a:p>
@@ -5777,7 +6001,7 @@
           <p:cNvPr id="3" name="Espaço Reservado para Conteúdo 2">
             <a:extLst>
               <a:ext uri="{FF2B5EF4-FFF2-40B4-BE49-F238E27FC236}">
-                <a16:creationId xmlns:a16="http://schemas.microsoft.com/office/drawing/2014/main" id="{802F9637-D868-4A95-A561-AD9C790D18C0}"/>
+                <a16:creationId xmlns:a16="http://schemas.microsoft.com/office/drawing/2014/main" id="{0E474D29-3976-4469-B878-11B70FC32BA2}"/>
               </a:ext>
             </a:extLst>
           </p:cNvPr>
@@ -5789,322 +6013,76 @@
           </p:nvPr>
         </p:nvSpPr>
         <p:spPr/>
-        <p:style>
-          <a:lnRef idx="2">
-            <a:schemeClr val="dk1">
-              <a:shade val="50000"/>
-            </a:schemeClr>
-          </a:lnRef>
-          <a:fillRef idx="1">
-            <a:schemeClr val="dk1"/>
-          </a:fillRef>
-          <a:effectRef idx="0">
-            <a:schemeClr val="dk1"/>
-          </a:effectRef>
-          <a:fontRef idx="minor">
-            <a:schemeClr val="lt1"/>
-          </a:fontRef>
-        </p:style>
         <p:txBody>
           <a:bodyPr vert="horz" lIns="91440" tIns="45720" rIns="91440" bIns="45720" rtlCol="0" anchor="t">
-            <a:normAutofit fontScale="85000" lnSpcReduction="20000"/>
+            <a:normAutofit/>
           </a:bodyPr>
           <a:lstStyle/>
           <a:p>
-            <a:pPr marL="0" indent="0">
-              <a:buNone/>
-            </a:pPr>
             <a:r>
               <a:rPr lang="pt-BR">
-                <a:solidFill>
-                  <a:schemeClr val="accent6">
-                    <a:lumMod val="60000"/>
-                    <a:lumOff val="40000"/>
-                  </a:schemeClr>
-                </a:solidFill>
-                <a:ea typeface="+mn-lt"/>
-                <a:cs typeface="+mn-lt"/>
-              </a:rPr>
-              <a:t>pelagus?</a:t>
+                <a:cs typeface="Calibri"/>
+              </a:rPr>
+              <a:t>Podemos definir funções em LC. Para definir, seguimos o formato a seguir</a:t>
+            </a:r>
+          </a:p>
+          <a:p>
+            <a:pPr lvl="1" indent="-342900"/>
+            <a:r>
+              <a:rPr lang="pt-BR">
+                <a:cs typeface="Calibri"/>
+              </a:rPr>
+              <a:t>Officium NOME_DA_FUNCAO (variaveis) { função }</a:t>
+            </a:r>
+          </a:p>
+          <a:p>
+            <a:pPr lvl="2"/>
+            <a:r>
+              <a:rPr lang="pt-BR">
+                <a:cs typeface="Calibri"/>
+              </a:rPr>
+              <a:t>Variaveis – variaveis locais a serem declaradas na chamada da função. Não é preciso introduzir nenhuma variavel. Se for mais de uma variavel, separar as variaveis com virgulas.</a:t>
+            </a:r>
+          </a:p>
+          <a:p>
+            <a:pPr lvl="2"/>
+            <a:r>
+              <a:rPr lang="pt-BR">
+                <a:cs typeface="Calibri"/>
+              </a:rPr>
+              <a:t>Função - função interna a ser executado quando chamar a função. Todas as variaveis da função são locais. Se a função for retornar algo, usa-se o "reditus" da mesma forma que o "ostende"</a:t>
+            </a:r>
+          </a:p>
+          <a:p>
+            <a:r>
+              <a:rPr lang="pt-BR">
+                <a:cs typeface="Calibri"/>
+              </a:rPr>
+              <a:t>Para chamar a função: </a:t>
             </a:r>
             <a:endParaRPr lang="pt-BR" dirty="0">
-              <a:solidFill>
-                <a:schemeClr val="accent6">
-                  <a:lumMod val="60000"/>
-                  <a:lumOff val="40000"/>
-                </a:schemeClr>
-              </a:solidFill>
-              <a:cs typeface="Calibri"/>
-            </a:endParaRPr>
-          </a:p>
-          <a:p>
-            <a:pPr marL="0" indent="0">
-              <a:buNone/>
-            </a:pPr>
+              <a:cs typeface="Calibri"/>
+            </a:endParaRPr>
+          </a:p>
+          <a:p>
+            <a:pPr lvl="1" indent="-342900"/>
             <a:r>
               <a:rPr lang="pt-BR">
-                <a:solidFill>
-                  <a:schemeClr val="accent6">
-                    <a:lumMod val="60000"/>
-                    <a:lumOff val="40000"/>
-                  </a:schemeClr>
-                </a:solidFill>
-                <a:ea typeface="+mn-lt"/>
-                <a:cs typeface="+mn-lt"/>
-              </a:rPr>
-              <a:t>    officium func1(::var1, ::var2)</a:t>
-            </a:r>
-            <a:endParaRPr lang="pt-BR">
-              <a:solidFill>
-                <a:schemeClr val="accent6">
-                  <a:lumMod val="60000"/>
-                  <a:lumOff val="40000"/>
-                </a:schemeClr>
-              </a:solidFill>
-              <a:cs typeface="Calibri"/>
-            </a:endParaRPr>
-          </a:p>
-          <a:p>
-            <a:pPr marL="0" indent="0">
-              <a:buNone/>
-            </a:pPr>
+                <a:cs typeface="Calibri"/>
+              </a:rPr>
+              <a:t>NOME_DA_FUNCAO (variaveis);</a:t>
+            </a:r>
+          </a:p>
+          <a:p>
+            <a:pPr lvl="2"/>
             <a:r>
               <a:rPr lang="pt-BR">
-                <a:solidFill>
-                  <a:schemeClr val="accent6">
-                    <a:lumMod val="60000"/>
-                    <a:lumOff val="40000"/>
-                  </a:schemeClr>
-                </a:solidFill>
-                <a:ea typeface="+mn-lt"/>
-                <a:cs typeface="+mn-lt"/>
-              </a:rPr>
-              <a:t>    {</a:t>
-            </a:r>
-            <a:endParaRPr lang="pt-BR">
-              <a:solidFill>
-                <a:schemeClr val="accent6">
-                  <a:lumMod val="60000"/>
-                  <a:lumOff val="40000"/>
-                </a:schemeClr>
-              </a:solidFill>
-              <a:cs typeface="Calibri"/>
-            </a:endParaRPr>
-          </a:p>
-          <a:p>
-            <a:pPr marL="0" indent="0">
-              <a:buNone/>
-            </a:pPr>
-            <a:r>
-              <a:rPr lang="pt-BR">
-                <a:solidFill>
-                  <a:schemeClr val="accent6">
-                    <a:lumMod val="60000"/>
-                    <a:lumOff val="40000"/>
-                  </a:schemeClr>
-                </a:solidFill>
-                <a:ea typeface="+mn-lt"/>
-                <a:cs typeface="+mn-lt"/>
-              </a:rPr>
-              <a:t>        si(::var1 &lt; ::var2)</a:t>
-            </a:r>
-            <a:endParaRPr lang="pt-BR">
-              <a:solidFill>
-                <a:schemeClr val="accent6">
-                  <a:lumMod val="60000"/>
-                  <a:lumOff val="40000"/>
-                </a:schemeClr>
-              </a:solidFill>
-              <a:cs typeface="Calibri"/>
-            </a:endParaRPr>
-          </a:p>
-          <a:p>
-            <a:pPr marL="0" indent="0">
-              <a:buNone/>
-            </a:pPr>
-            <a:r>
-              <a:rPr lang="pt-BR">
-                <a:solidFill>
-                  <a:schemeClr val="accent6">
-                    <a:lumMod val="60000"/>
-                    <a:lumOff val="40000"/>
-                  </a:schemeClr>
-                </a:solidFill>
-                <a:ea typeface="+mn-lt"/>
-                <a:cs typeface="+mn-lt"/>
-              </a:rPr>
-              <a:t>        {</a:t>
-            </a:r>
-            <a:endParaRPr lang="pt-BR">
-              <a:solidFill>
-                <a:schemeClr val="accent6">
-                  <a:lumMod val="60000"/>
-                  <a:lumOff val="40000"/>
-                </a:schemeClr>
-              </a:solidFill>
-              <a:cs typeface="Calibri"/>
-            </a:endParaRPr>
-          </a:p>
-          <a:p>
-            <a:pPr marL="0" indent="0">
-              <a:buNone/>
-            </a:pPr>
-            <a:r>
-              <a:rPr lang="pt-BR">
-                <a:solidFill>
-                  <a:schemeClr val="accent6">
-                    <a:lumMod val="60000"/>
-                    <a:lumOff val="40000"/>
-                  </a:schemeClr>
-                </a:solidFill>
-                <a:ea typeface="+mn-lt"/>
-                <a:cs typeface="+mn-lt"/>
-              </a:rPr>
-              <a:t>            ::var2 = ::var1-1;</a:t>
-            </a:r>
-            <a:endParaRPr lang="pt-BR">
-              <a:solidFill>
-                <a:schemeClr val="accent6">
-                  <a:lumMod val="60000"/>
-                  <a:lumOff val="40000"/>
-                </a:schemeClr>
-              </a:solidFill>
-              <a:cs typeface="Calibri"/>
-            </a:endParaRPr>
-          </a:p>
-          <a:p>
-            <a:pPr marL="0" indent="0">
-              <a:buNone/>
-            </a:pPr>
-            <a:r>
-              <a:rPr lang="pt-BR">
-                <a:solidFill>
-                  <a:schemeClr val="accent6">
-                    <a:lumMod val="60000"/>
-                    <a:lumOff val="40000"/>
-                  </a:schemeClr>
-                </a:solidFill>
-                <a:ea typeface="+mn-lt"/>
-                <a:cs typeface="+mn-lt"/>
-              </a:rPr>
-              <a:t>        }</a:t>
-            </a:r>
-            <a:endParaRPr lang="pt-BR">
-              <a:solidFill>
-                <a:schemeClr val="accent6">
-                  <a:lumMod val="60000"/>
-                  <a:lumOff val="40000"/>
-                </a:schemeClr>
-              </a:solidFill>
-              <a:cs typeface="Calibri"/>
-            </a:endParaRPr>
-          </a:p>
-          <a:p>
-            <a:pPr marL="0" indent="0">
-              <a:buNone/>
-            </a:pPr>
-            <a:r>
-              <a:rPr lang="pt-BR">
-                <a:solidFill>
-                  <a:schemeClr val="accent6">
-                    <a:lumMod val="60000"/>
-                    <a:lumOff val="40000"/>
-                  </a:schemeClr>
-                </a:solidFill>
-                <a:ea typeface="+mn-lt"/>
-                <a:cs typeface="+mn-lt"/>
-              </a:rPr>
-              <a:t>        reditus ::var2;</a:t>
-            </a:r>
-            <a:endParaRPr lang="pt-BR">
-              <a:solidFill>
-                <a:schemeClr val="accent6">
-                  <a:lumMod val="60000"/>
-                  <a:lumOff val="40000"/>
-                </a:schemeClr>
-              </a:solidFill>
-              <a:cs typeface="Calibri"/>
-            </a:endParaRPr>
-          </a:p>
-          <a:p>
-            <a:pPr marL="0" indent="0">
-              <a:buNone/>
-            </a:pPr>
-            <a:r>
-              <a:rPr lang="pt-BR">
-                <a:solidFill>
-                  <a:schemeClr val="accent6">
-                    <a:lumMod val="60000"/>
-                    <a:lumOff val="40000"/>
-                  </a:schemeClr>
-                </a:solidFill>
-                <a:ea typeface="+mn-lt"/>
-                <a:cs typeface="+mn-lt"/>
-              </a:rPr>
-              <a:t>    }</a:t>
-            </a:r>
-            <a:endParaRPr lang="pt-BR">
-              <a:solidFill>
-                <a:schemeClr val="accent6">
-                  <a:lumMod val="60000"/>
-                  <a:lumOff val="40000"/>
-                </a:schemeClr>
-              </a:solidFill>
-              <a:cs typeface="Calibri"/>
-            </a:endParaRPr>
-          </a:p>
-          <a:p>
-            <a:pPr marL="0" indent="0">
-              <a:buNone/>
-            </a:pPr>
-            <a:r>
-              <a:rPr lang="pt-BR">
-                <a:solidFill>
-                  <a:schemeClr val="accent6">
-                    <a:lumMod val="60000"/>
-                    <a:lumOff val="40000"/>
-                  </a:schemeClr>
-                </a:solidFill>
-                <a:ea typeface="+mn-lt"/>
-                <a:cs typeface="+mn-lt"/>
-              </a:rPr>
-              <a:t>    ostende func1(10,20); /* print 9 */ </a:t>
-            </a:r>
-            <a:endParaRPr lang="pt-BR">
-              <a:solidFill>
-                <a:schemeClr val="accent6">
-                  <a:lumMod val="60000"/>
-                  <a:lumOff val="40000"/>
-                </a:schemeClr>
-              </a:solidFill>
-              <a:cs typeface="Calibri"/>
-            </a:endParaRPr>
-          </a:p>
-          <a:p>
-            <a:pPr marL="0" indent="0">
-              <a:buNone/>
-            </a:pPr>
-            <a:r>
-              <a:rPr lang="pt-BR">
-                <a:solidFill>
-                  <a:schemeClr val="accent6">
-                    <a:lumMod val="60000"/>
-                    <a:lumOff val="40000"/>
-                  </a:schemeClr>
-                </a:solidFill>
-                <a:ea typeface="+mn-lt"/>
-                <a:cs typeface="+mn-lt"/>
-              </a:rPr>
-              <a:t>?prope</a:t>
-            </a:r>
-            <a:endParaRPr lang="pt-BR">
-              <a:solidFill>
-                <a:schemeClr val="accent6">
-                  <a:lumMod val="60000"/>
-                  <a:lumOff val="40000"/>
-                </a:schemeClr>
-              </a:solidFill>
-              <a:cs typeface="Calibri" panose="020F0502020204030204"/>
+                <a:cs typeface="Calibri"/>
+              </a:rPr>
+              <a:t>variaveis – valores ou expressões que serão designados as variaveis locais da função.</a:t>
+            </a:r>
+            <a:endParaRPr lang="pt-BR" dirty="0">
+              <a:cs typeface="Calibri"/>
             </a:endParaRPr>
           </a:p>
         </p:txBody>
@@ -6112,7 +6090,7 @@
     </p:spTree>
     <p:extLst>
       <p:ext uri="{BB962C8B-B14F-4D97-AF65-F5344CB8AC3E}">
-        <p14:creationId xmlns:p14="http://schemas.microsoft.com/office/powerpoint/2010/main" val="2117321791"/>
+        <p14:creationId xmlns:p14="http://schemas.microsoft.com/office/powerpoint/2010/main" val="3870847781"/>
       </p:ext>
     </p:extLst>
   </p:cSld>
@@ -6144,7 +6122,7 @@
           <p:cNvPr id="2" name="Título 1">
             <a:extLst>
               <a:ext uri="{FF2B5EF4-FFF2-40B4-BE49-F238E27FC236}">
-                <a16:creationId xmlns:a16="http://schemas.microsoft.com/office/drawing/2014/main" id="{829C2536-EF16-45BB-B05F-8C49E6660044}"/>
+                <a16:creationId xmlns:a16="http://schemas.microsoft.com/office/drawing/2014/main" id="{0B62F38A-7C38-4FE9-A733-2E0FBF6F953B}"/>
               </a:ext>
             </a:extLst>
           </p:cNvPr>
@@ -6164,7 +6142,7 @@
               <a:rPr lang="pt-BR">
                 <a:cs typeface="Calibri Light"/>
               </a:rPr>
-              <a:t>Recursão</a:t>
+              <a:t>Exemplo funções</a:t>
             </a:r>
             <a:endParaRPr lang="pt-BR"/>
           </a:p>
@@ -6175,7 +6153,7 @@
           <p:cNvPr id="3" name="Espaço Reservado para Conteúdo 2">
             <a:extLst>
               <a:ext uri="{FF2B5EF4-FFF2-40B4-BE49-F238E27FC236}">
-                <a16:creationId xmlns:a16="http://schemas.microsoft.com/office/drawing/2014/main" id="{6F73AB15-85B9-4662-A7BE-120E30FFF481}"/>
+                <a16:creationId xmlns:a16="http://schemas.microsoft.com/office/drawing/2014/main" id="{802F9637-D868-4A95-A561-AD9C790D18C0}"/>
               </a:ext>
             </a:extLst>
           </p:cNvPr>
@@ -6187,47 +6165,6 @@
           </p:nvPr>
         </p:nvSpPr>
         <p:spPr/>
-        <p:txBody>
-          <a:bodyPr vert="horz" lIns="91440" tIns="45720" rIns="91440" bIns="45720" rtlCol="0" anchor="t">
-            <a:normAutofit/>
-          </a:bodyPr>
-          <a:lstStyle/>
-          <a:p>
-            <a:r>
-              <a:rPr lang="pt-BR">
-                <a:cs typeface="Calibri"/>
-              </a:rPr>
-              <a:t>As funções do LC suportam recursão.</a:t>
-            </a:r>
-          </a:p>
-          <a:p>
-            <a:endParaRPr lang="pt-BR" dirty="0">
-              <a:cs typeface="Calibri"/>
-            </a:endParaRPr>
-          </a:p>
-        </p:txBody>
-      </p:sp>
-      <p:sp>
-        <p:nvSpPr>
-          <p:cNvPr id="4" name="CaixaDeTexto 3">
-            <a:extLst>
-              <a:ext uri="{FF2B5EF4-FFF2-40B4-BE49-F238E27FC236}">
-                <a16:creationId xmlns:a16="http://schemas.microsoft.com/office/drawing/2014/main" id="{DEAA5F27-BE53-4CB0-BB86-C2D434DC5F1E}"/>
-              </a:ext>
-            </a:extLst>
-          </p:cNvPr>
-          <p:cNvSpPr txBox="1"/>
-          <p:nvPr/>
-        </p:nvSpPr>
-        <p:spPr>
-          <a:xfrm>
-            <a:off x="648984" y="2429837"/>
-            <a:ext cx="8702210" cy="4247317"/>
-          </a:xfrm>
-          <a:prstGeom prst="rect">
-            <a:avLst/>
-          </a:prstGeom>
-        </p:spPr>
         <p:style>
           <a:lnRef idx="2">
             <a:schemeClr val="dk1">
@@ -6245,14 +6182,14 @@
           </a:fontRef>
         </p:style>
         <p:txBody>
-          <a:bodyPr rot="0" spcFirstLastPara="0" vertOverflow="overflow" horzOverflow="overflow" vert="horz" wrap="square" lIns="91440" tIns="45720" rIns="91440" bIns="45720" numCol="1" spcCol="0" rtlCol="0" fromWordArt="0" anchor="t" anchorCtr="0" forceAA="0" compatLnSpc="1">
-            <a:prstTxWarp prst="textNoShape">
-              <a:avLst/>
-            </a:prstTxWarp>
-            <a:spAutoFit/>
+          <a:bodyPr vert="horz" lIns="91440" tIns="45720" rIns="91440" bIns="45720" rtlCol="0" anchor="t">
+            <a:normAutofit fontScale="85000" lnSpcReduction="20000"/>
           </a:bodyPr>
           <a:lstStyle/>
           <a:p>
+            <a:pPr marL="0" indent="0">
+              <a:buNone/>
+            </a:pPr>
             <a:r>
               <a:rPr lang="pt-BR">
                 <a:solidFill>
@@ -6266,7 +6203,7 @@
               </a:rPr>
               <a:t>pelagus?</a:t>
             </a:r>
-            <a:endParaRPr lang="pt-BR">
+            <a:endParaRPr lang="pt-BR" dirty="0">
               <a:solidFill>
                 <a:schemeClr val="accent6">
                   <a:lumMod val="60000"/>
@@ -6277,6 +6214,9 @@
             </a:endParaRPr>
           </a:p>
           <a:p>
+            <a:pPr marL="0" indent="0">
+              <a:buNone/>
+            </a:pPr>
             <a:r>
               <a:rPr lang="pt-BR">
                 <a:solidFill>
@@ -6288,7 +6228,7 @@
                 <a:ea typeface="+mn-lt"/>
                 <a:cs typeface="+mn-lt"/>
               </a:rPr>
-              <a:t>    officium fibonacci(::n)</a:t>
+              <a:t>    officium func1(::var1, ::var2)</a:t>
             </a:r>
             <a:endParaRPr lang="pt-BR">
               <a:solidFill>
@@ -6301,6 +6241,9 @@
             </a:endParaRPr>
           </a:p>
           <a:p>
+            <a:pPr marL="0" indent="0">
+              <a:buNone/>
+            </a:pPr>
             <a:r>
               <a:rPr lang="pt-BR">
                 <a:solidFill>
@@ -6325,6 +6268,9 @@
             </a:endParaRPr>
           </a:p>
           <a:p>
+            <a:pPr marL="0" indent="0">
+              <a:buNone/>
+            </a:pPr>
             <a:r>
               <a:rPr lang="pt-BR">
                 <a:solidFill>
@@ -6336,7 +6282,7 @@
                 <a:ea typeface="+mn-lt"/>
                 <a:cs typeface="+mn-lt"/>
               </a:rPr>
-              <a:t>        si(::n &lt; 2)</a:t>
+              <a:t>        si(::var1 &lt; ::var2)</a:t>
             </a:r>
             <a:endParaRPr lang="pt-BR">
               <a:solidFill>
@@ -6349,6 +6295,9 @@
             </a:endParaRPr>
           </a:p>
           <a:p>
+            <a:pPr marL="0" indent="0">
+              <a:buNone/>
+            </a:pPr>
             <a:r>
               <a:rPr lang="pt-BR">
                 <a:solidFill>
@@ -6373,6 +6322,9 @@
             </a:endParaRPr>
           </a:p>
           <a:p>
+            <a:pPr marL="0" indent="0">
+              <a:buNone/>
+            </a:pPr>
             <a:r>
               <a:rPr lang="pt-BR">
                 <a:solidFill>
@@ -6384,7 +6336,7 @@
                 <a:ea typeface="+mn-lt"/>
                 <a:cs typeface="+mn-lt"/>
               </a:rPr>
-              <a:t>            reditus ::n; </a:t>
+              <a:t>            ::var2 = ::var1-1;</a:t>
             </a:r>
             <a:endParaRPr lang="pt-BR">
               <a:solidFill>
@@ -6397,6 +6349,9 @@
             </a:endParaRPr>
           </a:p>
           <a:p>
+            <a:pPr marL="0" indent="0">
+              <a:buNone/>
+            </a:pPr>
             <a:r>
               <a:rPr lang="pt-BR">
                 <a:solidFill>
@@ -6421,6 +6376,9 @@
             </a:endParaRPr>
           </a:p>
           <a:p>
+            <a:pPr marL="0" indent="0">
+              <a:buNone/>
+            </a:pPr>
             <a:r>
               <a:rPr lang="pt-BR">
                 <a:solidFill>
@@ -6432,7 +6390,7 @@
                 <a:ea typeface="+mn-lt"/>
                 <a:cs typeface="+mn-lt"/>
               </a:rPr>
-              <a:t>        alium</a:t>
+              <a:t>        reditus ::var2;</a:t>
             </a:r>
             <a:endParaRPr lang="pt-BR">
               <a:solidFill>
@@ -6445,6 +6403,9 @@
             </a:endParaRPr>
           </a:p>
           <a:p>
+            <a:pPr marL="0" indent="0">
+              <a:buNone/>
+            </a:pPr>
             <a:r>
               <a:rPr lang="pt-BR">
                 <a:solidFill>
@@ -6456,7 +6417,7 @@
                 <a:ea typeface="+mn-lt"/>
                 <a:cs typeface="+mn-lt"/>
               </a:rPr>
-              <a:t>        {</a:t>
+              <a:t>    }</a:t>
             </a:r>
             <a:endParaRPr lang="pt-BR">
               <a:solidFill>
@@ -6469,6 +6430,9 @@
             </a:endParaRPr>
           </a:p>
           <a:p>
+            <a:pPr marL="0" indent="0">
+              <a:buNone/>
+            </a:pPr>
             <a:r>
               <a:rPr lang="pt-BR">
                 <a:solidFill>
@@ -6480,7 +6444,7 @@
                 <a:ea typeface="+mn-lt"/>
                 <a:cs typeface="+mn-lt"/>
               </a:rPr>
-              <a:t>            reditus fibonacci(::n-1)+fibonacci(::n-2);</a:t>
+              <a:t>    ostende func1(10,20); /* print 9 */ </a:t>
             </a:r>
             <a:endParaRPr lang="pt-BR">
               <a:solidFill>
@@ -6493,6 +6457,9 @@
             </a:endParaRPr>
           </a:p>
           <a:p>
+            <a:pPr marL="0" indent="0">
+              <a:buNone/>
+            </a:pPr>
             <a:r>
               <a:rPr lang="pt-BR">
                 <a:solidFill>
@@ -6504,7 +6471,7 @@
                 <a:ea typeface="+mn-lt"/>
                 <a:cs typeface="+mn-lt"/>
               </a:rPr>
-              <a:t>        }</a:t>
+              <a:t>?prope</a:t>
             </a:r>
             <a:endParaRPr lang="pt-BR">
               <a:solidFill>
@@ -6513,103 +6480,7 @@
                   <a:lumOff val="40000"/>
                 </a:schemeClr>
               </a:solidFill>
-              <a:cs typeface="Calibri"/>
-            </a:endParaRPr>
-          </a:p>
-          <a:p>
-            <a:r>
-              <a:rPr lang="pt-BR">
-                <a:solidFill>
-                  <a:schemeClr val="accent6">
-                    <a:lumMod val="60000"/>
-                    <a:lumOff val="40000"/>
-                  </a:schemeClr>
-                </a:solidFill>
-                <a:ea typeface="+mn-lt"/>
-                <a:cs typeface="+mn-lt"/>
-              </a:rPr>
-              <a:t>    }</a:t>
-            </a:r>
-            <a:endParaRPr lang="pt-BR">
-              <a:solidFill>
-                <a:schemeClr val="accent6">
-                  <a:lumMod val="60000"/>
-                  <a:lumOff val="40000"/>
-                </a:schemeClr>
-              </a:solidFill>
-              <a:cs typeface="Calibri"/>
-            </a:endParaRPr>
-          </a:p>
-          <a:p>
-            <a:r>
-              <a:rPr lang="pt-BR">
-                <a:solidFill>
-                  <a:schemeClr val="accent6">
-                    <a:lumMod val="60000"/>
-                    <a:lumOff val="40000"/>
-                  </a:schemeClr>
-                </a:solidFill>
-                <a:ea typeface="+mn-lt"/>
-                <a:cs typeface="+mn-lt"/>
-              </a:rPr>
-              <a:t>    ::v = initus();</a:t>
-            </a:r>
-            <a:endParaRPr lang="pt-BR">
-              <a:solidFill>
-                <a:schemeClr val="accent6">
-                  <a:lumMod val="60000"/>
-                  <a:lumOff val="40000"/>
-                </a:schemeClr>
-              </a:solidFill>
-              <a:cs typeface="Calibri"/>
-            </a:endParaRPr>
-          </a:p>
-          <a:p>
-            <a:r>
-              <a:rPr lang="pt-BR">
-                <a:solidFill>
-                  <a:schemeClr val="accent6">
-                    <a:lumMod val="60000"/>
-                    <a:lumOff val="40000"/>
-                  </a:schemeClr>
-                </a:solidFill>
-                <a:ea typeface="+mn-lt"/>
-                <a:cs typeface="+mn-lt"/>
-              </a:rPr>
-              <a:t>    ostende fibonacci(::v); /* printa o valor de posição ::v na sequencia de fibonacci */</a:t>
-            </a:r>
-            <a:endParaRPr lang="pt-BR">
-              <a:solidFill>
-                <a:schemeClr val="accent6">
-                  <a:lumMod val="60000"/>
-                  <a:lumOff val="40000"/>
-                </a:schemeClr>
-              </a:solidFill>
-              <a:cs typeface="Calibri"/>
-            </a:endParaRPr>
-          </a:p>
-          <a:p>
-            <a:pPr algn="l"/>
-            <a:r>
-              <a:rPr lang="pt-BR">
-                <a:solidFill>
-                  <a:schemeClr val="accent6">
-                    <a:lumMod val="60000"/>
-                    <a:lumOff val="40000"/>
-                  </a:schemeClr>
-                </a:solidFill>
-                <a:ea typeface="+mn-lt"/>
-                <a:cs typeface="+mn-lt"/>
-              </a:rPr>
-              <a:t>?prope</a:t>
-            </a:r>
-            <a:endParaRPr lang="pt-BR">
-              <a:solidFill>
-                <a:schemeClr val="accent6">
-                  <a:lumMod val="60000"/>
-                  <a:lumOff val="40000"/>
-                </a:schemeClr>
-              </a:solidFill>
+              <a:cs typeface="Calibri" panose="020F0502020204030204"/>
             </a:endParaRPr>
           </a:p>
         </p:txBody>
@@ -6617,7 +6488,7 @@
     </p:spTree>
     <p:extLst>
       <p:ext uri="{BB962C8B-B14F-4D97-AF65-F5344CB8AC3E}">
-        <p14:creationId xmlns:p14="http://schemas.microsoft.com/office/powerpoint/2010/main" val="2853848065"/>
+        <p14:creationId xmlns:p14="http://schemas.microsoft.com/office/powerpoint/2010/main" val="2117321791"/>
       </p:ext>
     </p:extLst>
   </p:cSld>
@@ -6755,7 +6626,7 @@
           <p:cNvPr id="2" name="Título 1">
             <a:extLst>
               <a:ext uri="{FF2B5EF4-FFF2-40B4-BE49-F238E27FC236}">
-                <a16:creationId xmlns:a16="http://schemas.microsoft.com/office/drawing/2014/main" id="{E2AA5C86-54BE-44DA-9AC6-B87324D3B128}"/>
+                <a16:creationId xmlns:a16="http://schemas.microsoft.com/office/drawing/2014/main" id="{829C2536-EF16-45BB-B05F-8C49E6660044}"/>
               </a:ext>
             </a:extLst>
           </p:cNvPr>
@@ -6775,7 +6646,7 @@
               <a:rPr lang="pt-BR">
                 <a:cs typeface="Calibri Light"/>
               </a:rPr>
-              <a:t>Exemplos de uso  - Fibonacci com strings</a:t>
+              <a:t>Recursão</a:t>
             </a:r>
             <a:endParaRPr lang="pt-BR"/>
           </a:p>
@@ -6783,10 +6654,47 @@
       </p:sp>
       <p:sp>
         <p:nvSpPr>
-          <p:cNvPr id="6" name="CaixaDeTexto 5">
+          <p:cNvPr id="3" name="Espaço Reservado para Conteúdo 2">
             <a:extLst>
               <a:ext uri="{FF2B5EF4-FFF2-40B4-BE49-F238E27FC236}">
-                <a16:creationId xmlns:a16="http://schemas.microsoft.com/office/drawing/2014/main" id="{69C964C1-4366-4759-BF4C-90AEE003681C}"/>
+                <a16:creationId xmlns:a16="http://schemas.microsoft.com/office/drawing/2014/main" id="{6F73AB15-85B9-4662-A7BE-120E30FFF481}"/>
+              </a:ext>
+            </a:extLst>
+          </p:cNvPr>
+          <p:cNvSpPr>
+            <a:spLocks noGrp="1"/>
+          </p:cNvSpPr>
+          <p:nvPr>
+            <p:ph idx="1"/>
+          </p:nvPr>
+        </p:nvSpPr>
+        <p:spPr/>
+        <p:txBody>
+          <a:bodyPr vert="horz" lIns="91440" tIns="45720" rIns="91440" bIns="45720" rtlCol="0" anchor="t">
+            <a:normAutofit/>
+          </a:bodyPr>
+          <a:lstStyle/>
+          <a:p>
+            <a:r>
+              <a:rPr lang="pt-BR">
+                <a:cs typeface="Calibri"/>
+              </a:rPr>
+              <a:t>As funções do LC suportam recursão.</a:t>
+            </a:r>
+          </a:p>
+          <a:p>
+            <a:endParaRPr lang="pt-BR" dirty="0">
+              <a:cs typeface="Calibri"/>
+            </a:endParaRPr>
+          </a:p>
+        </p:txBody>
+      </p:sp>
+      <p:sp>
+        <p:nvSpPr>
+          <p:cNvPr id="4" name="CaixaDeTexto 3">
+            <a:extLst>
+              <a:ext uri="{FF2B5EF4-FFF2-40B4-BE49-F238E27FC236}">
+                <a16:creationId xmlns:a16="http://schemas.microsoft.com/office/drawing/2014/main" id="{DEAA5F27-BE53-4CB0-BB86-C2D434DC5F1E}"/>
               </a:ext>
             </a:extLst>
           </p:cNvPr>
@@ -6795,8 +6703,8 @@
         </p:nvSpPr>
         <p:spPr>
           <a:xfrm>
-            <a:off x="700356" y="1625028"/>
-            <a:ext cx="5397356" cy="4401205"/>
+            <a:off x="648984" y="2429837"/>
+            <a:ext cx="8702210" cy="4247317"/>
           </a:xfrm>
           <a:prstGeom prst="rect">
             <a:avLst/>
@@ -6828,7 +6736,7 @@
           <a:lstStyle/>
           <a:p>
             <a:r>
-              <a:rPr lang="pt-BR" sz="1400">
+              <a:rPr lang="pt-BR">
                 <a:solidFill>
                   <a:schemeClr val="accent6">
                     <a:lumMod val="60000"/>
@@ -6840,7 +6748,7 @@
               </a:rPr>
               <a:t>pelagus?</a:t>
             </a:r>
-            <a:endParaRPr lang="pt-BR" sz="1400">
+            <a:endParaRPr lang="pt-BR">
               <a:solidFill>
                 <a:schemeClr val="accent6">
                   <a:lumMod val="60000"/>
@@ -6852,7 +6760,7 @@
           </a:p>
           <a:p>
             <a:r>
-              <a:rPr lang="pt-BR" sz="1400">
+              <a:rPr lang="pt-BR">
                 <a:solidFill>
                   <a:schemeClr val="accent6">
                     <a:lumMod val="60000"/>
@@ -6864,7 +6772,7 @@
               </a:rPr>
               <a:t>    officium fibonacci(::n)</a:t>
             </a:r>
-            <a:endParaRPr lang="pt-BR" sz="1400">
+            <a:endParaRPr lang="pt-BR">
               <a:solidFill>
                 <a:schemeClr val="accent6">
                   <a:lumMod val="60000"/>
@@ -6876,7 +6784,7 @@
           </a:p>
           <a:p>
             <a:r>
-              <a:rPr lang="pt-BR" sz="1400">
+              <a:rPr lang="pt-BR">
                 <a:solidFill>
                   <a:schemeClr val="accent6">
                     <a:lumMod val="60000"/>
@@ -6888,7 +6796,7 @@
               </a:rPr>
               <a:t>    {</a:t>
             </a:r>
-            <a:endParaRPr lang="pt-BR" sz="1400">
+            <a:endParaRPr lang="pt-BR">
               <a:solidFill>
                 <a:schemeClr val="accent6">
                   <a:lumMod val="60000"/>
@@ -6900,7 +6808,7 @@
           </a:p>
           <a:p>
             <a:r>
-              <a:rPr lang="pt-BR" sz="1400">
+              <a:rPr lang="pt-BR">
                 <a:solidFill>
                   <a:schemeClr val="accent6">
                     <a:lumMod val="60000"/>
@@ -6912,7 +6820,7 @@
               </a:rPr>
               <a:t>        si(::n &lt; 2)</a:t>
             </a:r>
-            <a:endParaRPr lang="pt-BR" sz="1400">
+            <a:endParaRPr lang="pt-BR">
               <a:solidFill>
                 <a:schemeClr val="accent6">
                   <a:lumMod val="60000"/>
@@ -6924,7 +6832,7 @@
           </a:p>
           <a:p>
             <a:r>
-              <a:rPr lang="pt-BR" sz="1400">
+              <a:rPr lang="pt-BR">
                 <a:solidFill>
                   <a:schemeClr val="accent6">
                     <a:lumMod val="60000"/>
@@ -6936,7 +6844,7 @@
               </a:rPr>
               <a:t>        {</a:t>
             </a:r>
-            <a:endParaRPr lang="pt-BR" sz="1400">
+            <a:endParaRPr lang="pt-BR">
               <a:solidFill>
                 <a:schemeClr val="accent6">
                   <a:lumMod val="60000"/>
@@ -6948,7 +6856,7 @@
           </a:p>
           <a:p>
             <a:r>
-              <a:rPr lang="pt-BR" sz="1400">
+              <a:rPr lang="pt-BR">
                 <a:solidFill>
                   <a:schemeClr val="accent6">
                     <a:lumMod val="60000"/>
@@ -6960,22 +6868,7 @@
               </a:rPr>
               <a:t>            reditus ::n; </a:t>
             </a:r>
-          </a:p>
-          <a:p>
-            <a:r>
-              <a:rPr lang="pt-BR" sz="1400">
-                <a:solidFill>
-                  <a:schemeClr val="accent6">
-                    <a:lumMod val="60000"/>
-                    <a:lumOff val="40000"/>
-                  </a:schemeClr>
-                </a:solidFill>
-                <a:ea typeface="+mn-lt"/>
-                <a:cs typeface="+mn-lt"/>
-              </a:rPr>
-              <a:t>        }</a:t>
-            </a:r>
-            <a:endParaRPr lang="pt-BR" sz="1400">
+            <a:endParaRPr lang="pt-BR">
               <a:solidFill>
                 <a:schemeClr val="accent6">
                   <a:lumMod val="60000"/>
@@ -6987,7 +6880,7 @@
           </a:p>
           <a:p>
             <a:r>
-              <a:rPr lang="pt-BR" sz="1400">
+              <a:rPr lang="pt-BR">
                 <a:solidFill>
                   <a:schemeClr val="accent6">
                     <a:lumMod val="60000"/>
@@ -6997,9 +6890,9 @@
                 <a:ea typeface="+mn-lt"/>
                 <a:cs typeface="+mn-lt"/>
               </a:rPr>
-              <a:t>        alium</a:t>
-            </a:r>
-            <a:endParaRPr lang="pt-BR" sz="1400">
+              <a:t>        }</a:t>
+            </a:r>
+            <a:endParaRPr lang="pt-BR">
               <a:solidFill>
                 <a:schemeClr val="accent6">
                   <a:lumMod val="60000"/>
@@ -7011,7 +6904,7 @@
           </a:p>
           <a:p>
             <a:r>
-              <a:rPr lang="pt-BR" sz="1400">
+              <a:rPr lang="pt-BR">
                 <a:solidFill>
                   <a:schemeClr val="accent6">
                     <a:lumMod val="60000"/>
@@ -7021,9 +6914,9 @@
                 <a:ea typeface="+mn-lt"/>
                 <a:cs typeface="+mn-lt"/>
               </a:rPr>
-              <a:t>        {</a:t>
-            </a:r>
-            <a:endParaRPr lang="pt-BR" sz="1400">
+              <a:t>        alium</a:t>
+            </a:r>
+            <a:endParaRPr lang="pt-BR">
               <a:solidFill>
                 <a:schemeClr val="accent6">
                   <a:lumMod val="60000"/>
@@ -7035,7 +6928,7 @@
           </a:p>
           <a:p>
             <a:r>
-              <a:rPr lang="pt-BR" sz="1400">
+              <a:rPr lang="pt-BR">
                 <a:solidFill>
                   <a:schemeClr val="accent6">
                     <a:lumMod val="60000"/>
@@ -7045,9 +6938,9 @@
                 <a:ea typeface="+mn-lt"/>
                 <a:cs typeface="+mn-lt"/>
               </a:rPr>
-              <a:t>            reditus fibonacci(::n-1)+fibonacci(::n-2);</a:t>
-            </a:r>
-            <a:endParaRPr lang="pt-BR" sz="1400">
+              <a:t>        {</a:t>
+            </a:r>
+            <a:endParaRPr lang="pt-BR">
               <a:solidFill>
                 <a:schemeClr val="accent6">
                   <a:lumMod val="60000"/>
@@ -7059,7 +6952,7 @@
           </a:p>
           <a:p>
             <a:r>
-              <a:rPr lang="pt-BR" sz="1400">
+              <a:rPr lang="pt-BR">
                 <a:solidFill>
                   <a:schemeClr val="accent6">
                     <a:lumMod val="60000"/>
@@ -7069,9 +6962,9 @@
                 <a:ea typeface="+mn-lt"/>
                 <a:cs typeface="+mn-lt"/>
               </a:rPr>
-              <a:t>        }</a:t>
-            </a:r>
-            <a:endParaRPr lang="pt-BR" sz="1400">
+              <a:t>            reditus fibonacci(::n-1)+fibonacci(::n-2);</a:t>
+            </a:r>
+            <a:endParaRPr lang="pt-BR">
               <a:solidFill>
                 <a:schemeClr val="accent6">
                   <a:lumMod val="60000"/>
@@ -7083,7 +6976,7 @@
           </a:p>
           <a:p>
             <a:r>
-              <a:rPr lang="pt-BR" sz="1400">
+              <a:rPr lang="pt-BR">
                 <a:solidFill>
                   <a:schemeClr val="accent6">
                     <a:lumMod val="60000"/>
@@ -7093,9 +6986,9 @@
                 <a:ea typeface="+mn-lt"/>
                 <a:cs typeface="+mn-lt"/>
               </a:rPr>
-              <a:t>    }</a:t>
-            </a:r>
-            <a:endParaRPr lang="pt-BR" sz="1400">
+              <a:t>        }</a:t>
+            </a:r>
+            <a:endParaRPr lang="pt-BR">
               <a:solidFill>
                 <a:schemeClr val="accent6">
                   <a:lumMod val="60000"/>
@@ -7107,7 +7000,7 @@
           </a:p>
           <a:p>
             <a:r>
-              <a:rPr lang="pt-BR" sz="1400">
+              <a:rPr lang="pt-BR">
                 <a:solidFill>
                   <a:schemeClr val="accent6">
                     <a:lumMod val="60000"/>
@@ -7117,9 +7010,9 @@
                 <a:ea typeface="+mn-lt"/>
                 <a:cs typeface="+mn-lt"/>
               </a:rPr>
-              <a:t>    ::v = initus();</a:t>
-            </a:r>
-            <a:endParaRPr lang="pt-BR" sz="1400">
+              <a:t>    }</a:t>
+            </a:r>
+            <a:endParaRPr lang="pt-BR">
               <a:solidFill>
                 <a:schemeClr val="accent6">
                   <a:lumMod val="60000"/>
@@ -7131,7 +7024,7 @@
           </a:p>
           <a:p>
             <a:r>
-              <a:rPr lang="pt-BR" sz="1400">
+              <a:rPr lang="pt-BR">
                 <a:solidFill>
                   <a:schemeClr val="accent6">
                     <a:lumMod val="60000"/>
@@ -7141,9 +7034,9 @@
                 <a:ea typeface="+mn-lt"/>
                 <a:cs typeface="+mn-lt"/>
               </a:rPr>
-              <a:t>    ::v2 = 0;</a:t>
-            </a:r>
-            <a:endParaRPr lang="pt-BR" sz="1400">
+              <a:t>    ::v = initus();</a:t>
+            </a:r>
+            <a:endParaRPr lang="pt-BR">
               <a:solidFill>
                 <a:schemeClr val="accent6">
                   <a:lumMod val="60000"/>
@@ -7155,7 +7048,7 @@
           </a:p>
           <a:p>
             <a:r>
-              <a:rPr lang="pt-BR" sz="1400">
+              <a:rPr lang="pt-BR">
                 <a:solidFill>
                   <a:schemeClr val="accent6">
                     <a:lumMod val="60000"/>
@@ -7165,9 +7058,9 @@
                 <a:ea typeface="+mn-lt"/>
                 <a:cs typeface="+mn-lt"/>
               </a:rPr>
-              <a:t>    facite </a:t>
-            </a:r>
-            <a:endParaRPr lang="pt-BR" sz="1400">
+              <a:t>    ostende fibonacci(::v); /* printa o valor de posição ::v na sequencia de fibonacci */</a:t>
+            </a:r>
+            <a:endParaRPr lang="pt-BR">
               <a:solidFill>
                 <a:schemeClr val="accent6">
                   <a:lumMod val="60000"/>
@@ -7178,8 +7071,9 @@
             </a:endParaRPr>
           </a:p>
           <a:p>
-            <a:r>
-              <a:rPr lang="pt-BR" sz="1400">
+            <a:pPr algn="l"/>
+            <a:r>
+              <a:rPr lang="pt-BR">
                 <a:solidFill>
                   <a:schemeClr val="accent6">
                     <a:lumMod val="60000"/>
@@ -7189,358 +7083,15 @@
                 <a:ea typeface="+mn-lt"/>
                 <a:cs typeface="+mn-lt"/>
               </a:rPr>
-              <a:t>    {</a:t>
-            </a:r>
-            <a:endParaRPr lang="pt-BR" sz="1400">
+              <a:t>?prope</a:t>
+            </a:r>
+            <a:endParaRPr lang="pt-BR">
               <a:solidFill>
                 <a:schemeClr val="accent6">
                   <a:lumMod val="60000"/>
                   <a:lumOff val="40000"/>
                 </a:schemeClr>
               </a:solidFill>
-              <a:cs typeface="Calibri"/>
-            </a:endParaRPr>
-          </a:p>
-          <a:p>
-            <a:r>
-              <a:rPr lang="pt-BR" sz="1400">
-                <a:solidFill>
-                  <a:schemeClr val="accent6">
-                    <a:lumMod val="60000"/>
-                    <a:lumOff val="40000"/>
-                  </a:schemeClr>
-                </a:solidFill>
-                <a:ea typeface="+mn-lt"/>
-                <a:cs typeface="+mn-lt"/>
-              </a:rPr>
-              <a:t>        ostende "Valor ".::v2." na sequencia de fibonacci: ".fibonacci(::v2);</a:t>
-            </a:r>
-            <a:endParaRPr lang="pt-BR" sz="1400">
-              <a:solidFill>
-                <a:schemeClr val="accent6">
-                  <a:lumMod val="60000"/>
-                  <a:lumOff val="40000"/>
-                </a:schemeClr>
-              </a:solidFill>
-              <a:cs typeface="Calibri"/>
-            </a:endParaRPr>
-          </a:p>
-          <a:p>
-            <a:r>
-              <a:rPr lang="pt-BR" sz="1400">
-                <a:solidFill>
-                  <a:schemeClr val="accent6">
-                    <a:lumMod val="60000"/>
-                    <a:lumOff val="40000"/>
-                  </a:schemeClr>
-                </a:solidFill>
-                <a:ea typeface="+mn-lt"/>
-                <a:cs typeface="+mn-lt"/>
-              </a:rPr>
-              <a:t>        ::v2 = ::v2 + 1;</a:t>
-            </a:r>
-            <a:endParaRPr lang="pt-BR" sz="1400">
-              <a:solidFill>
-                <a:schemeClr val="accent6">
-                  <a:lumMod val="60000"/>
-                  <a:lumOff val="40000"/>
-                </a:schemeClr>
-              </a:solidFill>
-              <a:cs typeface="Calibri"/>
-            </a:endParaRPr>
-          </a:p>
-          <a:p>
-            <a:r>
-              <a:rPr lang="pt-BR" sz="1400">
-                <a:solidFill>
-                  <a:schemeClr val="accent6">
-                    <a:lumMod val="60000"/>
-                    <a:lumOff val="40000"/>
-                  </a:schemeClr>
-                </a:solidFill>
-                <a:ea typeface="+mn-lt"/>
-                <a:cs typeface="+mn-lt"/>
-              </a:rPr>
-              <a:t>    }dum (::v2&lt;::v+1);</a:t>
-            </a:r>
-            <a:endParaRPr lang="pt-BR" sz="1400">
-              <a:solidFill>
-                <a:schemeClr val="accent6">
-                  <a:lumMod val="60000"/>
-                  <a:lumOff val="40000"/>
-                </a:schemeClr>
-              </a:solidFill>
-              <a:cs typeface="Calibri"/>
-            </a:endParaRPr>
-          </a:p>
-          <a:p>
-            <a:pPr algn="l"/>
-            <a:r>
-              <a:rPr lang="pt-BR" sz="1400">
-                <a:solidFill>
-                  <a:schemeClr val="accent6">
-                    <a:lumMod val="60000"/>
-                    <a:lumOff val="40000"/>
-                  </a:schemeClr>
-                </a:solidFill>
-                <a:ea typeface="+mn-lt"/>
-                <a:cs typeface="+mn-lt"/>
-              </a:rPr>
-              <a:t>?prope</a:t>
-            </a:r>
-            <a:endParaRPr lang="pt-BR" sz="1400">
-              <a:solidFill>
-                <a:schemeClr val="accent6">
-                  <a:lumMod val="60000"/>
-                  <a:lumOff val="40000"/>
-                </a:schemeClr>
-              </a:solidFill>
-            </a:endParaRPr>
-          </a:p>
-        </p:txBody>
-      </p:sp>
-      <p:sp>
-        <p:nvSpPr>
-          <p:cNvPr id="7" name="CaixaDeTexto 6">
-            <a:extLst>
-              <a:ext uri="{FF2B5EF4-FFF2-40B4-BE49-F238E27FC236}">
-                <a16:creationId xmlns:a16="http://schemas.microsoft.com/office/drawing/2014/main" id="{B27377E2-D982-4881-8739-47DC7A4350EE}"/>
-              </a:ext>
-            </a:extLst>
-          </p:cNvPr>
-          <p:cNvSpPr txBox="1"/>
-          <p:nvPr/>
-        </p:nvSpPr>
-        <p:spPr>
-          <a:xfrm>
-            <a:off x="6100174" y="1622353"/>
-            <a:ext cx="5208996" cy="3970318"/>
-          </a:xfrm>
-          <a:prstGeom prst="rect">
-            <a:avLst/>
-          </a:prstGeom>
-          <a:noFill/>
-        </p:spPr>
-        <p:txBody>
-          <a:bodyPr rot="0" spcFirstLastPara="0" vertOverflow="overflow" horzOverflow="overflow" vert="horz" wrap="square" lIns="91440" tIns="45720" rIns="91440" bIns="45720" numCol="1" spcCol="0" rtlCol="0" fromWordArt="0" anchor="t" anchorCtr="0" forceAA="0" compatLnSpc="1">
-            <a:prstTxWarp prst="textNoShape">
-              <a:avLst/>
-            </a:prstTxWarp>
-            <a:spAutoFit/>
-          </a:bodyPr>
-          <a:lstStyle/>
-          <a:p>
-            <a:r>
-              <a:rPr lang="pt-BR"/>
-              <a:t>Saida do terminal para entrada 10:</a:t>
-            </a:r>
-          </a:p>
-          <a:p>
-            <a:endParaRPr lang="pt-BR" dirty="0">
-              <a:cs typeface="Calibri"/>
-            </a:endParaRPr>
-          </a:p>
-          <a:p>
-            <a:r>
-              <a:rPr lang="pt-BR">
-                <a:solidFill>
-                  <a:srgbClr val="7030A0"/>
-                </a:solidFill>
-                <a:ea typeface="+mn-lt"/>
-                <a:cs typeface="+mn-lt"/>
-              </a:rPr>
-              <a:t>Valor 0 na sequencia de fibonacci: 0</a:t>
-            </a:r>
-            <a:endParaRPr lang="pt-BR">
-              <a:solidFill>
-                <a:srgbClr val="7030A0"/>
-              </a:solidFill>
-              <a:cs typeface="Calibri"/>
-            </a:endParaRPr>
-          </a:p>
-          <a:p>
-            <a:r>
-              <a:rPr lang="pt-BR">
-                <a:solidFill>
-                  <a:srgbClr val="7030A0"/>
-                </a:solidFill>
-                <a:ea typeface="+mn-lt"/>
-                <a:cs typeface="+mn-lt"/>
-              </a:rPr>
-              <a:t>Valor 1 na sequencia de fibonacci: 1</a:t>
-            </a:r>
-            <a:endParaRPr lang="pt-BR">
-              <a:solidFill>
-                <a:srgbClr val="7030A0"/>
-              </a:solidFill>
-              <a:cs typeface="Calibri"/>
-            </a:endParaRPr>
-          </a:p>
-          <a:p>
-            <a:r>
-              <a:rPr lang="pt-BR">
-                <a:solidFill>
-                  <a:srgbClr val="7030A0"/>
-                </a:solidFill>
-                <a:ea typeface="+mn-lt"/>
-                <a:cs typeface="+mn-lt"/>
-              </a:rPr>
-              <a:t>Valor 2 na sequencia de fibonacci: 1</a:t>
-            </a:r>
-            <a:endParaRPr lang="pt-BR">
-              <a:solidFill>
-                <a:srgbClr val="7030A0"/>
-              </a:solidFill>
-              <a:cs typeface="Calibri"/>
-            </a:endParaRPr>
-          </a:p>
-          <a:p>
-            <a:r>
-              <a:rPr lang="pt-BR">
-                <a:solidFill>
-                  <a:srgbClr val="7030A0"/>
-                </a:solidFill>
-                <a:ea typeface="+mn-lt"/>
-                <a:cs typeface="+mn-lt"/>
-              </a:rPr>
-              <a:t>Valor 3 na sequencia de fibonacci: 2</a:t>
-            </a:r>
-            <a:endParaRPr lang="pt-BR">
-              <a:solidFill>
-                <a:srgbClr val="7030A0"/>
-              </a:solidFill>
-              <a:cs typeface="Calibri"/>
-            </a:endParaRPr>
-          </a:p>
-          <a:p>
-            <a:r>
-              <a:rPr lang="pt-BR">
-                <a:solidFill>
-                  <a:srgbClr val="7030A0"/>
-                </a:solidFill>
-                <a:ea typeface="+mn-lt"/>
-                <a:cs typeface="+mn-lt"/>
-              </a:rPr>
-              <a:t>Valor 4 na sequencia de fibonacci: 3</a:t>
-            </a:r>
-            <a:endParaRPr lang="pt-BR">
-              <a:solidFill>
-                <a:srgbClr val="7030A0"/>
-              </a:solidFill>
-              <a:cs typeface="Calibri"/>
-            </a:endParaRPr>
-          </a:p>
-          <a:p>
-            <a:r>
-              <a:rPr lang="pt-BR">
-                <a:solidFill>
-                  <a:srgbClr val="7030A0"/>
-                </a:solidFill>
-                <a:ea typeface="+mn-lt"/>
-                <a:cs typeface="+mn-lt"/>
-              </a:rPr>
-              <a:t>Valor 5 na sequencia de fibonacci: 5</a:t>
-            </a:r>
-            <a:endParaRPr lang="pt-BR">
-              <a:solidFill>
-                <a:srgbClr val="7030A0"/>
-              </a:solidFill>
-              <a:cs typeface="Calibri"/>
-            </a:endParaRPr>
-          </a:p>
-          <a:p>
-            <a:r>
-              <a:rPr lang="pt-BR">
-                <a:solidFill>
-                  <a:srgbClr val="7030A0"/>
-                </a:solidFill>
-                <a:ea typeface="+mn-lt"/>
-                <a:cs typeface="+mn-lt"/>
-              </a:rPr>
-              <a:t>Valor 6 na sequencia de fibonacci: 8</a:t>
-            </a:r>
-            <a:endParaRPr lang="pt-BR">
-              <a:solidFill>
-                <a:srgbClr val="7030A0"/>
-              </a:solidFill>
-              <a:cs typeface="Calibri"/>
-            </a:endParaRPr>
-          </a:p>
-          <a:p>
-            <a:r>
-              <a:rPr lang="pt-BR">
-                <a:solidFill>
-                  <a:srgbClr val="7030A0"/>
-                </a:solidFill>
-                <a:ea typeface="+mn-lt"/>
-                <a:cs typeface="+mn-lt"/>
-              </a:rPr>
-              <a:t>Valor 7 na sequencia de fibonacci: 13</a:t>
-            </a:r>
-            <a:endParaRPr lang="pt-BR">
-              <a:solidFill>
-                <a:srgbClr val="7030A0"/>
-              </a:solidFill>
-              <a:cs typeface="Calibri"/>
-            </a:endParaRPr>
-          </a:p>
-          <a:p>
-            <a:r>
-              <a:rPr lang="pt-BR">
-                <a:solidFill>
-                  <a:srgbClr val="7030A0"/>
-                </a:solidFill>
-                <a:ea typeface="+mn-lt"/>
-                <a:cs typeface="+mn-lt"/>
-              </a:rPr>
-              <a:t>Valor 8 na sequencia de fibonacci: 21</a:t>
-            </a:r>
-            <a:endParaRPr lang="pt-BR">
-              <a:solidFill>
-                <a:srgbClr val="7030A0"/>
-              </a:solidFill>
-              <a:cs typeface="Calibri"/>
-            </a:endParaRPr>
-          </a:p>
-          <a:p>
-            <a:r>
-              <a:rPr lang="pt-BR">
-                <a:solidFill>
-                  <a:srgbClr val="7030A0"/>
-                </a:solidFill>
-                <a:ea typeface="+mn-lt"/>
-                <a:cs typeface="+mn-lt"/>
-              </a:rPr>
-              <a:t>Valor 9 na sequencia de fibonacci: 34</a:t>
-            </a:r>
-            <a:endParaRPr lang="pt-BR">
-              <a:solidFill>
-                <a:srgbClr val="7030A0"/>
-              </a:solidFill>
-              <a:cs typeface="Calibri"/>
-            </a:endParaRPr>
-          </a:p>
-          <a:p>
-            <a:r>
-              <a:rPr lang="pt-BR">
-                <a:solidFill>
-                  <a:srgbClr val="7030A0"/>
-                </a:solidFill>
-                <a:ea typeface="+mn-lt"/>
-                <a:cs typeface="+mn-lt"/>
-              </a:rPr>
-              <a:t>Valor 10 na sequencia de fibonacci: 55</a:t>
-            </a:r>
-            <a:endParaRPr lang="pt-BR">
-              <a:solidFill>
-                <a:srgbClr val="7030A0"/>
-              </a:solidFill>
-              <a:cs typeface="Calibri"/>
-            </a:endParaRPr>
-          </a:p>
-          <a:p>
-            <a:endParaRPr lang="pt-BR" dirty="0">
-              <a:cs typeface="Calibri"/>
             </a:endParaRPr>
           </a:p>
         </p:txBody>
@@ -7548,7 +7099,7 @@
     </p:spTree>
     <p:extLst>
       <p:ext uri="{BB962C8B-B14F-4D97-AF65-F5344CB8AC3E}">
-        <p14:creationId xmlns:p14="http://schemas.microsoft.com/office/powerpoint/2010/main" val="227691336"/>
+        <p14:creationId xmlns:p14="http://schemas.microsoft.com/office/powerpoint/2010/main" val="2853848065"/>
       </p:ext>
     </p:extLst>
   </p:cSld>
@@ -7580,7 +7131,7 @@
           <p:cNvPr id="2" name="Título 1">
             <a:extLst>
               <a:ext uri="{FF2B5EF4-FFF2-40B4-BE49-F238E27FC236}">
-                <a16:creationId xmlns:a16="http://schemas.microsoft.com/office/drawing/2014/main" id="{1A0EE971-EFB1-4FCA-A405-82374A1BB1C7}"/>
+                <a16:creationId xmlns:a16="http://schemas.microsoft.com/office/drawing/2014/main" id="{E2AA5C86-54BE-44DA-9AC6-B87324D3B128}"/>
               </a:ext>
             </a:extLst>
           </p:cNvPr>
@@ -7600,7 +7151,7 @@
               <a:rPr lang="pt-BR">
                 <a:cs typeface="Calibri Light"/>
               </a:rPr>
-              <a:t>Ajuste de espaçamento para mostrar strings</a:t>
+              <a:t>Exemplos de uso  - Fibonacci com strings</a:t>
             </a:r>
             <a:endParaRPr lang="pt-BR"/>
           </a:p>
@@ -7608,10 +7159,10 @@
       </p:sp>
       <p:sp>
         <p:nvSpPr>
-          <p:cNvPr id="4" name="CaixaDeTexto 3">
+          <p:cNvPr id="6" name="CaixaDeTexto 5">
             <a:extLst>
               <a:ext uri="{FF2B5EF4-FFF2-40B4-BE49-F238E27FC236}">
-                <a16:creationId xmlns:a16="http://schemas.microsoft.com/office/drawing/2014/main" id="{ECFF4DD0-C823-4682-B0AD-63D1DA69F61C}"/>
+                <a16:creationId xmlns:a16="http://schemas.microsoft.com/office/drawing/2014/main" id="{69C964C1-4366-4759-BF4C-90AEE003681C}"/>
               </a:ext>
             </a:extLst>
           </p:cNvPr>
@@ -7620,8 +7171,8 @@
         </p:nvSpPr>
         <p:spPr>
           <a:xfrm>
-            <a:off x="1154130" y="1385298"/>
-            <a:ext cx="4952143" cy="4832092"/>
+            <a:off x="700356" y="1625028"/>
+            <a:ext cx="5397356" cy="4401205"/>
           </a:xfrm>
           <a:prstGeom prst="rect">
             <a:avLst/>
@@ -7656,20 +7207,20 @@
               <a:rPr lang="pt-BR" sz="1400">
                 <a:solidFill>
                   <a:schemeClr val="accent6">
-                    <a:lumMod val="40000"/>
-                    <a:lumOff val="60000"/>
-                  </a:schemeClr>
-                </a:solidFill>
-                <a:ea typeface="+mn-lt"/>
-                <a:cs typeface="+mn-lt"/>
-              </a:rPr>
-              <a:t>officium intStr(::deep,::value)</a:t>
+                    <a:lumMod val="60000"/>
+                    <a:lumOff val="40000"/>
+                  </a:schemeClr>
+                </a:solidFill>
+                <a:ea typeface="+mn-lt"/>
+                <a:cs typeface="+mn-lt"/>
+              </a:rPr>
+              <a:t>pelagus?</a:t>
             </a:r>
             <a:endParaRPr lang="pt-BR" sz="1400">
               <a:solidFill>
                 <a:schemeClr val="accent6">
-                  <a:lumMod val="40000"/>
-                  <a:lumOff val="60000"/>
+                  <a:lumMod val="60000"/>
+                  <a:lumOff val="40000"/>
                 </a:schemeClr>
               </a:solidFill>
               <a:cs typeface="Calibri"/>
@@ -7680,8 +7231,32 @@
               <a:rPr lang="pt-BR" sz="1400">
                 <a:solidFill>
                   <a:schemeClr val="accent6">
-                    <a:lumMod val="40000"/>
-                    <a:lumOff val="60000"/>
+                    <a:lumMod val="60000"/>
+                    <a:lumOff val="40000"/>
+                  </a:schemeClr>
+                </a:solidFill>
+                <a:ea typeface="+mn-lt"/>
+                <a:cs typeface="+mn-lt"/>
+              </a:rPr>
+              <a:t>    officium fibonacci(::n)</a:t>
+            </a:r>
+            <a:endParaRPr lang="pt-BR" sz="1400">
+              <a:solidFill>
+                <a:schemeClr val="accent6">
+                  <a:lumMod val="60000"/>
+                  <a:lumOff val="40000"/>
+                </a:schemeClr>
+              </a:solidFill>
+              <a:cs typeface="Calibri"/>
+            </a:endParaRPr>
+          </a:p>
+          <a:p>
+            <a:r>
+              <a:rPr lang="pt-BR" sz="1400">
+                <a:solidFill>
+                  <a:schemeClr val="accent6">
+                    <a:lumMod val="60000"/>
+                    <a:lumOff val="40000"/>
                   </a:schemeClr>
                 </a:solidFill>
                 <a:ea typeface="+mn-lt"/>
@@ -7692,8 +7267,8 @@
             <a:endParaRPr lang="pt-BR" sz="1400">
               <a:solidFill>
                 <a:schemeClr val="accent6">
-                  <a:lumMod val="40000"/>
-                  <a:lumOff val="60000"/>
+                  <a:lumMod val="60000"/>
+                  <a:lumOff val="40000"/>
                 </a:schemeClr>
               </a:solidFill>
               <a:cs typeface="Calibri"/>
@@ -7704,20 +7279,20 @@
               <a:rPr lang="pt-BR" sz="1400">
                 <a:solidFill>
                   <a:schemeClr val="accent6">
-                    <a:lumMod val="40000"/>
-                    <a:lumOff val="60000"/>
-                  </a:schemeClr>
-                </a:solidFill>
-                <a:ea typeface="+mn-lt"/>
-                <a:cs typeface="+mn-lt"/>
-              </a:rPr>
-              <a:t>        ::res = " ";</a:t>
+                    <a:lumMod val="60000"/>
+                    <a:lumOff val="40000"/>
+                  </a:schemeClr>
+                </a:solidFill>
+                <a:ea typeface="+mn-lt"/>
+                <a:cs typeface="+mn-lt"/>
+              </a:rPr>
+              <a:t>        si(::n &lt; 2)</a:t>
             </a:r>
             <a:endParaRPr lang="pt-BR" sz="1400">
               <a:solidFill>
                 <a:schemeClr val="accent6">
-                  <a:lumMod val="40000"/>
-                  <a:lumOff val="60000"/>
+                  <a:lumMod val="60000"/>
+                  <a:lumOff val="40000"/>
                 </a:schemeClr>
               </a:solidFill>
               <a:cs typeface="Calibri"/>
@@ -7728,20 +7303,20 @@
               <a:rPr lang="pt-BR" sz="1400">
                 <a:solidFill>
                   <a:schemeClr val="accent6">
-                    <a:lumMod val="40000"/>
-                    <a:lumOff val="60000"/>
-                  </a:schemeClr>
-                </a:solidFill>
-                <a:ea typeface="+mn-lt"/>
-                <a:cs typeface="+mn-lt"/>
-              </a:rPr>
-              <a:t>        ::space = 0;</a:t>
+                    <a:lumMod val="60000"/>
+                    <a:lumOff val="40000"/>
+                  </a:schemeClr>
+                </a:solidFill>
+                <a:ea typeface="+mn-lt"/>
+                <a:cs typeface="+mn-lt"/>
+              </a:rPr>
+              <a:t>        {</a:t>
             </a:r>
             <a:endParaRPr lang="pt-BR" sz="1400">
               <a:solidFill>
                 <a:schemeClr val="accent6">
-                  <a:lumMod val="40000"/>
-                  <a:lumOff val="60000"/>
+                  <a:lumMod val="60000"/>
+                  <a:lumOff val="40000"/>
                 </a:schemeClr>
               </a:solidFill>
               <a:cs typeface="Calibri"/>
@@ -7752,20 +7327,35 @@
               <a:rPr lang="pt-BR" sz="1400">
                 <a:solidFill>
                   <a:schemeClr val="accent6">
-                    <a:lumMod val="40000"/>
-                    <a:lumOff val="60000"/>
-                  </a:schemeClr>
-                </a:solidFill>
-                <a:ea typeface="+mn-lt"/>
-                <a:cs typeface="+mn-lt"/>
-              </a:rPr>
-              <a:t>        dum(  (10^::space)-1 &lt; ::value)</a:t>
+                    <a:lumMod val="60000"/>
+                    <a:lumOff val="40000"/>
+                  </a:schemeClr>
+                </a:solidFill>
+                <a:ea typeface="+mn-lt"/>
+                <a:cs typeface="+mn-lt"/>
+              </a:rPr>
+              <a:t>            reditus ::n; </a:t>
+            </a:r>
+          </a:p>
+          <a:p>
+            <a:r>
+              <a:rPr lang="pt-BR" sz="1400">
+                <a:solidFill>
+                  <a:schemeClr val="accent6">
+                    <a:lumMod val="60000"/>
+                    <a:lumOff val="40000"/>
+                  </a:schemeClr>
+                </a:solidFill>
+                <a:ea typeface="+mn-lt"/>
+                <a:cs typeface="+mn-lt"/>
+              </a:rPr>
+              <a:t>        }</a:t>
             </a:r>
             <a:endParaRPr lang="pt-BR" sz="1400">
               <a:solidFill>
                 <a:schemeClr val="accent6">
-                  <a:lumMod val="40000"/>
-                  <a:lumOff val="60000"/>
+                  <a:lumMod val="60000"/>
+                  <a:lumOff val="40000"/>
                 </a:schemeClr>
               </a:solidFill>
               <a:cs typeface="Calibri"/>
@@ -7776,8 +7366,32 @@
               <a:rPr lang="pt-BR" sz="1400">
                 <a:solidFill>
                   <a:schemeClr val="accent6">
-                    <a:lumMod val="40000"/>
-                    <a:lumOff val="60000"/>
+                    <a:lumMod val="60000"/>
+                    <a:lumOff val="40000"/>
+                  </a:schemeClr>
+                </a:solidFill>
+                <a:ea typeface="+mn-lt"/>
+                <a:cs typeface="+mn-lt"/>
+              </a:rPr>
+              <a:t>        alium</a:t>
+            </a:r>
+            <a:endParaRPr lang="pt-BR" sz="1400">
+              <a:solidFill>
+                <a:schemeClr val="accent6">
+                  <a:lumMod val="60000"/>
+                  <a:lumOff val="40000"/>
+                </a:schemeClr>
+              </a:solidFill>
+              <a:cs typeface="Calibri"/>
+            </a:endParaRPr>
+          </a:p>
+          <a:p>
+            <a:r>
+              <a:rPr lang="pt-BR" sz="1400">
+                <a:solidFill>
+                  <a:schemeClr val="accent6">
+                    <a:lumMod val="60000"/>
+                    <a:lumOff val="40000"/>
                   </a:schemeClr>
                 </a:solidFill>
                 <a:ea typeface="+mn-lt"/>
@@ -7788,8 +7402,8 @@
             <a:endParaRPr lang="pt-BR" sz="1400">
               <a:solidFill>
                 <a:schemeClr val="accent6">
-                  <a:lumMod val="40000"/>
-                  <a:lumOff val="60000"/>
+                  <a:lumMod val="60000"/>
+                  <a:lumOff val="40000"/>
                 </a:schemeClr>
               </a:solidFill>
               <a:cs typeface="Calibri"/>
@@ -7800,20 +7414,20 @@
               <a:rPr lang="pt-BR" sz="1400">
                 <a:solidFill>
                   <a:schemeClr val="accent6">
-                    <a:lumMod val="40000"/>
-                    <a:lumOff val="60000"/>
-                  </a:schemeClr>
-                </a:solidFill>
-                <a:ea typeface="+mn-lt"/>
-                <a:cs typeface="+mn-lt"/>
-              </a:rPr>
-              <a:t>            ::space = ::space +1;</a:t>
+                    <a:lumMod val="60000"/>
+                    <a:lumOff val="40000"/>
+                  </a:schemeClr>
+                </a:solidFill>
+                <a:ea typeface="+mn-lt"/>
+                <a:cs typeface="+mn-lt"/>
+              </a:rPr>
+              <a:t>            reditus fibonacci(::n-1)+fibonacci(::n-2);</a:t>
             </a:r>
             <a:endParaRPr lang="pt-BR" sz="1400">
               <a:solidFill>
                 <a:schemeClr val="accent6">
-                  <a:lumMod val="40000"/>
-                  <a:lumOff val="60000"/>
+                  <a:lumMod val="60000"/>
+                  <a:lumOff val="40000"/>
                 </a:schemeClr>
               </a:solidFill>
               <a:cs typeface="Calibri"/>
@@ -7824,8 +7438,8 @@
               <a:rPr lang="pt-BR" sz="1400">
                 <a:solidFill>
                   <a:schemeClr val="accent6">
-                    <a:lumMod val="40000"/>
-                    <a:lumOff val="60000"/>
+                    <a:lumMod val="60000"/>
+                    <a:lumOff val="40000"/>
                   </a:schemeClr>
                 </a:solidFill>
                 <a:ea typeface="+mn-lt"/>
@@ -7836,8 +7450,8 @@
             <a:endParaRPr lang="pt-BR" sz="1400">
               <a:solidFill>
                 <a:schemeClr val="accent6">
-                  <a:lumMod val="40000"/>
-                  <a:lumOff val="60000"/>
+                  <a:lumMod val="60000"/>
+                  <a:lumOff val="40000"/>
                 </a:schemeClr>
               </a:solidFill>
               <a:cs typeface="Calibri"/>
@@ -7848,20 +7462,20 @@
               <a:rPr lang="pt-BR" sz="1400">
                 <a:solidFill>
                   <a:schemeClr val="accent6">
-                    <a:lumMod val="40000"/>
-                    <a:lumOff val="60000"/>
-                  </a:schemeClr>
-                </a:solidFill>
-                <a:ea typeface="+mn-lt"/>
-                <a:cs typeface="+mn-lt"/>
-              </a:rPr>
-              <a:t>        si ((::deep-::space)&lt;1)</a:t>
+                    <a:lumMod val="60000"/>
+                    <a:lumOff val="40000"/>
+                  </a:schemeClr>
+                </a:solidFill>
+                <a:ea typeface="+mn-lt"/>
+                <a:cs typeface="+mn-lt"/>
+              </a:rPr>
+              <a:t>    }</a:t>
             </a:r>
             <a:endParaRPr lang="pt-BR" sz="1400">
               <a:solidFill>
                 <a:schemeClr val="accent6">
-                  <a:lumMod val="40000"/>
-                  <a:lumOff val="60000"/>
+                  <a:lumMod val="60000"/>
+                  <a:lumOff val="40000"/>
                 </a:schemeClr>
               </a:solidFill>
               <a:cs typeface="Calibri"/>
@@ -7872,20 +7486,20 @@
               <a:rPr lang="pt-BR" sz="1400">
                 <a:solidFill>
                   <a:schemeClr val="accent6">
-                    <a:lumMod val="40000"/>
-                    <a:lumOff val="60000"/>
-                  </a:schemeClr>
-                </a:solidFill>
-                <a:ea typeface="+mn-lt"/>
-                <a:cs typeface="+mn-lt"/>
-              </a:rPr>
-              <a:t>        {</a:t>
+                    <a:lumMod val="60000"/>
+                    <a:lumOff val="40000"/>
+                  </a:schemeClr>
+                </a:solidFill>
+                <a:ea typeface="+mn-lt"/>
+                <a:cs typeface="+mn-lt"/>
+              </a:rPr>
+              <a:t>    ::v = initus();</a:t>
             </a:r>
             <a:endParaRPr lang="pt-BR" sz="1400">
               <a:solidFill>
                 <a:schemeClr val="accent6">
-                  <a:lumMod val="40000"/>
-                  <a:lumOff val="60000"/>
+                  <a:lumMod val="60000"/>
+                  <a:lumOff val="40000"/>
                 </a:schemeClr>
               </a:solidFill>
               <a:cs typeface="Calibri"/>
@@ -7896,20 +7510,20 @@
               <a:rPr lang="pt-BR" sz="1400">
                 <a:solidFill>
                   <a:schemeClr val="accent6">
-                    <a:lumMod val="40000"/>
-                    <a:lumOff val="60000"/>
-                  </a:schemeClr>
-                </a:solidFill>
-                <a:ea typeface="+mn-lt"/>
-                <a:cs typeface="+mn-lt"/>
-              </a:rPr>
-              <a:t>            reditus ::value;</a:t>
+                    <a:lumMod val="60000"/>
+                    <a:lumOff val="40000"/>
+                  </a:schemeClr>
+                </a:solidFill>
+                <a:ea typeface="+mn-lt"/>
+                <a:cs typeface="+mn-lt"/>
+              </a:rPr>
+              <a:t>    ::v2 = 0;</a:t>
             </a:r>
             <a:endParaRPr lang="pt-BR" sz="1400">
               <a:solidFill>
                 <a:schemeClr val="accent6">
-                  <a:lumMod val="40000"/>
-                  <a:lumOff val="60000"/>
+                  <a:lumMod val="60000"/>
+                  <a:lumOff val="40000"/>
                 </a:schemeClr>
               </a:solidFill>
               <a:cs typeface="Calibri"/>
@@ -7920,20 +7534,20 @@
               <a:rPr lang="pt-BR" sz="1400">
                 <a:solidFill>
                   <a:schemeClr val="accent6">
-                    <a:lumMod val="40000"/>
-                    <a:lumOff val="60000"/>
-                  </a:schemeClr>
-                </a:solidFill>
-                <a:ea typeface="+mn-lt"/>
-                <a:cs typeface="+mn-lt"/>
-              </a:rPr>
-              <a:t>        }</a:t>
+                    <a:lumMod val="60000"/>
+                    <a:lumOff val="40000"/>
+                  </a:schemeClr>
+                </a:solidFill>
+                <a:ea typeface="+mn-lt"/>
+                <a:cs typeface="+mn-lt"/>
+              </a:rPr>
+              <a:t>    facite </a:t>
             </a:r>
             <a:endParaRPr lang="pt-BR" sz="1400">
               <a:solidFill>
                 <a:schemeClr val="accent6">
-                  <a:lumMod val="40000"/>
-                  <a:lumOff val="60000"/>
+                  <a:lumMod val="60000"/>
+                  <a:lumOff val="40000"/>
                 </a:schemeClr>
               </a:solidFill>
               <a:cs typeface="Calibri"/>
@@ -7944,20 +7558,20 @@
               <a:rPr lang="pt-BR" sz="1400">
                 <a:solidFill>
                   <a:schemeClr val="accent6">
-                    <a:lumMod val="40000"/>
-                    <a:lumOff val="60000"/>
-                  </a:schemeClr>
-                </a:solidFill>
-                <a:ea typeface="+mn-lt"/>
-                <a:cs typeface="+mn-lt"/>
-              </a:rPr>
-              <a:t>        ::tmp = 0;</a:t>
+                    <a:lumMod val="60000"/>
+                    <a:lumOff val="40000"/>
+                  </a:schemeClr>
+                </a:solidFill>
+                <a:ea typeface="+mn-lt"/>
+                <a:cs typeface="+mn-lt"/>
+              </a:rPr>
+              <a:t>    {</a:t>
             </a:r>
             <a:endParaRPr lang="pt-BR" sz="1400">
               <a:solidFill>
                 <a:schemeClr val="accent6">
-                  <a:lumMod val="40000"/>
-                  <a:lumOff val="60000"/>
+                  <a:lumMod val="60000"/>
+                  <a:lumOff val="40000"/>
                 </a:schemeClr>
               </a:solidFill>
               <a:cs typeface="Calibri"/>
@@ -7968,20 +7582,20 @@
               <a:rPr lang="pt-BR" sz="1400">
                 <a:solidFill>
                   <a:schemeClr val="accent6">
-                    <a:lumMod val="40000"/>
-                    <a:lumOff val="60000"/>
-                  </a:schemeClr>
-                </a:solidFill>
-                <a:ea typeface="+mn-lt"/>
-                <a:cs typeface="+mn-lt"/>
-              </a:rPr>
-              <a:t>        dum(::tmp &lt; (::deep-::space)-1)</a:t>
+                    <a:lumMod val="60000"/>
+                    <a:lumOff val="40000"/>
+                  </a:schemeClr>
+                </a:solidFill>
+                <a:ea typeface="+mn-lt"/>
+                <a:cs typeface="+mn-lt"/>
+              </a:rPr>
+              <a:t>        ostende "Valor ".::v2." na sequencia de fibonacci: ".fibonacci(::v2);</a:t>
             </a:r>
             <a:endParaRPr lang="pt-BR" sz="1400">
               <a:solidFill>
                 <a:schemeClr val="accent6">
-                  <a:lumMod val="40000"/>
-                  <a:lumOff val="60000"/>
+                  <a:lumMod val="60000"/>
+                  <a:lumOff val="40000"/>
                 </a:schemeClr>
               </a:solidFill>
               <a:cs typeface="Calibri"/>
@@ -7992,20 +7606,20 @@
               <a:rPr lang="pt-BR" sz="1400">
                 <a:solidFill>
                   <a:schemeClr val="accent6">
-                    <a:lumMod val="40000"/>
-                    <a:lumOff val="60000"/>
-                  </a:schemeClr>
-                </a:solidFill>
-                <a:ea typeface="+mn-lt"/>
-                <a:cs typeface="+mn-lt"/>
-              </a:rPr>
-              <a:t>        {   </a:t>
+                    <a:lumMod val="60000"/>
+                    <a:lumOff val="40000"/>
+                  </a:schemeClr>
+                </a:solidFill>
+                <a:ea typeface="+mn-lt"/>
+                <a:cs typeface="+mn-lt"/>
+              </a:rPr>
+              <a:t>        ::v2 = ::v2 + 1;</a:t>
             </a:r>
             <a:endParaRPr lang="pt-BR" sz="1400">
               <a:solidFill>
                 <a:schemeClr val="accent6">
-                  <a:lumMod val="40000"/>
-                  <a:lumOff val="60000"/>
+                  <a:lumMod val="60000"/>
+                  <a:lumOff val="40000"/>
                 </a:schemeClr>
               </a:solidFill>
               <a:cs typeface="Calibri"/>
@@ -8016,155 +7630,57 @@
               <a:rPr lang="pt-BR" sz="1400">
                 <a:solidFill>
                   <a:schemeClr val="accent6">
-                    <a:lumMod val="40000"/>
-                    <a:lumOff val="60000"/>
-                  </a:schemeClr>
-                </a:solidFill>
-                <a:ea typeface="+mn-lt"/>
-                <a:cs typeface="+mn-lt"/>
-              </a:rPr>
-              <a:t>            ::res = ::res." ";</a:t>
+                    <a:lumMod val="60000"/>
+                    <a:lumOff val="40000"/>
+                  </a:schemeClr>
+                </a:solidFill>
+                <a:ea typeface="+mn-lt"/>
+                <a:cs typeface="+mn-lt"/>
+              </a:rPr>
+              <a:t>    }dum (::v2&lt;::v+1);</a:t>
             </a:r>
             <a:endParaRPr lang="pt-BR" sz="1400">
               <a:solidFill>
                 <a:schemeClr val="accent6">
-                  <a:lumMod val="40000"/>
-                  <a:lumOff val="60000"/>
+                  <a:lumMod val="60000"/>
+                  <a:lumOff val="40000"/>
                 </a:schemeClr>
               </a:solidFill>
               <a:cs typeface="Calibri"/>
             </a:endParaRPr>
           </a:p>
           <a:p>
+            <a:pPr algn="l"/>
             <a:r>
               <a:rPr lang="pt-BR" sz="1400">
                 <a:solidFill>
                   <a:schemeClr val="accent6">
-                    <a:lumMod val="40000"/>
-                    <a:lumOff val="60000"/>
-                  </a:schemeClr>
-                </a:solidFill>
-                <a:ea typeface="+mn-lt"/>
-                <a:cs typeface="+mn-lt"/>
-              </a:rPr>
-              <a:t>            ::tmp = ::tmp+1;</a:t>
+                    <a:lumMod val="60000"/>
+                    <a:lumOff val="40000"/>
+                  </a:schemeClr>
+                </a:solidFill>
+                <a:ea typeface="+mn-lt"/>
+                <a:cs typeface="+mn-lt"/>
+              </a:rPr>
+              <a:t>?prope</a:t>
             </a:r>
             <a:endParaRPr lang="pt-BR" sz="1400">
               <a:solidFill>
                 <a:schemeClr val="accent6">
-                  <a:lumMod val="40000"/>
-                  <a:lumOff val="60000"/>
+                  <a:lumMod val="60000"/>
+                  <a:lumOff val="40000"/>
                 </a:schemeClr>
               </a:solidFill>
-              <a:cs typeface="Calibri"/>
-            </a:endParaRPr>
-          </a:p>
-          <a:p>
-            <a:r>
-              <a:rPr lang="pt-BR" sz="1400">
-                <a:solidFill>
-                  <a:schemeClr val="accent6">
-                    <a:lumMod val="40000"/>
-                    <a:lumOff val="60000"/>
-                  </a:schemeClr>
-                </a:solidFill>
-                <a:ea typeface="+mn-lt"/>
-                <a:cs typeface="+mn-lt"/>
-              </a:rPr>
-              <a:t>        }</a:t>
-            </a:r>
-            <a:endParaRPr lang="pt-BR" sz="1400">
-              <a:solidFill>
-                <a:schemeClr val="accent6">
-                  <a:lumMod val="40000"/>
-                  <a:lumOff val="60000"/>
-                </a:schemeClr>
-              </a:solidFill>
-              <a:cs typeface="Calibri"/>
-            </a:endParaRPr>
-          </a:p>
-          <a:p>
-            <a:r>
-              <a:rPr lang="pt-BR" sz="1400">
-                <a:solidFill>
-                  <a:schemeClr val="accent6">
-                    <a:lumMod val="40000"/>
-                    <a:lumOff val="60000"/>
-                  </a:schemeClr>
-                </a:solidFill>
-                <a:ea typeface="+mn-lt"/>
-                <a:cs typeface="+mn-lt"/>
-              </a:rPr>
-              <a:t>        ::ret = ::res.::value;</a:t>
-            </a:r>
-            <a:endParaRPr lang="pt-BR" sz="1400">
-              <a:solidFill>
-                <a:schemeClr val="accent6">
-                  <a:lumMod val="40000"/>
-                  <a:lumOff val="60000"/>
-                </a:schemeClr>
-              </a:solidFill>
-              <a:cs typeface="Calibri"/>
-            </a:endParaRPr>
-          </a:p>
-          <a:p>
-            <a:r>
-              <a:rPr lang="pt-BR" sz="1400">
-                <a:solidFill>
-                  <a:schemeClr val="accent6">
-                    <a:lumMod val="40000"/>
-                    <a:lumOff val="60000"/>
-                  </a:schemeClr>
-                </a:solidFill>
-                <a:ea typeface="+mn-lt"/>
-                <a:cs typeface="+mn-lt"/>
-              </a:rPr>
-              <a:t>        reditus ::ret;</a:t>
-            </a:r>
-            <a:endParaRPr lang="pt-BR" sz="1400">
-              <a:solidFill>
-                <a:schemeClr val="accent6">
-                  <a:lumMod val="40000"/>
-                  <a:lumOff val="60000"/>
-                </a:schemeClr>
-              </a:solidFill>
-              <a:cs typeface="Calibri"/>
-            </a:endParaRPr>
-          </a:p>
-          <a:p>
-            <a:r>
-              <a:rPr lang="pt-BR" sz="1400">
-                <a:solidFill>
-                  <a:schemeClr val="accent6">
-                    <a:lumMod val="40000"/>
-                    <a:lumOff val="60000"/>
-                  </a:schemeClr>
-                </a:solidFill>
-                <a:ea typeface="+mn-lt"/>
-                <a:cs typeface="+mn-lt"/>
-              </a:rPr>
-              <a:t>    }</a:t>
-            </a:r>
-          </a:p>
-          <a:p>
-            <a:endParaRPr lang="pt-BR" sz="1400" dirty="0">
-              <a:solidFill>
-                <a:schemeClr val="accent6">
-                  <a:lumMod val="40000"/>
-                  <a:lumOff val="60000"/>
-                </a:schemeClr>
-              </a:solidFill>
-              <a:cs typeface="Calibri"/>
-            </a:endParaRPr>
-          </a:p>
-        </p:txBody>
-      </p:sp>
-      <p:sp>
-        <p:nvSpPr>
-          <p:cNvPr id="5" name="CaixaDeTexto 4">
+            </a:endParaRPr>
+          </a:p>
+        </p:txBody>
+      </p:sp>
+      <p:sp>
+        <p:nvSpPr>
+          <p:cNvPr id="7" name="CaixaDeTexto 6">
             <a:extLst>
               <a:ext uri="{FF2B5EF4-FFF2-40B4-BE49-F238E27FC236}">
-                <a16:creationId xmlns:a16="http://schemas.microsoft.com/office/drawing/2014/main" id="{ADBDD38F-8E1A-4732-8FFB-C58802778779}"/>
+                <a16:creationId xmlns:a16="http://schemas.microsoft.com/office/drawing/2014/main" id="{B27377E2-D982-4881-8739-47DC7A4350EE}"/>
               </a:ext>
             </a:extLst>
           </p:cNvPr>
@@ -8173,8 +7689,8 @@
         </p:nvSpPr>
         <p:spPr>
           <a:xfrm>
-            <a:off x="6262848" y="1536735"/>
-            <a:ext cx="5251805" cy="646331"/>
+            <a:off x="6100174" y="1622353"/>
+            <a:ext cx="5208996" cy="3970318"/>
           </a:xfrm>
           <a:prstGeom prst="rect">
             <a:avLst/>
@@ -8191,391 +7707,216 @@
           <a:lstStyle/>
           <a:p>
             <a:r>
+              <a:rPr lang="pt-BR"/>
+              <a:t>Saida do terminal para entrada 10:</a:t>
+            </a:r>
+          </a:p>
+          <a:p>
+            <a:endParaRPr lang="pt-BR" dirty="0">
+              <a:cs typeface="Calibri"/>
+            </a:endParaRPr>
+          </a:p>
+          <a:p>
+            <a:r>
               <a:rPr lang="pt-BR">
-                <a:cs typeface="Calibri"/>
-              </a:rPr>
-              <a:t>Se usar em conjunto com o fibonacci:</a:t>
-            </a:r>
+                <a:solidFill>
+                  <a:srgbClr val="7030A0"/>
+                </a:solidFill>
+                <a:ea typeface="+mn-lt"/>
+                <a:cs typeface="+mn-lt"/>
+              </a:rPr>
+              <a:t>Valor 0 na sequencia de fibonacci: 0</a:t>
+            </a:r>
+            <a:endParaRPr lang="pt-BR">
+              <a:solidFill>
+                <a:srgbClr val="7030A0"/>
+              </a:solidFill>
+              <a:cs typeface="Calibri"/>
+            </a:endParaRPr>
+          </a:p>
+          <a:p>
+            <a:r>
+              <a:rPr lang="pt-BR">
+                <a:solidFill>
+                  <a:srgbClr val="7030A0"/>
+                </a:solidFill>
+                <a:ea typeface="+mn-lt"/>
+                <a:cs typeface="+mn-lt"/>
+              </a:rPr>
+              <a:t>Valor 1 na sequencia de fibonacci: 1</a:t>
+            </a:r>
+            <a:endParaRPr lang="pt-BR">
+              <a:solidFill>
+                <a:srgbClr val="7030A0"/>
+              </a:solidFill>
+              <a:cs typeface="Calibri"/>
+            </a:endParaRPr>
+          </a:p>
+          <a:p>
+            <a:r>
+              <a:rPr lang="pt-BR">
+                <a:solidFill>
+                  <a:srgbClr val="7030A0"/>
+                </a:solidFill>
+                <a:ea typeface="+mn-lt"/>
+                <a:cs typeface="+mn-lt"/>
+              </a:rPr>
+              <a:t>Valor 2 na sequencia de fibonacci: 1</a:t>
+            </a:r>
+            <a:endParaRPr lang="pt-BR">
+              <a:solidFill>
+                <a:srgbClr val="7030A0"/>
+              </a:solidFill>
+              <a:cs typeface="Calibri"/>
+            </a:endParaRPr>
+          </a:p>
+          <a:p>
+            <a:r>
+              <a:rPr lang="pt-BR">
+                <a:solidFill>
+                  <a:srgbClr val="7030A0"/>
+                </a:solidFill>
+                <a:ea typeface="+mn-lt"/>
+                <a:cs typeface="+mn-lt"/>
+              </a:rPr>
+              <a:t>Valor 3 na sequencia de fibonacci: 2</a:t>
+            </a:r>
+            <a:endParaRPr lang="pt-BR">
+              <a:solidFill>
+                <a:srgbClr val="7030A0"/>
+              </a:solidFill>
+              <a:cs typeface="Calibri"/>
+            </a:endParaRPr>
+          </a:p>
+          <a:p>
+            <a:r>
+              <a:rPr lang="pt-BR">
+                <a:solidFill>
+                  <a:srgbClr val="7030A0"/>
+                </a:solidFill>
+                <a:ea typeface="+mn-lt"/>
+                <a:cs typeface="+mn-lt"/>
+              </a:rPr>
+              <a:t>Valor 4 na sequencia de fibonacci: 3</a:t>
+            </a:r>
+            <a:endParaRPr lang="pt-BR">
+              <a:solidFill>
+                <a:srgbClr val="7030A0"/>
+              </a:solidFill>
+              <a:cs typeface="Calibri"/>
+            </a:endParaRPr>
+          </a:p>
+          <a:p>
+            <a:r>
+              <a:rPr lang="pt-BR">
+                <a:solidFill>
+                  <a:srgbClr val="7030A0"/>
+                </a:solidFill>
+                <a:ea typeface="+mn-lt"/>
+                <a:cs typeface="+mn-lt"/>
+              </a:rPr>
+              <a:t>Valor 5 na sequencia de fibonacci: 5</a:t>
+            </a:r>
+            <a:endParaRPr lang="pt-BR">
+              <a:solidFill>
+                <a:srgbClr val="7030A0"/>
+              </a:solidFill>
+              <a:cs typeface="Calibri"/>
+            </a:endParaRPr>
+          </a:p>
+          <a:p>
+            <a:r>
+              <a:rPr lang="pt-BR">
+                <a:solidFill>
+                  <a:srgbClr val="7030A0"/>
+                </a:solidFill>
+                <a:ea typeface="+mn-lt"/>
+                <a:cs typeface="+mn-lt"/>
+              </a:rPr>
+              <a:t>Valor 6 na sequencia de fibonacci: 8</a:t>
+            </a:r>
+            <a:endParaRPr lang="pt-BR">
+              <a:solidFill>
+                <a:srgbClr val="7030A0"/>
+              </a:solidFill>
+              <a:cs typeface="Calibri"/>
+            </a:endParaRPr>
+          </a:p>
+          <a:p>
+            <a:r>
+              <a:rPr lang="pt-BR">
+                <a:solidFill>
+                  <a:srgbClr val="7030A0"/>
+                </a:solidFill>
+                <a:ea typeface="+mn-lt"/>
+                <a:cs typeface="+mn-lt"/>
+              </a:rPr>
+              <a:t>Valor 7 na sequencia de fibonacci: 13</a:t>
+            </a:r>
+            <a:endParaRPr lang="pt-BR">
+              <a:solidFill>
+                <a:srgbClr val="7030A0"/>
+              </a:solidFill>
+              <a:cs typeface="Calibri"/>
+            </a:endParaRPr>
+          </a:p>
+          <a:p>
+            <a:r>
+              <a:rPr lang="pt-BR">
+                <a:solidFill>
+                  <a:srgbClr val="7030A0"/>
+                </a:solidFill>
+                <a:ea typeface="+mn-lt"/>
+                <a:cs typeface="+mn-lt"/>
+              </a:rPr>
+              <a:t>Valor 8 na sequencia de fibonacci: 21</a:t>
+            </a:r>
+            <a:endParaRPr lang="pt-BR">
+              <a:solidFill>
+                <a:srgbClr val="7030A0"/>
+              </a:solidFill>
+              <a:cs typeface="Calibri"/>
+            </a:endParaRPr>
+          </a:p>
+          <a:p>
+            <a:r>
+              <a:rPr lang="pt-BR">
+                <a:solidFill>
+                  <a:srgbClr val="7030A0"/>
+                </a:solidFill>
+                <a:ea typeface="+mn-lt"/>
+                <a:cs typeface="+mn-lt"/>
+              </a:rPr>
+              <a:t>Valor 9 na sequencia de fibonacci: 34</a:t>
+            </a:r>
+            <a:endParaRPr lang="pt-BR">
+              <a:solidFill>
+                <a:srgbClr val="7030A0"/>
+              </a:solidFill>
+              <a:cs typeface="Calibri"/>
+            </a:endParaRPr>
+          </a:p>
+          <a:p>
+            <a:r>
+              <a:rPr lang="pt-BR">
+                <a:solidFill>
+                  <a:srgbClr val="7030A0"/>
+                </a:solidFill>
+                <a:ea typeface="+mn-lt"/>
+                <a:cs typeface="+mn-lt"/>
+              </a:rPr>
+              <a:t>Valor 10 na sequencia de fibonacci: 55</a:t>
+            </a:r>
+            <a:endParaRPr lang="pt-BR">
+              <a:solidFill>
+                <a:srgbClr val="7030A0"/>
+              </a:solidFill>
+              <a:cs typeface="Calibri"/>
+            </a:endParaRPr>
+          </a:p>
+          <a:p>
             <a:endParaRPr lang="pt-BR" dirty="0">
               <a:cs typeface="Calibri"/>
-            </a:endParaRPr>
-          </a:p>
-          <a:p>
-            <a:endParaRPr lang="pt-BR" dirty="0">
-              <a:cs typeface="Calibri"/>
-            </a:endParaRPr>
-          </a:p>
-        </p:txBody>
-      </p:sp>
-      <p:sp>
-        <p:nvSpPr>
-          <p:cNvPr id="6" name="CaixaDeTexto 5">
-            <a:extLst>
-              <a:ext uri="{FF2B5EF4-FFF2-40B4-BE49-F238E27FC236}">
-                <a16:creationId xmlns:a16="http://schemas.microsoft.com/office/drawing/2014/main" id="{B8E868A0-A778-425B-B54D-4492041CB085}"/>
-              </a:ext>
-            </a:extLst>
-          </p:cNvPr>
-          <p:cNvSpPr txBox="1"/>
-          <p:nvPr/>
-        </p:nvSpPr>
-        <p:spPr>
-          <a:xfrm>
-            <a:off x="6097498" y="2090576"/>
-            <a:ext cx="5919625" cy="1384995"/>
-          </a:xfrm>
-          <a:prstGeom prst="rect">
-            <a:avLst/>
-          </a:prstGeom>
-        </p:spPr>
-        <p:style>
-          <a:lnRef idx="2">
-            <a:schemeClr val="dk1">
-              <a:shade val="50000"/>
-            </a:schemeClr>
-          </a:lnRef>
-          <a:fillRef idx="1">
-            <a:schemeClr val="dk1"/>
-          </a:fillRef>
-          <a:effectRef idx="0">
-            <a:schemeClr val="dk1"/>
-          </a:effectRef>
-          <a:fontRef idx="minor">
-            <a:schemeClr val="lt1"/>
-          </a:fontRef>
-        </p:style>
-        <p:txBody>
-          <a:bodyPr rot="0" spcFirstLastPara="0" vertOverflow="overflow" horzOverflow="overflow" vert="horz" wrap="square" lIns="91440" tIns="45720" rIns="91440" bIns="45720" numCol="1" spcCol="0" rtlCol="0" fromWordArt="0" anchor="t" anchorCtr="0" forceAA="0" compatLnSpc="1">
-            <a:prstTxWarp prst="textNoShape">
-              <a:avLst/>
-            </a:prstTxWarp>
-            <a:spAutoFit/>
-          </a:bodyPr>
-          <a:lstStyle/>
-          <a:p>
-            <a:r>
-              <a:rPr lang="pt-BR" sz="1400">
-                <a:solidFill>
-                  <a:schemeClr val="accent6">
-                    <a:lumMod val="40000"/>
-                    <a:lumOff val="60000"/>
-                  </a:schemeClr>
-                </a:solidFill>
-                <a:ea typeface="+mn-lt"/>
-                <a:cs typeface="+mn-lt"/>
-              </a:rPr>
-              <a:t>    ::b = 0;</a:t>
-            </a:r>
-            <a:endParaRPr lang="pt-BR" sz="1400">
-              <a:solidFill>
-                <a:schemeClr val="accent6">
-                  <a:lumMod val="40000"/>
-                  <a:lumOff val="60000"/>
-                </a:schemeClr>
-              </a:solidFill>
-              <a:cs typeface="Calibri"/>
-            </a:endParaRPr>
-          </a:p>
-          <a:p>
-            <a:r>
-              <a:rPr lang="pt-BR" sz="1400">
-                <a:solidFill>
-                  <a:schemeClr val="accent6">
-                    <a:lumMod val="40000"/>
-                    <a:lumOff val="60000"/>
-                  </a:schemeClr>
-                </a:solidFill>
-                <a:ea typeface="+mn-lt"/>
-                <a:cs typeface="+mn-lt"/>
-              </a:rPr>
-              <a:t>    dum(::b&lt;10)</a:t>
-            </a:r>
-            <a:endParaRPr lang="pt-BR" sz="1400">
-              <a:solidFill>
-                <a:schemeClr val="accent6">
-                  <a:lumMod val="40000"/>
-                  <a:lumOff val="60000"/>
-                </a:schemeClr>
-              </a:solidFill>
-              <a:cs typeface="Calibri"/>
-            </a:endParaRPr>
-          </a:p>
-          <a:p>
-            <a:r>
-              <a:rPr lang="pt-BR" sz="1400">
-                <a:solidFill>
-                  <a:schemeClr val="accent6">
-                    <a:lumMod val="40000"/>
-                    <a:lumOff val="60000"/>
-                  </a:schemeClr>
-                </a:solidFill>
-                <a:ea typeface="+mn-lt"/>
-                <a:cs typeface="+mn-lt"/>
-              </a:rPr>
-              <a:t>    {</a:t>
-            </a:r>
-            <a:endParaRPr lang="pt-BR" sz="1400">
-              <a:solidFill>
-                <a:schemeClr val="accent6">
-                  <a:lumMod val="40000"/>
-                  <a:lumOff val="60000"/>
-                </a:schemeClr>
-              </a:solidFill>
-              <a:cs typeface="Calibri"/>
-            </a:endParaRPr>
-          </a:p>
-          <a:p>
-            <a:r>
-              <a:rPr lang="pt-BR" sz="1400">
-                <a:solidFill>
-                  <a:schemeClr val="accent6">
-                    <a:lumMod val="40000"/>
-                    <a:lumOff val="60000"/>
-                  </a:schemeClr>
-                </a:solidFill>
-                <a:ea typeface="+mn-lt"/>
-                <a:cs typeface="+mn-lt"/>
-              </a:rPr>
-              <a:t>        ::b = ::b + 1;</a:t>
-            </a:r>
-            <a:endParaRPr lang="pt-BR" sz="1400">
-              <a:solidFill>
-                <a:schemeClr val="accent6">
-                  <a:lumMod val="40000"/>
-                  <a:lumOff val="60000"/>
-                </a:schemeClr>
-              </a:solidFill>
-              <a:cs typeface="Calibri"/>
-            </a:endParaRPr>
-          </a:p>
-          <a:p>
-            <a:r>
-              <a:rPr lang="pt-BR" sz="1400">
-                <a:solidFill>
-                  <a:schemeClr val="accent6">
-                    <a:lumMod val="40000"/>
-                    <a:lumOff val="60000"/>
-                  </a:schemeClr>
-                </a:solidFill>
-                <a:ea typeface="+mn-lt"/>
-                <a:cs typeface="+mn-lt"/>
-              </a:rPr>
-              <a:t>        ostende "O valor na posição ".intStr(2,::b)." é: ".intStr(5,fibonacci(::b));</a:t>
-            </a:r>
-            <a:endParaRPr lang="pt-BR" sz="1400">
-              <a:solidFill>
-                <a:schemeClr val="accent6">
-                  <a:lumMod val="40000"/>
-                  <a:lumOff val="60000"/>
-                </a:schemeClr>
-              </a:solidFill>
-              <a:cs typeface="Calibri"/>
-            </a:endParaRPr>
-          </a:p>
-          <a:p>
-            <a:r>
-              <a:rPr lang="pt-BR" sz="1400">
-                <a:solidFill>
-                  <a:schemeClr val="accent6">
-                    <a:lumMod val="40000"/>
-                    <a:lumOff val="60000"/>
-                  </a:schemeClr>
-                </a:solidFill>
-                <a:ea typeface="+mn-lt"/>
-                <a:cs typeface="+mn-lt"/>
-              </a:rPr>
-              <a:t>    }</a:t>
-            </a:r>
-            <a:endParaRPr lang="pt-BR" sz="1400">
-              <a:solidFill>
-                <a:schemeClr val="accent6">
-                  <a:lumMod val="40000"/>
-                  <a:lumOff val="60000"/>
-                </a:schemeClr>
-              </a:solidFill>
-            </a:endParaRPr>
-          </a:p>
-        </p:txBody>
-      </p:sp>
-      <p:sp>
-        <p:nvSpPr>
-          <p:cNvPr id="7" name="CaixaDeTexto 6">
-            <a:extLst>
-              <a:ext uri="{FF2B5EF4-FFF2-40B4-BE49-F238E27FC236}">
-                <a16:creationId xmlns:a16="http://schemas.microsoft.com/office/drawing/2014/main" id="{9E0C1423-D874-4FC4-ABA7-3B961308C802}"/>
-              </a:ext>
-            </a:extLst>
-          </p:cNvPr>
-          <p:cNvSpPr txBox="1"/>
-          <p:nvPr/>
-        </p:nvSpPr>
-        <p:spPr>
-          <a:xfrm>
-            <a:off x="6094823" y="3474912"/>
-            <a:ext cx="5928187" cy="2739211"/>
-          </a:xfrm>
-          <a:prstGeom prst="rect">
-            <a:avLst/>
-          </a:prstGeom>
-        </p:spPr>
-        <p:style>
-          <a:lnRef idx="2">
-            <a:schemeClr val="dk1">
-              <a:shade val="50000"/>
-            </a:schemeClr>
-          </a:lnRef>
-          <a:fillRef idx="1">
-            <a:schemeClr val="dk1"/>
-          </a:fillRef>
-          <a:effectRef idx="0">
-            <a:schemeClr val="dk1"/>
-          </a:effectRef>
-          <a:fontRef idx="minor">
-            <a:schemeClr val="lt1"/>
-          </a:fontRef>
-        </p:style>
-        <p:txBody>
-          <a:bodyPr rot="0" spcFirstLastPara="0" vertOverflow="overflow" horzOverflow="overflow" vert="horz" wrap="square" lIns="91440" tIns="45720" rIns="91440" bIns="45720" numCol="1" spcCol="0" rtlCol="0" fromWordArt="0" anchor="t" anchorCtr="0" forceAA="0" compatLnSpc="1">
-            <a:prstTxWarp prst="textNoShape">
-              <a:avLst/>
-            </a:prstTxWarp>
-            <a:spAutoFit/>
-          </a:bodyPr>
-          <a:lstStyle/>
-          <a:p>
-            <a:pPr algn="l"/>
-            <a:r>
-              <a:rPr lang="pt-BR"/>
-              <a:t>Resultado:</a:t>
-            </a:r>
-          </a:p>
-          <a:p>
-            <a:r>
-              <a:rPr lang="pt-BR" sz="1400">
-                <a:solidFill>
-                  <a:srgbClr val="7030A0"/>
-                </a:solidFill>
-                <a:ea typeface="+mn-lt"/>
-                <a:cs typeface="+mn-lt"/>
-              </a:rPr>
-              <a:t>O valor na posição   1 é:     1</a:t>
-            </a:r>
-          </a:p>
-          <a:p>
-            <a:r>
-              <a:rPr lang="pt-BR" sz="1400">
-                <a:solidFill>
-                  <a:srgbClr val="7030A0"/>
-                </a:solidFill>
-                <a:ea typeface="+mn-lt"/>
-                <a:cs typeface="+mn-lt"/>
-              </a:rPr>
-              <a:t>O valor na posição   2 é:     1</a:t>
-            </a:r>
-          </a:p>
-          <a:p>
-            <a:r>
-              <a:rPr lang="pt-BR" sz="1400">
-                <a:solidFill>
-                  <a:srgbClr val="7030A0"/>
-                </a:solidFill>
-                <a:ea typeface="+mn-lt"/>
-                <a:cs typeface="+mn-lt"/>
-              </a:rPr>
-              <a:t>O valor na posição   3 é:     2</a:t>
-            </a:r>
-          </a:p>
-          <a:p>
-            <a:r>
-              <a:rPr lang="pt-BR" sz="1400">
-                <a:solidFill>
-                  <a:srgbClr val="7030A0"/>
-                </a:solidFill>
-                <a:ea typeface="+mn-lt"/>
-                <a:cs typeface="+mn-lt"/>
-              </a:rPr>
-              <a:t>O valor na posição   4 é:     3</a:t>
-            </a:r>
-          </a:p>
-          <a:p>
-            <a:r>
-              <a:rPr lang="pt-BR" sz="1400">
-                <a:solidFill>
-                  <a:srgbClr val="7030A0"/>
-                </a:solidFill>
-                <a:ea typeface="+mn-lt"/>
-                <a:cs typeface="+mn-lt"/>
-              </a:rPr>
-              <a:t>O valor na posição   5 é:     5</a:t>
-            </a:r>
-          </a:p>
-          <a:p>
-            <a:r>
-              <a:rPr lang="pt-BR" sz="1400">
-                <a:solidFill>
-                  <a:srgbClr val="7030A0"/>
-                </a:solidFill>
-                <a:ea typeface="+mn-lt"/>
-                <a:cs typeface="+mn-lt"/>
-              </a:rPr>
-              <a:t>O valor na posição   6 é:     8</a:t>
-            </a:r>
-          </a:p>
-          <a:p>
-            <a:r>
-              <a:rPr lang="pt-BR" sz="1400">
-                <a:solidFill>
-                  <a:srgbClr val="7030A0"/>
-                </a:solidFill>
-                <a:ea typeface="+mn-lt"/>
-                <a:cs typeface="+mn-lt"/>
-              </a:rPr>
-              <a:t>O valor na posição   7 é:   13</a:t>
-            </a:r>
-          </a:p>
-          <a:p>
-            <a:r>
-              <a:rPr lang="pt-BR" sz="1400">
-                <a:solidFill>
-                  <a:srgbClr val="7030A0"/>
-                </a:solidFill>
-                <a:ea typeface="+mn-lt"/>
-                <a:cs typeface="+mn-lt"/>
-              </a:rPr>
-              <a:t>O valor na posição   8 é:   21</a:t>
-            </a:r>
-          </a:p>
-          <a:p>
-            <a:r>
-              <a:rPr lang="pt-BR" sz="1400">
-                <a:solidFill>
-                  <a:srgbClr val="7030A0"/>
-                </a:solidFill>
-                <a:ea typeface="+mn-lt"/>
-                <a:cs typeface="+mn-lt"/>
-              </a:rPr>
-              <a:t>O valor na posição   9 é:   34</a:t>
-            </a:r>
-          </a:p>
-          <a:p>
-            <a:r>
-              <a:rPr lang="pt-BR" sz="1400">
-                <a:solidFill>
-                  <a:srgbClr val="7030A0"/>
-                </a:solidFill>
-                <a:ea typeface="+mn-lt"/>
-                <a:cs typeface="+mn-lt"/>
-              </a:rPr>
-              <a:t>O valor na posição 10 é:   55</a:t>
-            </a:r>
-          </a:p>
-          <a:p>
-            <a:endParaRPr lang="pt-BR" sz="1400" dirty="0">
-              <a:solidFill>
-                <a:srgbClr val="7030A0"/>
-              </a:solidFill>
-              <a:ea typeface="+mn-lt"/>
-              <a:cs typeface="+mn-lt"/>
             </a:endParaRPr>
           </a:p>
         </p:txBody>
@@ -8583,7 +7924,7 @@
     </p:spTree>
     <p:extLst>
       <p:ext uri="{BB962C8B-B14F-4D97-AF65-F5344CB8AC3E}">
-        <p14:creationId xmlns:p14="http://schemas.microsoft.com/office/powerpoint/2010/main" val="3390320379"/>
+        <p14:creationId xmlns:p14="http://schemas.microsoft.com/office/powerpoint/2010/main" val="227691336"/>
       </p:ext>
     </p:extLst>
   </p:cSld>
@@ -8615,6 +7956,1041 @@
           <p:cNvPr id="2" name="Título 1">
             <a:extLst>
               <a:ext uri="{FF2B5EF4-FFF2-40B4-BE49-F238E27FC236}">
+                <a16:creationId xmlns:a16="http://schemas.microsoft.com/office/drawing/2014/main" id="{1A0EE971-EFB1-4FCA-A405-82374A1BB1C7}"/>
+              </a:ext>
+            </a:extLst>
+          </p:cNvPr>
+          <p:cNvSpPr>
+            <a:spLocks noGrp="1"/>
+          </p:cNvSpPr>
+          <p:nvPr>
+            <p:ph type="title"/>
+          </p:nvPr>
+        </p:nvSpPr>
+        <p:spPr/>
+        <p:txBody>
+          <a:bodyPr/>
+          <a:lstStyle/>
+          <a:p>
+            <a:r>
+              <a:rPr lang="pt-BR">
+                <a:cs typeface="Calibri Light"/>
+              </a:rPr>
+              <a:t>Ajuste de espaçamento para mostrar strings</a:t>
+            </a:r>
+            <a:endParaRPr lang="pt-BR"/>
+          </a:p>
+        </p:txBody>
+      </p:sp>
+      <p:sp>
+        <p:nvSpPr>
+          <p:cNvPr id="4" name="CaixaDeTexto 3">
+            <a:extLst>
+              <a:ext uri="{FF2B5EF4-FFF2-40B4-BE49-F238E27FC236}">
+                <a16:creationId xmlns:a16="http://schemas.microsoft.com/office/drawing/2014/main" id="{ECFF4DD0-C823-4682-B0AD-63D1DA69F61C}"/>
+              </a:ext>
+            </a:extLst>
+          </p:cNvPr>
+          <p:cNvSpPr txBox="1"/>
+          <p:nvPr/>
+        </p:nvSpPr>
+        <p:spPr>
+          <a:xfrm>
+            <a:off x="1154130" y="1385298"/>
+            <a:ext cx="4952143" cy="4832092"/>
+          </a:xfrm>
+          <a:prstGeom prst="rect">
+            <a:avLst/>
+          </a:prstGeom>
+        </p:spPr>
+        <p:style>
+          <a:lnRef idx="2">
+            <a:schemeClr val="dk1">
+              <a:shade val="50000"/>
+            </a:schemeClr>
+          </a:lnRef>
+          <a:fillRef idx="1">
+            <a:schemeClr val="dk1"/>
+          </a:fillRef>
+          <a:effectRef idx="0">
+            <a:schemeClr val="dk1"/>
+          </a:effectRef>
+          <a:fontRef idx="minor">
+            <a:schemeClr val="lt1"/>
+          </a:fontRef>
+        </p:style>
+        <p:txBody>
+          <a:bodyPr rot="0" spcFirstLastPara="0" vertOverflow="overflow" horzOverflow="overflow" vert="horz" wrap="square" lIns="91440" tIns="45720" rIns="91440" bIns="45720" numCol="1" spcCol="0" rtlCol="0" fromWordArt="0" anchor="t" anchorCtr="0" forceAA="0" compatLnSpc="1">
+            <a:prstTxWarp prst="textNoShape">
+              <a:avLst/>
+            </a:prstTxWarp>
+            <a:spAutoFit/>
+          </a:bodyPr>
+          <a:lstStyle/>
+          <a:p>
+            <a:r>
+              <a:rPr lang="pt-BR" sz="1400">
+                <a:solidFill>
+                  <a:schemeClr val="accent6">
+                    <a:lumMod val="40000"/>
+                    <a:lumOff val="60000"/>
+                  </a:schemeClr>
+                </a:solidFill>
+                <a:ea typeface="+mn-lt"/>
+                <a:cs typeface="+mn-lt"/>
+              </a:rPr>
+              <a:t>officium intStr(::deep,::value)</a:t>
+            </a:r>
+            <a:endParaRPr lang="pt-BR" sz="1400">
+              <a:solidFill>
+                <a:schemeClr val="accent6">
+                  <a:lumMod val="40000"/>
+                  <a:lumOff val="60000"/>
+                </a:schemeClr>
+              </a:solidFill>
+              <a:cs typeface="Calibri"/>
+            </a:endParaRPr>
+          </a:p>
+          <a:p>
+            <a:r>
+              <a:rPr lang="pt-BR" sz="1400">
+                <a:solidFill>
+                  <a:schemeClr val="accent6">
+                    <a:lumMod val="40000"/>
+                    <a:lumOff val="60000"/>
+                  </a:schemeClr>
+                </a:solidFill>
+                <a:ea typeface="+mn-lt"/>
+                <a:cs typeface="+mn-lt"/>
+              </a:rPr>
+              <a:t>    {</a:t>
+            </a:r>
+            <a:endParaRPr lang="pt-BR" sz="1400">
+              <a:solidFill>
+                <a:schemeClr val="accent6">
+                  <a:lumMod val="40000"/>
+                  <a:lumOff val="60000"/>
+                </a:schemeClr>
+              </a:solidFill>
+              <a:cs typeface="Calibri"/>
+            </a:endParaRPr>
+          </a:p>
+          <a:p>
+            <a:r>
+              <a:rPr lang="pt-BR" sz="1400">
+                <a:solidFill>
+                  <a:schemeClr val="accent6">
+                    <a:lumMod val="40000"/>
+                    <a:lumOff val="60000"/>
+                  </a:schemeClr>
+                </a:solidFill>
+                <a:ea typeface="+mn-lt"/>
+                <a:cs typeface="+mn-lt"/>
+              </a:rPr>
+              <a:t>        ::res = " ";</a:t>
+            </a:r>
+            <a:endParaRPr lang="pt-BR" sz="1400">
+              <a:solidFill>
+                <a:schemeClr val="accent6">
+                  <a:lumMod val="40000"/>
+                  <a:lumOff val="60000"/>
+                </a:schemeClr>
+              </a:solidFill>
+              <a:cs typeface="Calibri"/>
+            </a:endParaRPr>
+          </a:p>
+          <a:p>
+            <a:r>
+              <a:rPr lang="pt-BR" sz="1400">
+                <a:solidFill>
+                  <a:schemeClr val="accent6">
+                    <a:lumMod val="40000"/>
+                    <a:lumOff val="60000"/>
+                  </a:schemeClr>
+                </a:solidFill>
+                <a:ea typeface="+mn-lt"/>
+                <a:cs typeface="+mn-lt"/>
+              </a:rPr>
+              <a:t>        ::space = 0;</a:t>
+            </a:r>
+            <a:endParaRPr lang="pt-BR" sz="1400">
+              <a:solidFill>
+                <a:schemeClr val="accent6">
+                  <a:lumMod val="40000"/>
+                  <a:lumOff val="60000"/>
+                </a:schemeClr>
+              </a:solidFill>
+              <a:cs typeface="Calibri"/>
+            </a:endParaRPr>
+          </a:p>
+          <a:p>
+            <a:r>
+              <a:rPr lang="pt-BR" sz="1400">
+                <a:solidFill>
+                  <a:schemeClr val="accent6">
+                    <a:lumMod val="40000"/>
+                    <a:lumOff val="60000"/>
+                  </a:schemeClr>
+                </a:solidFill>
+                <a:ea typeface="+mn-lt"/>
+                <a:cs typeface="+mn-lt"/>
+              </a:rPr>
+              <a:t>        dum(  (10^::space)-1 &lt; ::value)</a:t>
+            </a:r>
+            <a:endParaRPr lang="pt-BR" sz="1400">
+              <a:solidFill>
+                <a:schemeClr val="accent6">
+                  <a:lumMod val="40000"/>
+                  <a:lumOff val="60000"/>
+                </a:schemeClr>
+              </a:solidFill>
+              <a:cs typeface="Calibri"/>
+            </a:endParaRPr>
+          </a:p>
+          <a:p>
+            <a:r>
+              <a:rPr lang="pt-BR" sz="1400">
+                <a:solidFill>
+                  <a:schemeClr val="accent6">
+                    <a:lumMod val="40000"/>
+                    <a:lumOff val="60000"/>
+                  </a:schemeClr>
+                </a:solidFill>
+                <a:ea typeface="+mn-lt"/>
+                <a:cs typeface="+mn-lt"/>
+              </a:rPr>
+              <a:t>        {</a:t>
+            </a:r>
+            <a:endParaRPr lang="pt-BR" sz="1400">
+              <a:solidFill>
+                <a:schemeClr val="accent6">
+                  <a:lumMod val="40000"/>
+                  <a:lumOff val="60000"/>
+                </a:schemeClr>
+              </a:solidFill>
+              <a:cs typeface="Calibri"/>
+            </a:endParaRPr>
+          </a:p>
+          <a:p>
+            <a:r>
+              <a:rPr lang="pt-BR" sz="1400">
+                <a:solidFill>
+                  <a:schemeClr val="accent6">
+                    <a:lumMod val="40000"/>
+                    <a:lumOff val="60000"/>
+                  </a:schemeClr>
+                </a:solidFill>
+                <a:ea typeface="+mn-lt"/>
+                <a:cs typeface="+mn-lt"/>
+              </a:rPr>
+              <a:t>            ::space = ::space +1;</a:t>
+            </a:r>
+            <a:endParaRPr lang="pt-BR" sz="1400">
+              <a:solidFill>
+                <a:schemeClr val="accent6">
+                  <a:lumMod val="40000"/>
+                  <a:lumOff val="60000"/>
+                </a:schemeClr>
+              </a:solidFill>
+              <a:cs typeface="Calibri"/>
+            </a:endParaRPr>
+          </a:p>
+          <a:p>
+            <a:r>
+              <a:rPr lang="pt-BR" sz="1400">
+                <a:solidFill>
+                  <a:schemeClr val="accent6">
+                    <a:lumMod val="40000"/>
+                    <a:lumOff val="60000"/>
+                  </a:schemeClr>
+                </a:solidFill>
+                <a:ea typeface="+mn-lt"/>
+                <a:cs typeface="+mn-lt"/>
+              </a:rPr>
+              <a:t>        }</a:t>
+            </a:r>
+            <a:endParaRPr lang="pt-BR" sz="1400">
+              <a:solidFill>
+                <a:schemeClr val="accent6">
+                  <a:lumMod val="40000"/>
+                  <a:lumOff val="60000"/>
+                </a:schemeClr>
+              </a:solidFill>
+              <a:cs typeface="Calibri"/>
+            </a:endParaRPr>
+          </a:p>
+          <a:p>
+            <a:r>
+              <a:rPr lang="pt-BR" sz="1400">
+                <a:solidFill>
+                  <a:schemeClr val="accent6">
+                    <a:lumMod val="40000"/>
+                    <a:lumOff val="60000"/>
+                  </a:schemeClr>
+                </a:solidFill>
+                <a:ea typeface="+mn-lt"/>
+                <a:cs typeface="+mn-lt"/>
+              </a:rPr>
+              <a:t>        si ((::deep-::space)&lt;1)</a:t>
+            </a:r>
+            <a:endParaRPr lang="pt-BR" sz="1400">
+              <a:solidFill>
+                <a:schemeClr val="accent6">
+                  <a:lumMod val="40000"/>
+                  <a:lumOff val="60000"/>
+                </a:schemeClr>
+              </a:solidFill>
+              <a:cs typeface="Calibri"/>
+            </a:endParaRPr>
+          </a:p>
+          <a:p>
+            <a:r>
+              <a:rPr lang="pt-BR" sz="1400">
+                <a:solidFill>
+                  <a:schemeClr val="accent6">
+                    <a:lumMod val="40000"/>
+                    <a:lumOff val="60000"/>
+                  </a:schemeClr>
+                </a:solidFill>
+                <a:ea typeface="+mn-lt"/>
+                <a:cs typeface="+mn-lt"/>
+              </a:rPr>
+              <a:t>        {</a:t>
+            </a:r>
+            <a:endParaRPr lang="pt-BR" sz="1400">
+              <a:solidFill>
+                <a:schemeClr val="accent6">
+                  <a:lumMod val="40000"/>
+                  <a:lumOff val="60000"/>
+                </a:schemeClr>
+              </a:solidFill>
+              <a:cs typeface="Calibri"/>
+            </a:endParaRPr>
+          </a:p>
+          <a:p>
+            <a:r>
+              <a:rPr lang="pt-BR" sz="1400">
+                <a:solidFill>
+                  <a:schemeClr val="accent6">
+                    <a:lumMod val="40000"/>
+                    <a:lumOff val="60000"/>
+                  </a:schemeClr>
+                </a:solidFill>
+                <a:ea typeface="+mn-lt"/>
+                <a:cs typeface="+mn-lt"/>
+              </a:rPr>
+              <a:t>            reditus ::value;</a:t>
+            </a:r>
+            <a:endParaRPr lang="pt-BR" sz="1400">
+              <a:solidFill>
+                <a:schemeClr val="accent6">
+                  <a:lumMod val="40000"/>
+                  <a:lumOff val="60000"/>
+                </a:schemeClr>
+              </a:solidFill>
+              <a:cs typeface="Calibri"/>
+            </a:endParaRPr>
+          </a:p>
+          <a:p>
+            <a:r>
+              <a:rPr lang="pt-BR" sz="1400">
+                <a:solidFill>
+                  <a:schemeClr val="accent6">
+                    <a:lumMod val="40000"/>
+                    <a:lumOff val="60000"/>
+                  </a:schemeClr>
+                </a:solidFill>
+                <a:ea typeface="+mn-lt"/>
+                <a:cs typeface="+mn-lt"/>
+              </a:rPr>
+              <a:t>        }</a:t>
+            </a:r>
+            <a:endParaRPr lang="pt-BR" sz="1400">
+              <a:solidFill>
+                <a:schemeClr val="accent6">
+                  <a:lumMod val="40000"/>
+                  <a:lumOff val="60000"/>
+                </a:schemeClr>
+              </a:solidFill>
+              <a:cs typeface="Calibri"/>
+            </a:endParaRPr>
+          </a:p>
+          <a:p>
+            <a:r>
+              <a:rPr lang="pt-BR" sz="1400">
+                <a:solidFill>
+                  <a:schemeClr val="accent6">
+                    <a:lumMod val="40000"/>
+                    <a:lumOff val="60000"/>
+                  </a:schemeClr>
+                </a:solidFill>
+                <a:ea typeface="+mn-lt"/>
+                <a:cs typeface="+mn-lt"/>
+              </a:rPr>
+              <a:t>        ::tmp = 0;</a:t>
+            </a:r>
+            <a:endParaRPr lang="pt-BR" sz="1400">
+              <a:solidFill>
+                <a:schemeClr val="accent6">
+                  <a:lumMod val="40000"/>
+                  <a:lumOff val="60000"/>
+                </a:schemeClr>
+              </a:solidFill>
+              <a:cs typeface="Calibri"/>
+            </a:endParaRPr>
+          </a:p>
+          <a:p>
+            <a:r>
+              <a:rPr lang="pt-BR" sz="1400">
+                <a:solidFill>
+                  <a:schemeClr val="accent6">
+                    <a:lumMod val="40000"/>
+                    <a:lumOff val="60000"/>
+                  </a:schemeClr>
+                </a:solidFill>
+                <a:ea typeface="+mn-lt"/>
+                <a:cs typeface="+mn-lt"/>
+              </a:rPr>
+              <a:t>        dum(::tmp &lt; (::deep-::space)-1)</a:t>
+            </a:r>
+            <a:endParaRPr lang="pt-BR" sz="1400">
+              <a:solidFill>
+                <a:schemeClr val="accent6">
+                  <a:lumMod val="40000"/>
+                  <a:lumOff val="60000"/>
+                </a:schemeClr>
+              </a:solidFill>
+              <a:cs typeface="Calibri"/>
+            </a:endParaRPr>
+          </a:p>
+          <a:p>
+            <a:r>
+              <a:rPr lang="pt-BR" sz="1400">
+                <a:solidFill>
+                  <a:schemeClr val="accent6">
+                    <a:lumMod val="40000"/>
+                    <a:lumOff val="60000"/>
+                  </a:schemeClr>
+                </a:solidFill>
+                <a:ea typeface="+mn-lt"/>
+                <a:cs typeface="+mn-lt"/>
+              </a:rPr>
+              <a:t>        {   </a:t>
+            </a:r>
+            <a:endParaRPr lang="pt-BR" sz="1400">
+              <a:solidFill>
+                <a:schemeClr val="accent6">
+                  <a:lumMod val="40000"/>
+                  <a:lumOff val="60000"/>
+                </a:schemeClr>
+              </a:solidFill>
+              <a:cs typeface="Calibri"/>
+            </a:endParaRPr>
+          </a:p>
+          <a:p>
+            <a:r>
+              <a:rPr lang="pt-BR" sz="1400">
+                <a:solidFill>
+                  <a:schemeClr val="accent6">
+                    <a:lumMod val="40000"/>
+                    <a:lumOff val="60000"/>
+                  </a:schemeClr>
+                </a:solidFill>
+                <a:ea typeface="+mn-lt"/>
+                <a:cs typeface="+mn-lt"/>
+              </a:rPr>
+              <a:t>            ::res = ::res." ";</a:t>
+            </a:r>
+            <a:endParaRPr lang="pt-BR" sz="1400">
+              <a:solidFill>
+                <a:schemeClr val="accent6">
+                  <a:lumMod val="40000"/>
+                  <a:lumOff val="60000"/>
+                </a:schemeClr>
+              </a:solidFill>
+              <a:cs typeface="Calibri"/>
+            </a:endParaRPr>
+          </a:p>
+          <a:p>
+            <a:r>
+              <a:rPr lang="pt-BR" sz="1400">
+                <a:solidFill>
+                  <a:schemeClr val="accent6">
+                    <a:lumMod val="40000"/>
+                    <a:lumOff val="60000"/>
+                  </a:schemeClr>
+                </a:solidFill>
+                <a:ea typeface="+mn-lt"/>
+                <a:cs typeface="+mn-lt"/>
+              </a:rPr>
+              <a:t>            ::tmp = ::tmp+1;</a:t>
+            </a:r>
+            <a:endParaRPr lang="pt-BR" sz="1400">
+              <a:solidFill>
+                <a:schemeClr val="accent6">
+                  <a:lumMod val="40000"/>
+                  <a:lumOff val="60000"/>
+                </a:schemeClr>
+              </a:solidFill>
+              <a:cs typeface="Calibri"/>
+            </a:endParaRPr>
+          </a:p>
+          <a:p>
+            <a:r>
+              <a:rPr lang="pt-BR" sz="1400">
+                <a:solidFill>
+                  <a:schemeClr val="accent6">
+                    <a:lumMod val="40000"/>
+                    <a:lumOff val="60000"/>
+                  </a:schemeClr>
+                </a:solidFill>
+                <a:ea typeface="+mn-lt"/>
+                <a:cs typeface="+mn-lt"/>
+              </a:rPr>
+              <a:t>        }</a:t>
+            </a:r>
+            <a:endParaRPr lang="pt-BR" sz="1400">
+              <a:solidFill>
+                <a:schemeClr val="accent6">
+                  <a:lumMod val="40000"/>
+                  <a:lumOff val="60000"/>
+                </a:schemeClr>
+              </a:solidFill>
+              <a:cs typeface="Calibri"/>
+            </a:endParaRPr>
+          </a:p>
+          <a:p>
+            <a:r>
+              <a:rPr lang="pt-BR" sz="1400">
+                <a:solidFill>
+                  <a:schemeClr val="accent6">
+                    <a:lumMod val="40000"/>
+                    <a:lumOff val="60000"/>
+                  </a:schemeClr>
+                </a:solidFill>
+                <a:ea typeface="+mn-lt"/>
+                <a:cs typeface="+mn-lt"/>
+              </a:rPr>
+              <a:t>        ::ret = ::res.::value;</a:t>
+            </a:r>
+            <a:endParaRPr lang="pt-BR" sz="1400">
+              <a:solidFill>
+                <a:schemeClr val="accent6">
+                  <a:lumMod val="40000"/>
+                  <a:lumOff val="60000"/>
+                </a:schemeClr>
+              </a:solidFill>
+              <a:cs typeface="Calibri"/>
+            </a:endParaRPr>
+          </a:p>
+          <a:p>
+            <a:r>
+              <a:rPr lang="pt-BR" sz="1400">
+                <a:solidFill>
+                  <a:schemeClr val="accent6">
+                    <a:lumMod val="40000"/>
+                    <a:lumOff val="60000"/>
+                  </a:schemeClr>
+                </a:solidFill>
+                <a:ea typeface="+mn-lt"/>
+                <a:cs typeface="+mn-lt"/>
+              </a:rPr>
+              <a:t>        reditus ::ret;</a:t>
+            </a:r>
+            <a:endParaRPr lang="pt-BR" sz="1400">
+              <a:solidFill>
+                <a:schemeClr val="accent6">
+                  <a:lumMod val="40000"/>
+                  <a:lumOff val="60000"/>
+                </a:schemeClr>
+              </a:solidFill>
+              <a:cs typeface="Calibri"/>
+            </a:endParaRPr>
+          </a:p>
+          <a:p>
+            <a:r>
+              <a:rPr lang="pt-BR" sz="1400">
+                <a:solidFill>
+                  <a:schemeClr val="accent6">
+                    <a:lumMod val="40000"/>
+                    <a:lumOff val="60000"/>
+                  </a:schemeClr>
+                </a:solidFill>
+                <a:ea typeface="+mn-lt"/>
+                <a:cs typeface="+mn-lt"/>
+              </a:rPr>
+              <a:t>    }</a:t>
+            </a:r>
+          </a:p>
+          <a:p>
+            <a:endParaRPr lang="pt-BR" sz="1400" dirty="0">
+              <a:solidFill>
+                <a:schemeClr val="accent6">
+                  <a:lumMod val="40000"/>
+                  <a:lumOff val="60000"/>
+                </a:schemeClr>
+              </a:solidFill>
+              <a:cs typeface="Calibri"/>
+            </a:endParaRPr>
+          </a:p>
+        </p:txBody>
+      </p:sp>
+      <p:sp>
+        <p:nvSpPr>
+          <p:cNvPr id="5" name="CaixaDeTexto 4">
+            <a:extLst>
+              <a:ext uri="{FF2B5EF4-FFF2-40B4-BE49-F238E27FC236}">
+                <a16:creationId xmlns:a16="http://schemas.microsoft.com/office/drawing/2014/main" id="{ADBDD38F-8E1A-4732-8FFB-C58802778779}"/>
+              </a:ext>
+            </a:extLst>
+          </p:cNvPr>
+          <p:cNvSpPr txBox="1"/>
+          <p:nvPr/>
+        </p:nvSpPr>
+        <p:spPr>
+          <a:xfrm>
+            <a:off x="6262848" y="1536735"/>
+            <a:ext cx="5251805" cy="646331"/>
+          </a:xfrm>
+          <a:prstGeom prst="rect">
+            <a:avLst/>
+          </a:prstGeom>
+          <a:noFill/>
+        </p:spPr>
+        <p:txBody>
+          <a:bodyPr rot="0" spcFirstLastPara="0" vertOverflow="overflow" horzOverflow="overflow" vert="horz" wrap="square" lIns="91440" tIns="45720" rIns="91440" bIns="45720" numCol="1" spcCol="0" rtlCol="0" fromWordArt="0" anchor="t" anchorCtr="0" forceAA="0" compatLnSpc="1">
+            <a:prstTxWarp prst="textNoShape">
+              <a:avLst/>
+            </a:prstTxWarp>
+            <a:spAutoFit/>
+          </a:bodyPr>
+          <a:lstStyle/>
+          <a:p>
+            <a:r>
+              <a:rPr lang="pt-BR">
+                <a:cs typeface="Calibri"/>
+              </a:rPr>
+              <a:t>Se usar em conjunto com o fibonacci:</a:t>
+            </a:r>
+            <a:endParaRPr lang="pt-BR" dirty="0">
+              <a:cs typeface="Calibri"/>
+            </a:endParaRPr>
+          </a:p>
+          <a:p>
+            <a:endParaRPr lang="pt-BR" dirty="0">
+              <a:cs typeface="Calibri"/>
+            </a:endParaRPr>
+          </a:p>
+        </p:txBody>
+      </p:sp>
+      <p:sp>
+        <p:nvSpPr>
+          <p:cNvPr id="6" name="CaixaDeTexto 5">
+            <a:extLst>
+              <a:ext uri="{FF2B5EF4-FFF2-40B4-BE49-F238E27FC236}">
+                <a16:creationId xmlns:a16="http://schemas.microsoft.com/office/drawing/2014/main" id="{B8E868A0-A778-425B-B54D-4492041CB085}"/>
+              </a:ext>
+            </a:extLst>
+          </p:cNvPr>
+          <p:cNvSpPr txBox="1"/>
+          <p:nvPr/>
+        </p:nvSpPr>
+        <p:spPr>
+          <a:xfrm>
+            <a:off x="6097498" y="2090576"/>
+            <a:ext cx="5919625" cy="1384995"/>
+          </a:xfrm>
+          <a:prstGeom prst="rect">
+            <a:avLst/>
+          </a:prstGeom>
+        </p:spPr>
+        <p:style>
+          <a:lnRef idx="2">
+            <a:schemeClr val="dk1">
+              <a:shade val="50000"/>
+            </a:schemeClr>
+          </a:lnRef>
+          <a:fillRef idx="1">
+            <a:schemeClr val="dk1"/>
+          </a:fillRef>
+          <a:effectRef idx="0">
+            <a:schemeClr val="dk1"/>
+          </a:effectRef>
+          <a:fontRef idx="minor">
+            <a:schemeClr val="lt1"/>
+          </a:fontRef>
+        </p:style>
+        <p:txBody>
+          <a:bodyPr rot="0" spcFirstLastPara="0" vertOverflow="overflow" horzOverflow="overflow" vert="horz" wrap="square" lIns="91440" tIns="45720" rIns="91440" bIns="45720" numCol="1" spcCol="0" rtlCol="0" fromWordArt="0" anchor="t" anchorCtr="0" forceAA="0" compatLnSpc="1">
+            <a:prstTxWarp prst="textNoShape">
+              <a:avLst/>
+            </a:prstTxWarp>
+            <a:spAutoFit/>
+          </a:bodyPr>
+          <a:lstStyle/>
+          <a:p>
+            <a:r>
+              <a:rPr lang="pt-BR" sz="1400">
+                <a:solidFill>
+                  <a:schemeClr val="accent6">
+                    <a:lumMod val="40000"/>
+                    <a:lumOff val="60000"/>
+                  </a:schemeClr>
+                </a:solidFill>
+                <a:ea typeface="+mn-lt"/>
+                <a:cs typeface="+mn-lt"/>
+              </a:rPr>
+              <a:t>    ::b = 0;</a:t>
+            </a:r>
+            <a:endParaRPr lang="pt-BR" sz="1400">
+              <a:solidFill>
+                <a:schemeClr val="accent6">
+                  <a:lumMod val="40000"/>
+                  <a:lumOff val="60000"/>
+                </a:schemeClr>
+              </a:solidFill>
+              <a:cs typeface="Calibri"/>
+            </a:endParaRPr>
+          </a:p>
+          <a:p>
+            <a:r>
+              <a:rPr lang="pt-BR" sz="1400">
+                <a:solidFill>
+                  <a:schemeClr val="accent6">
+                    <a:lumMod val="40000"/>
+                    <a:lumOff val="60000"/>
+                  </a:schemeClr>
+                </a:solidFill>
+                <a:ea typeface="+mn-lt"/>
+                <a:cs typeface="+mn-lt"/>
+              </a:rPr>
+              <a:t>    dum(::b&lt;10)</a:t>
+            </a:r>
+            <a:endParaRPr lang="pt-BR" sz="1400">
+              <a:solidFill>
+                <a:schemeClr val="accent6">
+                  <a:lumMod val="40000"/>
+                  <a:lumOff val="60000"/>
+                </a:schemeClr>
+              </a:solidFill>
+              <a:cs typeface="Calibri"/>
+            </a:endParaRPr>
+          </a:p>
+          <a:p>
+            <a:r>
+              <a:rPr lang="pt-BR" sz="1400">
+                <a:solidFill>
+                  <a:schemeClr val="accent6">
+                    <a:lumMod val="40000"/>
+                    <a:lumOff val="60000"/>
+                  </a:schemeClr>
+                </a:solidFill>
+                <a:ea typeface="+mn-lt"/>
+                <a:cs typeface="+mn-lt"/>
+              </a:rPr>
+              <a:t>    {</a:t>
+            </a:r>
+            <a:endParaRPr lang="pt-BR" sz="1400">
+              <a:solidFill>
+                <a:schemeClr val="accent6">
+                  <a:lumMod val="40000"/>
+                  <a:lumOff val="60000"/>
+                </a:schemeClr>
+              </a:solidFill>
+              <a:cs typeface="Calibri"/>
+            </a:endParaRPr>
+          </a:p>
+          <a:p>
+            <a:r>
+              <a:rPr lang="pt-BR" sz="1400">
+                <a:solidFill>
+                  <a:schemeClr val="accent6">
+                    <a:lumMod val="40000"/>
+                    <a:lumOff val="60000"/>
+                  </a:schemeClr>
+                </a:solidFill>
+                <a:ea typeface="+mn-lt"/>
+                <a:cs typeface="+mn-lt"/>
+              </a:rPr>
+              <a:t>        ::b = ::b + 1;</a:t>
+            </a:r>
+            <a:endParaRPr lang="pt-BR" sz="1400">
+              <a:solidFill>
+                <a:schemeClr val="accent6">
+                  <a:lumMod val="40000"/>
+                  <a:lumOff val="60000"/>
+                </a:schemeClr>
+              </a:solidFill>
+              <a:cs typeface="Calibri"/>
+            </a:endParaRPr>
+          </a:p>
+          <a:p>
+            <a:r>
+              <a:rPr lang="pt-BR" sz="1400">
+                <a:solidFill>
+                  <a:schemeClr val="accent6">
+                    <a:lumMod val="40000"/>
+                    <a:lumOff val="60000"/>
+                  </a:schemeClr>
+                </a:solidFill>
+                <a:ea typeface="+mn-lt"/>
+                <a:cs typeface="+mn-lt"/>
+              </a:rPr>
+              <a:t>        ostende "O valor na posição ".intStr(2,::b)." é: ".intStr(5,fibonacci(::b));</a:t>
+            </a:r>
+            <a:endParaRPr lang="pt-BR" sz="1400">
+              <a:solidFill>
+                <a:schemeClr val="accent6">
+                  <a:lumMod val="40000"/>
+                  <a:lumOff val="60000"/>
+                </a:schemeClr>
+              </a:solidFill>
+              <a:cs typeface="Calibri"/>
+            </a:endParaRPr>
+          </a:p>
+          <a:p>
+            <a:r>
+              <a:rPr lang="pt-BR" sz="1400">
+                <a:solidFill>
+                  <a:schemeClr val="accent6">
+                    <a:lumMod val="40000"/>
+                    <a:lumOff val="60000"/>
+                  </a:schemeClr>
+                </a:solidFill>
+                <a:ea typeface="+mn-lt"/>
+                <a:cs typeface="+mn-lt"/>
+              </a:rPr>
+              <a:t>    }</a:t>
+            </a:r>
+            <a:endParaRPr lang="pt-BR" sz="1400">
+              <a:solidFill>
+                <a:schemeClr val="accent6">
+                  <a:lumMod val="40000"/>
+                  <a:lumOff val="60000"/>
+                </a:schemeClr>
+              </a:solidFill>
+            </a:endParaRPr>
+          </a:p>
+        </p:txBody>
+      </p:sp>
+      <p:sp>
+        <p:nvSpPr>
+          <p:cNvPr id="7" name="CaixaDeTexto 6">
+            <a:extLst>
+              <a:ext uri="{FF2B5EF4-FFF2-40B4-BE49-F238E27FC236}">
+                <a16:creationId xmlns:a16="http://schemas.microsoft.com/office/drawing/2014/main" id="{9E0C1423-D874-4FC4-ABA7-3B961308C802}"/>
+              </a:ext>
+            </a:extLst>
+          </p:cNvPr>
+          <p:cNvSpPr txBox="1"/>
+          <p:nvPr/>
+        </p:nvSpPr>
+        <p:spPr>
+          <a:xfrm>
+            <a:off x="6094823" y="3474912"/>
+            <a:ext cx="5928187" cy="2739211"/>
+          </a:xfrm>
+          <a:prstGeom prst="rect">
+            <a:avLst/>
+          </a:prstGeom>
+        </p:spPr>
+        <p:style>
+          <a:lnRef idx="2">
+            <a:schemeClr val="dk1">
+              <a:shade val="50000"/>
+            </a:schemeClr>
+          </a:lnRef>
+          <a:fillRef idx="1">
+            <a:schemeClr val="dk1"/>
+          </a:fillRef>
+          <a:effectRef idx="0">
+            <a:schemeClr val="dk1"/>
+          </a:effectRef>
+          <a:fontRef idx="minor">
+            <a:schemeClr val="lt1"/>
+          </a:fontRef>
+        </p:style>
+        <p:txBody>
+          <a:bodyPr rot="0" spcFirstLastPara="0" vertOverflow="overflow" horzOverflow="overflow" vert="horz" wrap="square" lIns="91440" tIns="45720" rIns="91440" bIns="45720" numCol="1" spcCol="0" rtlCol="0" fromWordArt="0" anchor="t" anchorCtr="0" forceAA="0" compatLnSpc="1">
+            <a:prstTxWarp prst="textNoShape">
+              <a:avLst/>
+            </a:prstTxWarp>
+            <a:spAutoFit/>
+          </a:bodyPr>
+          <a:lstStyle/>
+          <a:p>
+            <a:pPr algn="l"/>
+            <a:r>
+              <a:rPr lang="pt-BR"/>
+              <a:t>Resultado:</a:t>
+            </a:r>
+          </a:p>
+          <a:p>
+            <a:r>
+              <a:rPr lang="pt-BR" sz="1400">
+                <a:solidFill>
+                  <a:srgbClr val="7030A0"/>
+                </a:solidFill>
+                <a:ea typeface="+mn-lt"/>
+                <a:cs typeface="+mn-lt"/>
+              </a:rPr>
+              <a:t>O valor na posição   1 é:     1</a:t>
+            </a:r>
+          </a:p>
+          <a:p>
+            <a:r>
+              <a:rPr lang="pt-BR" sz="1400">
+                <a:solidFill>
+                  <a:srgbClr val="7030A0"/>
+                </a:solidFill>
+                <a:ea typeface="+mn-lt"/>
+                <a:cs typeface="+mn-lt"/>
+              </a:rPr>
+              <a:t>O valor na posição   2 é:     1</a:t>
+            </a:r>
+          </a:p>
+          <a:p>
+            <a:r>
+              <a:rPr lang="pt-BR" sz="1400">
+                <a:solidFill>
+                  <a:srgbClr val="7030A0"/>
+                </a:solidFill>
+                <a:ea typeface="+mn-lt"/>
+                <a:cs typeface="+mn-lt"/>
+              </a:rPr>
+              <a:t>O valor na posição   3 é:     2</a:t>
+            </a:r>
+          </a:p>
+          <a:p>
+            <a:r>
+              <a:rPr lang="pt-BR" sz="1400">
+                <a:solidFill>
+                  <a:srgbClr val="7030A0"/>
+                </a:solidFill>
+                <a:ea typeface="+mn-lt"/>
+                <a:cs typeface="+mn-lt"/>
+              </a:rPr>
+              <a:t>O valor na posição   4 é:     3</a:t>
+            </a:r>
+          </a:p>
+          <a:p>
+            <a:r>
+              <a:rPr lang="pt-BR" sz="1400">
+                <a:solidFill>
+                  <a:srgbClr val="7030A0"/>
+                </a:solidFill>
+                <a:ea typeface="+mn-lt"/>
+                <a:cs typeface="+mn-lt"/>
+              </a:rPr>
+              <a:t>O valor na posição   5 é:     5</a:t>
+            </a:r>
+          </a:p>
+          <a:p>
+            <a:r>
+              <a:rPr lang="pt-BR" sz="1400">
+                <a:solidFill>
+                  <a:srgbClr val="7030A0"/>
+                </a:solidFill>
+                <a:ea typeface="+mn-lt"/>
+                <a:cs typeface="+mn-lt"/>
+              </a:rPr>
+              <a:t>O valor na posição   6 é:     8</a:t>
+            </a:r>
+          </a:p>
+          <a:p>
+            <a:r>
+              <a:rPr lang="pt-BR" sz="1400">
+                <a:solidFill>
+                  <a:srgbClr val="7030A0"/>
+                </a:solidFill>
+                <a:ea typeface="+mn-lt"/>
+                <a:cs typeface="+mn-lt"/>
+              </a:rPr>
+              <a:t>O valor na posição   7 é:   13</a:t>
+            </a:r>
+          </a:p>
+          <a:p>
+            <a:r>
+              <a:rPr lang="pt-BR" sz="1400">
+                <a:solidFill>
+                  <a:srgbClr val="7030A0"/>
+                </a:solidFill>
+                <a:ea typeface="+mn-lt"/>
+                <a:cs typeface="+mn-lt"/>
+              </a:rPr>
+              <a:t>O valor na posição   8 é:   21</a:t>
+            </a:r>
+          </a:p>
+          <a:p>
+            <a:r>
+              <a:rPr lang="pt-BR" sz="1400">
+                <a:solidFill>
+                  <a:srgbClr val="7030A0"/>
+                </a:solidFill>
+                <a:ea typeface="+mn-lt"/>
+                <a:cs typeface="+mn-lt"/>
+              </a:rPr>
+              <a:t>O valor na posição   9 é:   34</a:t>
+            </a:r>
+          </a:p>
+          <a:p>
+            <a:r>
+              <a:rPr lang="pt-BR" sz="1400">
+                <a:solidFill>
+                  <a:srgbClr val="7030A0"/>
+                </a:solidFill>
+                <a:ea typeface="+mn-lt"/>
+                <a:cs typeface="+mn-lt"/>
+              </a:rPr>
+              <a:t>O valor na posição 10 é:   55</a:t>
+            </a:r>
+          </a:p>
+          <a:p>
+            <a:endParaRPr lang="pt-BR" sz="1400" dirty="0">
+              <a:solidFill>
+                <a:srgbClr val="7030A0"/>
+              </a:solidFill>
+              <a:ea typeface="+mn-lt"/>
+              <a:cs typeface="+mn-lt"/>
+            </a:endParaRPr>
+          </a:p>
+        </p:txBody>
+      </p:sp>
+    </p:spTree>
+    <p:extLst>
+      <p:ext uri="{BB962C8B-B14F-4D97-AF65-F5344CB8AC3E}">
+        <p14:creationId xmlns:p14="http://schemas.microsoft.com/office/powerpoint/2010/main" val="3390320379"/>
+      </p:ext>
+    </p:extLst>
+  </p:cSld>
+  <p:clrMapOvr>
+    <a:masterClrMapping/>
+  </p:clrMapOvr>
+</p:sld>
+</file>
+
+<file path=ppt/slides/slide23.xml><?xml version="1.0" encoding="utf-8"?>
+<p:sld xmlns:a="http://schemas.openxmlformats.org/drawingml/2006/main" xmlns:r="http://schemas.openxmlformats.org/officeDocument/2006/relationships" xmlns:p="http://schemas.openxmlformats.org/presentationml/2006/main">
+  <p:cSld>
+    <p:spTree>
+      <p:nvGrpSpPr>
+        <p:cNvPr id="1" name=""/>
+        <p:cNvGrpSpPr/>
+        <p:nvPr/>
+      </p:nvGrpSpPr>
+      <p:grpSpPr>
+        <a:xfrm>
+          <a:off x="0" y="0"/>
+          <a:ext cx="0" cy="0"/>
+          <a:chOff x="0" y="0"/>
+          <a:chExt cx="0" cy="0"/>
+        </a:xfrm>
+      </p:grpSpPr>
+      <p:sp>
+        <p:nvSpPr>
+          <p:cNvPr id="2" name="Título 1">
+            <a:extLst>
+              <a:ext uri="{FF2B5EF4-FFF2-40B4-BE49-F238E27FC236}">
                 <a16:creationId xmlns:a16="http://schemas.microsoft.com/office/drawing/2014/main" id="{3073E937-F95B-4676-AA04-32A28B5EA8E2}"/>
               </a:ext>
             </a:extLst>
@@ -9006,7 +9382,7 @@
 </p:sld>
 </file>
 
-<file path=ppt/slides/slide23.xml><?xml version="1.0" encoding="utf-8"?>
+<file path=ppt/slides/slide24.xml><?xml version="1.0" encoding="utf-8"?>
 <p:sld xmlns:a="http://schemas.openxmlformats.org/drawingml/2006/main" xmlns:r="http://schemas.openxmlformats.org/officeDocument/2006/relationships" xmlns:p="http://schemas.openxmlformats.org/presentationml/2006/main">
   <p:cSld>
     <p:spTree>
@@ -10623,7 +10999,7 @@
           <p:cNvPr id="2" name="Título 1">
             <a:extLst>
               <a:ext uri="{FF2B5EF4-FFF2-40B4-BE49-F238E27FC236}">
-                <a16:creationId xmlns:a16="http://schemas.microsoft.com/office/drawing/2014/main" id="{4CE8555A-16DB-4C37-B011-3A67768244DC}"/>
+                <a16:creationId xmlns:a16="http://schemas.microsoft.com/office/drawing/2014/main" id="{DEA4A166-56FD-4CD3-AC20-2A3670A9D897}"/>
               </a:ext>
             </a:extLst>
           </p:cNvPr>
@@ -10640,12 +11016,12 @@
           <a:lstStyle/>
           <a:p>
             <a:r>
-              <a:rPr lang="pt-BR" dirty="0">
+              <a:rPr lang="pt-BR">
                 <a:cs typeface="Calibri Light"/>
               </a:rPr>
-              <a:t>Como Usar: primeiros passos</a:t>
-            </a:r>
-            <a:endParaRPr lang="pt-BR" dirty="0"/>
+              <a:t>Para começar</a:t>
+            </a:r>
+            <a:endParaRPr lang="pt-BR"/>
           </a:p>
         </p:txBody>
       </p:sp>
@@ -10654,7 +11030,7 @@
           <p:cNvPr id="3" name="Espaço Reservado para Conteúdo 2">
             <a:extLst>
               <a:ext uri="{FF2B5EF4-FFF2-40B4-BE49-F238E27FC236}">
-                <a16:creationId xmlns:a16="http://schemas.microsoft.com/office/drawing/2014/main" id="{AD5F78C6-8DC3-4FF1-8CAC-79C4F098784A}"/>
+                <a16:creationId xmlns:a16="http://schemas.microsoft.com/office/drawing/2014/main" id="{B29B8DC5-AED2-417A-8DDF-7A38D6CD8E0F}"/>
               </a:ext>
             </a:extLst>
           </p:cNvPr>
@@ -10673,25 +11049,19 @@
           <a:lstStyle/>
           <a:p>
             <a:r>
-              <a:rPr lang="pt-BR" dirty="0">
-                <a:cs typeface="Calibri"/>
-              </a:rPr>
-              <a:t>O documento inicial precisa iniciar e terminar com as </a:t>
-            </a:r>
-            <a:r>
-              <a:rPr lang="pt-BR" dirty="0" err="1">
-                <a:cs typeface="Calibri"/>
-              </a:rPr>
-              <a:t>segintes</a:t>
-            </a:r>
-            <a:r>
-              <a:rPr lang="pt-BR" dirty="0">
-                <a:cs typeface="Calibri"/>
-              </a:rPr>
-              <a:t> definições:</a:t>
-            </a:r>
-          </a:p>
-          <a:p>
+              <a:rPr lang="pt-BR">
+                <a:cs typeface="Calibri"/>
+              </a:rPr>
+              <a:t>python 3.7+ </a:t>
+            </a:r>
+          </a:p>
+          <a:p>
+            <a:r>
+              <a:rPr lang="pt-BR">
+                <a:cs typeface="Calibri"/>
+              </a:rPr>
+              <a:t>Numpy</a:t>
+            </a:r>
             <a:endParaRPr lang="pt-BR" dirty="0">
               <a:cs typeface="Calibri"/>
             </a:endParaRPr>
@@ -10702,271 +11072,40 @@
             </a:endParaRPr>
           </a:p>
           <a:p>
+            <a:r>
+              <a:rPr lang="pt-BR">
+                <a:cs typeface="Calibri"/>
+              </a:rPr>
+              <a:t>Para rodar:</a:t>
+            </a:r>
+          </a:p>
+          <a:p>
+            <a:pPr lvl="1"/>
+            <a:r>
+              <a:rPr lang="pt-BR">
+                <a:cs typeface="Calibri"/>
+              </a:rPr>
+              <a:t>Arquivo com extenção ".lc"</a:t>
+            </a:r>
+          </a:p>
+          <a:p>
+            <a:pPr lvl="1"/>
+            <a:r>
+              <a:rPr lang="pt-BR">
+                <a:cs typeface="Calibri"/>
+              </a:rPr>
+              <a:t>Rodar "python compilador.py &lt;arquivo&gt;.lc"</a:t>
+            </a:r>
             <a:endParaRPr lang="pt-BR" dirty="0">
               <a:cs typeface="Calibri"/>
             </a:endParaRPr>
-          </a:p>
-          <a:p>
-            <a:endParaRPr lang="pt-BR" dirty="0">
-              <a:cs typeface="Calibri"/>
-            </a:endParaRPr>
-          </a:p>
-          <a:p>
-            <a:r>
-              <a:rPr lang="pt-BR" dirty="0">
-                <a:cs typeface="Calibri"/>
-              </a:rPr>
-              <a:t>Para comentários no código, usar :</a:t>
-            </a:r>
-          </a:p>
-          <a:p>
-            <a:endParaRPr lang="pt-BR" dirty="0">
-              <a:cs typeface="Calibri"/>
-            </a:endParaRPr>
-          </a:p>
-        </p:txBody>
-      </p:sp>
-      <p:sp>
-        <p:nvSpPr>
-          <p:cNvPr id="4" name="CaixaDeTexto 3">
-            <a:extLst>
-              <a:ext uri="{FF2B5EF4-FFF2-40B4-BE49-F238E27FC236}">
-                <a16:creationId xmlns:a16="http://schemas.microsoft.com/office/drawing/2014/main" id="{361B4FD8-7945-4445-BA60-92CDD3678D8E}"/>
-              </a:ext>
-            </a:extLst>
-          </p:cNvPr>
-          <p:cNvSpPr txBox="1"/>
-          <p:nvPr/>
-        </p:nvSpPr>
-        <p:spPr>
-          <a:xfrm>
-            <a:off x="2120900" y="2810327"/>
-            <a:ext cx="2743199" cy="1477328"/>
-          </a:xfrm>
-          <a:prstGeom prst="rect">
-            <a:avLst/>
-          </a:prstGeom>
-        </p:spPr>
-        <p:style>
-          <a:lnRef idx="2">
-            <a:schemeClr val="dk1">
-              <a:shade val="50000"/>
-            </a:schemeClr>
-          </a:lnRef>
-          <a:fillRef idx="1">
-            <a:schemeClr val="dk1"/>
-          </a:fillRef>
-          <a:effectRef idx="0">
-            <a:schemeClr val="dk1"/>
-          </a:effectRef>
-          <a:fontRef idx="minor">
-            <a:schemeClr val="lt1"/>
-          </a:fontRef>
-        </p:style>
-        <p:txBody>
-          <a:bodyPr rot="0" spcFirstLastPara="0" vertOverflow="overflow" horzOverflow="overflow" vert="horz" wrap="square" lIns="91440" tIns="45720" rIns="91440" bIns="45720" numCol="1" spcCol="0" rtlCol="0" fromWordArt="0" anchor="t" anchorCtr="0" forceAA="0" compatLnSpc="1">
-            <a:prstTxWarp prst="textNoShape">
-              <a:avLst/>
-            </a:prstTxWarp>
-            <a:spAutoFit/>
-          </a:bodyPr>
-          <a:lstStyle/>
-          <a:p>
-            <a:r>
-              <a:rPr lang="pt-BR" dirty="0" err="1">
-                <a:solidFill>
-                  <a:schemeClr val="accent6">
-                    <a:lumMod val="60000"/>
-                    <a:lumOff val="40000"/>
-                  </a:schemeClr>
-                </a:solidFill>
-                <a:ea typeface="+mn-lt"/>
-                <a:cs typeface="+mn-lt"/>
-              </a:rPr>
-              <a:t>pelagus</a:t>
-            </a:r>
-            <a:r>
-              <a:rPr lang="pt-BR" dirty="0">
-                <a:solidFill>
-                  <a:schemeClr val="accent6">
-                    <a:lumMod val="60000"/>
-                    <a:lumOff val="40000"/>
-                  </a:schemeClr>
-                </a:solidFill>
-                <a:ea typeface="+mn-lt"/>
-                <a:cs typeface="+mn-lt"/>
-              </a:rPr>
-              <a:t>?</a:t>
-            </a:r>
-          </a:p>
-          <a:p>
-            <a:endParaRPr lang="pt-BR" dirty="0">
-              <a:solidFill>
-                <a:schemeClr val="accent6">
-                  <a:lumMod val="60000"/>
-                  <a:lumOff val="40000"/>
-                </a:schemeClr>
-              </a:solidFill>
-              <a:cs typeface="Calibri"/>
-            </a:endParaRPr>
-          </a:p>
-          <a:p>
-            <a:r>
-              <a:rPr lang="pt-BR" dirty="0">
-                <a:solidFill>
-                  <a:schemeClr val="accent6">
-                    <a:lumMod val="60000"/>
-                    <a:lumOff val="40000"/>
-                  </a:schemeClr>
-                </a:solidFill>
-                <a:ea typeface="+mn-lt"/>
-                <a:cs typeface="+mn-lt"/>
-              </a:rPr>
-              <a:t>    /* Código */</a:t>
-            </a:r>
-          </a:p>
-          <a:p>
-            <a:endParaRPr lang="pt-BR" dirty="0">
-              <a:solidFill>
-                <a:schemeClr val="accent6">
-                  <a:lumMod val="60000"/>
-                  <a:lumOff val="40000"/>
-                </a:schemeClr>
-              </a:solidFill>
-              <a:cs typeface="Calibri"/>
-            </a:endParaRPr>
-          </a:p>
-          <a:p>
-            <a:pPr algn="l"/>
-            <a:r>
-              <a:rPr lang="pt-BR" dirty="0">
-                <a:solidFill>
-                  <a:schemeClr val="accent6">
-                    <a:lumMod val="60000"/>
-                    <a:lumOff val="40000"/>
-                  </a:schemeClr>
-                </a:solidFill>
-                <a:ea typeface="+mn-lt"/>
-                <a:cs typeface="+mn-lt"/>
-              </a:rPr>
-              <a:t>?</a:t>
-            </a:r>
-            <a:r>
-              <a:rPr lang="pt-BR" err="1">
-                <a:solidFill>
-                  <a:schemeClr val="accent6">
-                    <a:lumMod val="60000"/>
-                    <a:lumOff val="40000"/>
-                  </a:schemeClr>
-                </a:solidFill>
-                <a:ea typeface="+mn-lt"/>
-                <a:cs typeface="+mn-lt"/>
-              </a:rPr>
-              <a:t>prope</a:t>
-            </a:r>
-            <a:endParaRPr lang="pt-BR" err="1">
-              <a:solidFill>
-                <a:schemeClr val="accent6">
-                  <a:lumMod val="60000"/>
-                  <a:lumOff val="40000"/>
-                </a:schemeClr>
-              </a:solidFill>
-            </a:endParaRPr>
-          </a:p>
-        </p:txBody>
-      </p:sp>
-      <p:sp>
-        <p:nvSpPr>
-          <p:cNvPr id="5" name="CaixaDeTexto 4">
-            <a:extLst>
-              <a:ext uri="{FF2B5EF4-FFF2-40B4-BE49-F238E27FC236}">
-                <a16:creationId xmlns:a16="http://schemas.microsoft.com/office/drawing/2014/main" id="{AFC79266-C908-4454-B43D-8685EA9D7B68}"/>
-              </a:ext>
-            </a:extLst>
-          </p:cNvPr>
-          <p:cNvSpPr txBox="1"/>
-          <p:nvPr/>
-        </p:nvSpPr>
-        <p:spPr>
-          <a:xfrm>
-            <a:off x="1510846" y="5502274"/>
-            <a:ext cx="2743199" cy="369332"/>
-          </a:xfrm>
-          <a:prstGeom prst="rect">
-            <a:avLst/>
-          </a:prstGeom>
-        </p:spPr>
-        <p:style>
-          <a:lnRef idx="2">
-            <a:schemeClr val="dk1">
-              <a:shade val="50000"/>
-            </a:schemeClr>
-          </a:lnRef>
-          <a:fillRef idx="1">
-            <a:schemeClr val="dk1"/>
-          </a:fillRef>
-          <a:effectRef idx="0">
-            <a:schemeClr val="dk1"/>
-          </a:effectRef>
-          <a:fontRef idx="minor">
-            <a:schemeClr val="lt1"/>
-          </a:fontRef>
-        </p:style>
-        <p:txBody>
-          <a:bodyPr rot="0" spcFirstLastPara="0" vertOverflow="overflow" horzOverflow="overflow" vert="horz" wrap="square" lIns="91440" tIns="45720" rIns="91440" bIns="45720" numCol="1" spcCol="0" rtlCol="0" fromWordArt="0" anchor="t" anchorCtr="0" forceAA="0" compatLnSpc="1">
-            <a:prstTxWarp prst="textNoShape">
-              <a:avLst/>
-            </a:prstTxWarp>
-            <a:spAutoFit/>
-          </a:bodyPr>
-          <a:lstStyle/>
-          <a:p>
-            <a:r>
-              <a:rPr lang="pt-BR" dirty="0">
-                <a:solidFill>
-                  <a:schemeClr val="accent6">
-                    <a:lumMod val="60000"/>
-                    <a:lumOff val="40000"/>
-                  </a:schemeClr>
-                </a:solidFill>
-                <a:ea typeface="+mn-lt"/>
-                <a:cs typeface="+mn-lt"/>
-              </a:rPr>
-              <a:t>/* </a:t>
-            </a:r>
-            <a:r>
-              <a:rPr lang="pt-BR">
-                <a:solidFill>
-                  <a:schemeClr val="accent6">
-                    <a:lumMod val="60000"/>
-                    <a:lumOff val="40000"/>
-                  </a:schemeClr>
-                </a:solidFill>
-                <a:ea typeface="+mn-lt"/>
-                <a:cs typeface="+mn-lt"/>
-              </a:rPr>
-              <a:t>comentário</a:t>
-            </a:r>
-            <a:r>
-              <a:rPr lang="pt-BR" dirty="0">
-                <a:solidFill>
-                  <a:schemeClr val="accent6">
-                    <a:lumMod val="60000"/>
-                    <a:lumOff val="40000"/>
-                  </a:schemeClr>
-                </a:solidFill>
-                <a:ea typeface="+mn-lt"/>
-                <a:cs typeface="+mn-lt"/>
-              </a:rPr>
-              <a:t> /*</a:t>
-            </a:r>
           </a:p>
         </p:txBody>
       </p:sp>
     </p:spTree>
     <p:extLst>
       <p:ext uri="{BB962C8B-B14F-4D97-AF65-F5344CB8AC3E}">
-        <p14:creationId xmlns:p14="http://schemas.microsoft.com/office/powerpoint/2010/main" val="4084509013"/>
+        <p14:creationId xmlns:p14="http://schemas.microsoft.com/office/powerpoint/2010/main" val="518971667"/>
       </p:ext>
     </p:extLst>
   </p:cSld>
